--- a/Slides/Geog4300 Fa17 Lecture 14-1 Regression.pptx
+++ b/Slides/Geog4300 Fa17 Lecture 14-1 Regression.pptx
@@ -5,7 +5,7 @@
     <p:sldMasterId id="2147483659" r:id="rId1"/>
   </p:sldMasterIdLst>
   <p:notesMasterIdLst>
-    <p:notesMasterId r:id="rId31"/>
+    <p:notesMasterId r:id="rId27"/>
   </p:notesMasterIdLst>
   <p:sldIdLst>
     <p:sldId id="256" r:id="rId2"/>
@@ -16,44 +16,40 @@
     <p:sldId id="261" r:id="rId7"/>
     <p:sldId id="262" r:id="rId8"/>
     <p:sldId id="263" r:id="rId9"/>
-    <p:sldId id="264" r:id="rId10"/>
-    <p:sldId id="265" r:id="rId11"/>
-    <p:sldId id="266" r:id="rId12"/>
-    <p:sldId id="267" r:id="rId13"/>
-    <p:sldId id="268" r:id="rId14"/>
-    <p:sldId id="269" r:id="rId15"/>
-    <p:sldId id="270" r:id="rId16"/>
-    <p:sldId id="271" r:id="rId17"/>
-    <p:sldId id="272" r:id="rId18"/>
-    <p:sldId id="273" r:id="rId19"/>
-    <p:sldId id="281" r:id="rId20"/>
-    <p:sldId id="274" r:id="rId21"/>
-    <p:sldId id="275" r:id="rId22"/>
-    <p:sldId id="277" r:id="rId23"/>
-    <p:sldId id="278" r:id="rId24"/>
-    <p:sldId id="284" r:id="rId25"/>
-    <p:sldId id="279" r:id="rId26"/>
-    <p:sldId id="282" r:id="rId27"/>
-    <p:sldId id="276" r:id="rId28"/>
-    <p:sldId id="285" r:id="rId29"/>
-    <p:sldId id="283" r:id="rId30"/>
+    <p:sldId id="265" r:id="rId10"/>
+    <p:sldId id="267" r:id="rId11"/>
+    <p:sldId id="269" r:id="rId12"/>
+    <p:sldId id="270" r:id="rId13"/>
+    <p:sldId id="271" r:id="rId14"/>
+    <p:sldId id="272" r:id="rId15"/>
+    <p:sldId id="273" r:id="rId16"/>
+    <p:sldId id="281" r:id="rId17"/>
+    <p:sldId id="274" r:id="rId18"/>
+    <p:sldId id="275" r:id="rId19"/>
+    <p:sldId id="277" r:id="rId20"/>
+    <p:sldId id="278" r:id="rId21"/>
+    <p:sldId id="279" r:id="rId22"/>
+    <p:sldId id="282" r:id="rId23"/>
+    <p:sldId id="276" r:id="rId24"/>
+    <p:sldId id="285" r:id="rId25"/>
+    <p:sldId id="283" r:id="rId26"/>
   </p:sldIdLst>
   <p:sldSz cx="9144000" cy="6858000" type="screen4x3"/>
   <p:notesSz cx="6858000" cy="9144000"/>
   <p:embeddedFontLst>
     <p:embeddedFont>
       <p:font typeface="Calibri" panose="020F0502020204030204" pitchFamily="34" charset="0"/>
+      <p:regular r:id="rId28"/>
+      <p:bold r:id="rId29"/>
+      <p:italic r:id="rId30"/>
+      <p:boldItalic r:id="rId31"/>
+    </p:embeddedFont>
+    <p:embeddedFont>
+      <p:font typeface="Gill Sans MT" panose="020B0502020104020203" pitchFamily="34" charset="0"/>
       <p:regular r:id="rId32"/>
       <p:bold r:id="rId33"/>
       <p:italic r:id="rId34"/>
       <p:boldItalic r:id="rId35"/>
-    </p:embeddedFont>
-    <p:embeddedFont>
-      <p:font typeface="Gill Sans MT" panose="020B0502020104020203" pitchFamily="34" charset="0"/>
-      <p:regular r:id="rId36"/>
-      <p:bold r:id="rId37"/>
-      <p:italic r:id="rId38"/>
-      <p:boldItalic r:id="rId39"/>
     </p:embeddedFont>
   </p:embeddedFontLst>
   <p:defaultTextStyle>
@@ -1357,374 +1353,6 @@
   <p:cSld>
     <p:spTree>
       <p:nvGrpSpPr>
-        <p:cNvPr id="1" name="Shape 203"/>
-        <p:cNvGrpSpPr/>
-        <p:nvPr/>
-      </p:nvGrpSpPr>
-      <p:grpSpPr>
-        <a:xfrm>
-          <a:off x="0" y="0"/>
-          <a:ext cx="0" cy="0"/>
-          <a:chOff x="0" y="0"/>
-          <a:chExt cx="0" cy="0"/>
-        </a:xfrm>
-      </p:grpSpPr>
-      <p:sp>
-        <p:nvSpPr>
-          <p:cNvPr id="204" name="Shape 204"/>
-          <p:cNvSpPr>
-            <a:spLocks noGrp="1" noRot="1" noChangeAspect="1"/>
-          </p:cNvSpPr>
-          <p:nvPr>
-            <p:ph type="sldImg" idx="2"/>
-          </p:nvPr>
-        </p:nvSpPr>
-        <p:spPr>
-          <a:xfrm>
-            <a:off x="1143000" y="685800"/>
-            <a:ext cx="4572000" cy="3429000"/>
-          </a:xfrm>
-          <a:custGeom>
-            <a:avLst/>
-            <a:gdLst/>
-            <a:ahLst/>
-            <a:cxnLst/>
-            <a:rect l="0" t="0" r="0" b="0"/>
-            <a:pathLst>
-              <a:path w="120000" h="120000" extrusionOk="0">
-                <a:moveTo>
-                  <a:pt x="0" y="0"/>
-                </a:moveTo>
-                <a:lnTo>
-                  <a:pt x="120000" y="0"/>
-                </a:lnTo>
-                <a:lnTo>
-                  <a:pt x="120000" y="120000"/>
-                </a:lnTo>
-                <a:lnTo>
-                  <a:pt x="0" y="120000"/>
-                </a:lnTo>
-                <a:close/>
-              </a:path>
-            </a:pathLst>
-          </a:custGeom>
-          <a:noFill/>
-          <a:ln w="12700" cap="flat" cmpd="sng">
-            <a:solidFill>
-              <a:srgbClr val="000000"/>
-            </a:solidFill>
-            <a:prstDash val="solid"/>
-            <a:round/>
-            <a:headEnd type="none" w="med" len="med"/>
-            <a:tailEnd type="none" w="med" len="med"/>
-          </a:ln>
-        </p:spPr>
-      </p:sp>
-      <p:sp>
-        <p:nvSpPr>
-          <p:cNvPr id="205" name="Shape 205"/>
-          <p:cNvSpPr txBox="1">
-            <a:spLocks noGrp="1"/>
-          </p:cNvSpPr>
-          <p:nvPr>
-            <p:ph type="body" idx="1"/>
-          </p:nvPr>
-        </p:nvSpPr>
-        <p:spPr>
-          <a:xfrm>
-            <a:off x="685800" y="4343400"/>
-            <a:ext cx="5486399" cy="4114800"/>
-          </a:xfrm>
-          <a:prstGeom prst="rect">
-            <a:avLst/>
-          </a:prstGeom>
-          <a:noFill/>
-          <a:ln>
-            <a:noFill/>
-          </a:ln>
-        </p:spPr>
-        <p:txBody>
-          <a:bodyPr lIns="91425" tIns="45700" rIns="91425" bIns="45700" anchor="t" anchorCtr="0">
-            <a:noAutofit/>
-          </a:bodyPr>
-          <a:lstStyle/>
-          <a:p>
-            <a:pPr marL="0" marR="0" lvl="0" indent="0" algn="l" rtl="0">
-              <a:spcBef>
-                <a:spcPts val="0"/>
-              </a:spcBef>
-              <a:buSzPct val="25000"/>
-              <a:buNone/>
-            </a:pPr>
-            <a:endParaRPr sz="1200" b="0" i="0" u="none" strike="noStrike" cap="none">
-              <a:solidFill>
-                <a:schemeClr val="dk1"/>
-              </a:solidFill>
-              <a:latin typeface="Calibri"/>
-              <a:ea typeface="Calibri"/>
-              <a:cs typeface="Calibri"/>
-              <a:sym typeface="Calibri"/>
-            </a:endParaRPr>
-          </a:p>
-        </p:txBody>
-      </p:sp>
-      <p:sp>
-        <p:nvSpPr>
-          <p:cNvPr id="206" name="Shape 206"/>
-          <p:cNvSpPr txBox="1">
-            <a:spLocks noGrp="1"/>
-          </p:cNvSpPr>
-          <p:nvPr>
-            <p:ph type="sldNum" idx="12"/>
-          </p:nvPr>
-        </p:nvSpPr>
-        <p:spPr>
-          <a:xfrm>
-            <a:off x="3884612" y="8685213"/>
-            <a:ext cx="2971799" cy="457200"/>
-          </a:xfrm>
-          <a:prstGeom prst="rect">
-            <a:avLst/>
-          </a:prstGeom>
-          <a:noFill/>
-          <a:ln>
-            <a:noFill/>
-          </a:ln>
-        </p:spPr>
-        <p:txBody>
-          <a:bodyPr lIns="91425" tIns="45700" rIns="91425" bIns="45700" anchor="b" anchorCtr="0">
-            <a:noAutofit/>
-          </a:bodyPr>
-          <a:lstStyle/>
-          <a:p>
-            <a:pPr marL="0" marR="0" lvl="0" indent="0" algn="r" rtl="0">
-              <a:spcBef>
-                <a:spcPts val="0"/>
-              </a:spcBef>
-              <a:buSzPct val="25000"/>
-              <a:buNone/>
-            </a:pPr>
-            <a:fld id="{00000000-1234-1234-1234-123412341234}" type="slidenum">
-              <a:rPr lang="en-US" sz="1200">
-                <a:solidFill>
-                  <a:schemeClr val="dk1"/>
-                </a:solidFill>
-                <a:latin typeface="Calibri"/>
-                <a:ea typeface="Calibri"/>
-                <a:cs typeface="Calibri"/>
-                <a:sym typeface="Calibri"/>
-              </a:rPr>
-              <a:t>10</a:t>
-            </a:fld>
-            <a:endParaRPr lang="en-US" sz="1200">
-              <a:solidFill>
-                <a:schemeClr val="dk1"/>
-              </a:solidFill>
-              <a:latin typeface="Calibri"/>
-              <a:ea typeface="Calibri"/>
-              <a:cs typeface="Calibri"/>
-              <a:sym typeface="Calibri"/>
-            </a:endParaRPr>
-          </a:p>
-        </p:txBody>
-      </p:sp>
-    </p:spTree>
-  </p:cSld>
-  <p:clrMapOvr>
-    <a:masterClrMapping/>
-  </p:clrMapOvr>
-</p:notes>
-</file>
-
-<file path=ppt/notesSlides/notesSlide11.xml><?xml version="1.0" encoding="utf-8"?>
-<p:notes xmlns:a="http://schemas.openxmlformats.org/drawingml/2006/main" xmlns:r="http://schemas.openxmlformats.org/officeDocument/2006/relationships" xmlns:p="http://schemas.openxmlformats.org/presentationml/2006/main" showMasterSp="0" showMasterPhAnim="0">
-  <p:cSld>
-    <p:spTree>
-      <p:nvGrpSpPr>
-        <p:cNvPr id="1" name="Shape 216"/>
-        <p:cNvGrpSpPr/>
-        <p:nvPr/>
-      </p:nvGrpSpPr>
-      <p:grpSpPr>
-        <a:xfrm>
-          <a:off x="0" y="0"/>
-          <a:ext cx="0" cy="0"/>
-          <a:chOff x="0" y="0"/>
-          <a:chExt cx="0" cy="0"/>
-        </a:xfrm>
-      </p:grpSpPr>
-      <p:sp>
-        <p:nvSpPr>
-          <p:cNvPr id="217" name="Shape 217"/>
-          <p:cNvSpPr>
-            <a:spLocks noGrp="1" noRot="1" noChangeAspect="1"/>
-          </p:cNvSpPr>
-          <p:nvPr>
-            <p:ph type="sldImg" idx="2"/>
-          </p:nvPr>
-        </p:nvSpPr>
-        <p:spPr>
-          <a:xfrm>
-            <a:off x="1143000" y="685800"/>
-            <a:ext cx="4572000" cy="3429000"/>
-          </a:xfrm>
-          <a:custGeom>
-            <a:avLst/>
-            <a:gdLst/>
-            <a:ahLst/>
-            <a:cxnLst/>
-            <a:rect l="0" t="0" r="0" b="0"/>
-            <a:pathLst>
-              <a:path w="120000" h="120000" extrusionOk="0">
-                <a:moveTo>
-                  <a:pt x="0" y="0"/>
-                </a:moveTo>
-                <a:lnTo>
-                  <a:pt x="120000" y="0"/>
-                </a:lnTo>
-                <a:lnTo>
-                  <a:pt x="120000" y="120000"/>
-                </a:lnTo>
-                <a:lnTo>
-                  <a:pt x="0" y="120000"/>
-                </a:lnTo>
-                <a:close/>
-              </a:path>
-            </a:pathLst>
-          </a:custGeom>
-          <a:noFill/>
-          <a:ln w="12700" cap="flat" cmpd="sng">
-            <a:solidFill>
-              <a:srgbClr val="000000"/>
-            </a:solidFill>
-            <a:prstDash val="solid"/>
-            <a:round/>
-            <a:headEnd type="none" w="med" len="med"/>
-            <a:tailEnd type="none" w="med" len="med"/>
-          </a:ln>
-        </p:spPr>
-      </p:sp>
-      <p:sp>
-        <p:nvSpPr>
-          <p:cNvPr id="218" name="Shape 218"/>
-          <p:cNvSpPr txBox="1">
-            <a:spLocks noGrp="1"/>
-          </p:cNvSpPr>
-          <p:nvPr>
-            <p:ph type="body" idx="1"/>
-          </p:nvPr>
-        </p:nvSpPr>
-        <p:spPr>
-          <a:xfrm>
-            <a:off x="685800" y="4343400"/>
-            <a:ext cx="5486399" cy="4114800"/>
-          </a:xfrm>
-          <a:prstGeom prst="rect">
-            <a:avLst/>
-          </a:prstGeom>
-          <a:noFill/>
-          <a:ln>
-            <a:noFill/>
-          </a:ln>
-        </p:spPr>
-        <p:txBody>
-          <a:bodyPr lIns="91425" tIns="45700" rIns="91425" bIns="45700" anchor="t" anchorCtr="0">
-            <a:noAutofit/>
-          </a:bodyPr>
-          <a:lstStyle/>
-          <a:p>
-            <a:pPr marL="0" marR="0" lvl="0" indent="0" algn="l" rtl="0">
-              <a:spcBef>
-                <a:spcPts val="0"/>
-              </a:spcBef>
-              <a:buSzPct val="25000"/>
-              <a:buNone/>
-            </a:pPr>
-            <a:endParaRPr sz="1200" b="0" i="0" u="none" strike="noStrike" cap="none">
-              <a:solidFill>
-                <a:schemeClr val="dk1"/>
-              </a:solidFill>
-              <a:latin typeface="Calibri"/>
-              <a:ea typeface="Calibri"/>
-              <a:cs typeface="Calibri"/>
-              <a:sym typeface="Calibri"/>
-            </a:endParaRPr>
-          </a:p>
-        </p:txBody>
-      </p:sp>
-      <p:sp>
-        <p:nvSpPr>
-          <p:cNvPr id="219" name="Shape 219"/>
-          <p:cNvSpPr txBox="1">
-            <a:spLocks noGrp="1"/>
-          </p:cNvSpPr>
-          <p:nvPr>
-            <p:ph type="sldNum" idx="12"/>
-          </p:nvPr>
-        </p:nvSpPr>
-        <p:spPr>
-          <a:xfrm>
-            <a:off x="3884612" y="8685213"/>
-            <a:ext cx="2971799" cy="457200"/>
-          </a:xfrm>
-          <a:prstGeom prst="rect">
-            <a:avLst/>
-          </a:prstGeom>
-          <a:noFill/>
-          <a:ln>
-            <a:noFill/>
-          </a:ln>
-        </p:spPr>
-        <p:txBody>
-          <a:bodyPr lIns="91425" tIns="45700" rIns="91425" bIns="45700" anchor="b" anchorCtr="0">
-            <a:noAutofit/>
-          </a:bodyPr>
-          <a:lstStyle/>
-          <a:p>
-            <a:pPr marL="0" marR="0" lvl="0" indent="0" algn="r" rtl="0">
-              <a:spcBef>
-                <a:spcPts val="0"/>
-              </a:spcBef>
-              <a:buSzPct val="25000"/>
-              <a:buNone/>
-            </a:pPr>
-            <a:fld id="{00000000-1234-1234-1234-123412341234}" type="slidenum">
-              <a:rPr lang="en-US" sz="1200">
-                <a:solidFill>
-                  <a:schemeClr val="dk1"/>
-                </a:solidFill>
-                <a:latin typeface="Calibri"/>
-                <a:ea typeface="Calibri"/>
-                <a:cs typeface="Calibri"/>
-                <a:sym typeface="Calibri"/>
-              </a:rPr>
-              <a:t>11</a:t>
-            </a:fld>
-            <a:endParaRPr lang="en-US" sz="1200">
-              <a:solidFill>
-                <a:schemeClr val="dk1"/>
-              </a:solidFill>
-              <a:latin typeface="Calibri"/>
-              <a:ea typeface="Calibri"/>
-              <a:cs typeface="Calibri"/>
-              <a:sym typeface="Calibri"/>
-            </a:endParaRPr>
-          </a:p>
-        </p:txBody>
-      </p:sp>
-    </p:spTree>
-  </p:cSld>
-  <p:clrMapOvr>
-    <a:masterClrMapping/>
-  </p:clrMapOvr>
-</p:notes>
-</file>
-
-<file path=ppt/notesSlides/notesSlide12.xml><?xml version="1.0" encoding="utf-8"?>
-<p:notes xmlns:a="http://schemas.openxmlformats.org/drawingml/2006/main" xmlns:r="http://schemas.openxmlformats.org/officeDocument/2006/relationships" xmlns:p="http://schemas.openxmlformats.org/presentationml/2006/main" showMasterSp="0" showMasterPhAnim="0">
-  <p:cSld>
-    <p:spTree>
-      <p:nvGrpSpPr>
         <p:cNvPr id="1" name="Shape 227"/>
         <p:cNvGrpSpPr/>
         <p:nvPr/>
@@ -1882,7 +1510,7 @@
                 <a:cs typeface="Calibri"/>
                 <a:sym typeface="Calibri"/>
               </a:rPr>
-              <a:t>12</a:t>
+              <a:t>10</a:t>
             </a:fld>
             <a:endParaRPr lang="en-US" sz="1200">
               <a:solidFill>
@@ -1904,191 +1532,7 @@
 </p:notes>
 </file>
 
-<file path=ppt/notesSlides/notesSlide13.xml><?xml version="1.0" encoding="utf-8"?>
-<p:notes xmlns:a="http://schemas.openxmlformats.org/drawingml/2006/main" xmlns:r="http://schemas.openxmlformats.org/officeDocument/2006/relationships" xmlns:p="http://schemas.openxmlformats.org/presentationml/2006/main" showMasterSp="0" showMasterPhAnim="0">
-  <p:cSld>
-    <p:spTree>
-      <p:nvGrpSpPr>
-        <p:cNvPr id="1" name="Shape 245"/>
-        <p:cNvGrpSpPr/>
-        <p:nvPr/>
-      </p:nvGrpSpPr>
-      <p:grpSpPr>
-        <a:xfrm>
-          <a:off x="0" y="0"/>
-          <a:ext cx="0" cy="0"/>
-          <a:chOff x="0" y="0"/>
-          <a:chExt cx="0" cy="0"/>
-        </a:xfrm>
-      </p:grpSpPr>
-      <p:sp>
-        <p:nvSpPr>
-          <p:cNvPr id="246" name="Shape 246"/>
-          <p:cNvSpPr>
-            <a:spLocks noGrp="1" noRot="1" noChangeAspect="1"/>
-          </p:cNvSpPr>
-          <p:nvPr>
-            <p:ph type="sldImg" idx="2"/>
-          </p:nvPr>
-        </p:nvSpPr>
-        <p:spPr>
-          <a:xfrm>
-            <a:off x="1143000" y="685800"/>
-            <a:ext cx="4572000" cy="3429000"/>
-          </a:xfrm>
-          <a:custGeom>
-            <a:avLst/>
-            <a:gdLst/>
-            <a:ahLst/>
-            <a:cxnLst/>
-            <a:rect l="0" t="0" r="0" b="0"/>
-            <a:pathLst>
-              <a:path w="120000" h="120000" extrusionOk="0">
-                <a:moveTo>
-                  <a:pt x="0" y="0"/>
-                </a:moveTo>
-                <a:lnTo>
-                  <a:pt x="120000" y="0"/>
-                </a:lnTo>
-                <a:lnTo>
-                  <a:pt x="120000" y="120000"/>
-                </a:lnTo>
-                <a:lnTo>
-                  <a:pt x="0" y="120000"/>
-                </a:lnTo>
-                <a:close/>
-              </a:path>
-            </a:pathLst>
-          </a:custGeom>
-          <a:noFill/>
-          <a:ln w="12700" cap="flat" cmpd="sng">
-            <a:solidFill>
-              <a:srgbClr val="000000"/>
-            </a:solidFill>
-            <a:prstDash val="solid"/>
-            <a:round/>
-            <a:headEnd type="none" w="med" len="med"/>
-            <a:tailEnd type="none" w="med" len="med"/>
-          </a:ln>
-        </p:spPr>
-      </p:sp>
-      <p:sp>
-        <p:nvSpPr>
-          <p:cNvPr id="247" name="Shape 247"/>
-          <p:cNvSpPr txBox="1">
-            <a:spLocks noGrp="1"/>
-          </p:cNvSpPr>
-          <p:nvPr>
-            <p:ph type="body" idx="1"/>
-          </p:nvPr>
-        </p:nvSpPr>
-        <p:spPr>
-          <a:xfrm>
-            <a:off x="685800" y="4343400"/>
-            <a:ext cx="5486399" cy="4114800"/>
-          </a:xfrm>
-          <a:prstGeom prst="rect">
-            <a:avLst/>
-          </a:prstGeom>
-          <a:noFill/>
-          <a:ln>
-            <a:noFill/>
-          </a:ln>
-        </p:spPr>
-        <p:txBody>
-          <a:bodyPr lIns="91425" tIns="45700" rIns="91425" bIns="45700" anchor="t" anchorCtr="0">
-            <a:noAutofit/>
-          </a:bodyPr>
-          <a:lstStyle/>
-          <a:p>
-            <a:pPr marL="0" marR="0" lvl="0" indent="0" algn="l" rtl="0">
-              <a:spcBef>
-                <a:spcPts val="0"/>
-              </a:spcBef>
-              <a:buSzPct val="25000"/>
-              <a:buNone/>
-            </a:pPr>
-            <a:endParaRPr sz="1200" b="0" i="0" u="none" strike="noStrike" cap="none">
-              <a:solidFill>
-                <a:schemeClr val="dk1"/>
-              </a:solidFill>
-              <a:latin typeface="Calibri"/>
-              <a:ea typeface="Calibri"/>
-              <a:cs typeface="Calibri"/>
-              <a:sym typeface="Calibri"/>
-            </a:endParaRPr>
-          </a:p>
-        </p:txBody>
-      </p:sp>
-      <p:sp>
-        <p:nvSpPr>
-          <p:cNvPr id="248" name="Shape 248"/>
-          <p:cNvSpPr txBox="1">
-            <a:spLocks noGrp="1"/>
-          </p:cNvSpPr>
-          <p:nvPr>
-            <p:ph type="sldNum" idx="12"/>
-          </p:nvPr>
-        </p:nvSpPr>
-        <p:spPr>
-          <a:xfrm>
-            <a:off x="3884612" y="8685213"/>
-            <a:ext cx="2971799" cy="457200"/>
-          </a:xfrm>
-          <a:prstGeom prst="rect">
-            <a:avLst/>
-          </a:prstGeom>
-          <a:noFill/>
-          <a:ln>
-            <a:noFill/>
-          </a:ln>
-        </p:spPr>
-        <p:txBody>
-          <a:bodyPr lIns="91425" tIns="45700" rIns="91425" bIns="45700" anchor="b" anchorCtr="0">
-            <a:noAutofit/>
-          </a:bodyPr>
-          <a:lstStyle/>
-          <a:p>
-            <a:pPr marL="0" marR="0" lvl="0" indent="0" algn="r" rtl="0">
-              <a:spcBef>
-                <a:spcPts val="0"/>
-              </a:spcBef>
-              <a:buSzPct val="25000"/>
-              <a:buNone/>
-            </a:pPr>
-            <a:fld id="{00000000-1234-1234-1234-123412341234}" type="slidenum">
-              <a:rPr lang="en-US" sz="1200">
-                <a:solidFill>
-                  <a:schemeClr val="dk1"/>
-                </a:solidFill>
-                <a:latin typeface="Calibri"/>
-                <a:ea typeface="Calibri"/>
-                <a:cs typeface="Calibri"/>
-                <a:sym typeface="Calibri"/>
-              </a:rPr>
-              <a:t>13</a:t>
-            </a:fld>
-            <a:endParaRPr lang="en-US" sz="1200">
-              <a:solidFill>
-                <a:schemeClr val="dk1"/>
-              </a:solidFill>
-              <a:latin typeface="Calibri"/>
-              <a:ea typeface="Calibri"/>
-              <a:cs typeface="Calibri"/>
-              <a:sym typeface="Calibri"/>
-            </a:endParaRPr>
-          </a:p>
-        </p:txBody>
-      </p:sp>
-    </p:spTree>
-  </p:cSld>
-  <p:clrMapOvr>
-    <a:masterClrMapping/>
-  </p:clrMapOvr>
-</p:notes>
-</file>
-
-<file path=ppt/notesSlides/notesSlide14.xml><?xml version="1.0" encoding="utf-8"?>
+<file path=ppt/notesSlides/notesSlide11.xml><?xml version="1.0" encoding="utf-8"?>
 <p:notes xmlns:a="http://schemas.openxmlformats.org/drawingml/2006/main" xmlns:r="http://schemas.openxmlformats.org/officeDocument/2006/relationships" xmlns:p="http://schemas.openxmlformats.org/presentationml/2006/main" showMasterSp="0" showMasterPhAnim="0">
   <p:cSld>
     <p:spTree>
@@ -2250,7 +1694,7 @@
                 <a:cs typeface="Calibri"/>
                 <a:sym typeface="Calibri"/>
               </a:rPr>
-              <a:t>14</a:t>
+              <a:t>11</a:t>
             </a:fld>
             <a:endParaRPr lang="en-US" sz="1200">
               <a:solidFill>
@@ -2272,7 +1716,7 @@
 </p:notes>
 </file>
 
-<file path=ppt/notesSlides/notesSlide15.xml><?xml version="1.0" encoding="utf-8"?>
+<file path=ppt/notesSlides/notesSlide12.xml><?xml version="1.0" encoding="utf-8"?>
 <p:notes xmlns:a="http://schemas.openxmlformats.org/drawingml/2006/main" xmlns:r="http://schemas.openxmlformats.org/officeDocument/2006/relationships" xmlns:p="http://schemas.openxmlformats.org/presentationml/2006/main" showMasterSp="0" showMasterPhAnim="0">
   <p:cSld>
     <p:spTree>
@@ -2434,7 +1878,7 @@
                 <a:cs typeface="Calibri"/>
                 <a:sym typeface="Calibri"/>
               </a:rPr>
-              <a:t>15</a:t>
+              <a:t>12</a:t>
             </a:fld>
             <a:endParaRPr lang="en-US" sz="1200">
               <a:solidFill>
@@ -2456,7 +1900,7 @@
 </p:notes>
 </file>
 
-<file path=ppt/notesSlides/notesSlide16.xml><?xml version="1.0" encoding="utf-8"?>
+<file path=ppt/notesSlides/notesSlide13.xml><?xml version="1.0" encoding="utf-8"?>
 <p:notes xmlns:a="http://schemas.openxmlformats.org/drawingml/2006/main" xmlns:r="http://schemas.openxmlformats.org/officeDocument/2006/relationships" xmlns:p="http://schemas.openxmlformats.org/presentationml/2006/main" showMasterSp="0" showMasterPhAnim="0">
   <p:cSld>
     <p:spTree>
@@ -2618,7 +2062,7 @@
                 <a:cs typeface="Calibri"/>
                 <a:sym typeface="Calibri"/>
               </a:rPr>
-              <a:t>16</a:t>
+              <a:t>13</a:t>
             </a:fld>
             <a:endParaRPr lang="en-US" sz="1200">
               <a:solidFill>
@@ -2640,7 +2084,7 @@
 </p:notes>
 </file>
 
-<file path=ppt/notesSlides/notesSlide17.xml><?xml version="1.0" encoding="utf-8"?>
+<file path=ppt/notesSlides/notesSlide14.xml><?xml version="1.0" encoding="utf-8"?>
 <p:notes xmlns:a="http://schemas.openxmlformats.org/drawingml/2006/main" xmlns:r="http://schemas.openxmlformats.org/officeDocument/2006/relationships" xmlns:p="http://schemas.openxmlformats.org/presentationml/2006/main" showMasterSp="0" showMasterPhAnim="0">
   <p:cSld>
     <p:spTree>
@@ -2802,7 +2246,7 @@
                 <a:cs typeface="Calibri"/>
                 <a:sym typeface="Calibri"/>
               </a:rPr>
-              <a:t>17</a:t>
+              <a:t>14</a:t>
             </a:fld>
             <a:endParaRPr lang="en-US" sz="1200">
               <a:solidFill>
@@ -2824,7 +2268,7 @@
 </p:notes>
 </file>
 
-<file path=ppt/notesSlides/notesSlide18.xml><?xml version="1.0" encoding="utf-8"?>
+<file path=ppt/notesSlides/notesSlide15.xml><?xml version="1.0" encoding="utf-8"?>
 <p:notes xmlns:a="http://schemas.openxmlformats.org/drawingml/2006/main" xmlns:r="http://schemas.openxmlformats.org/officeDocument/2006/relationships" xmlns:p="http://schemas.openxmlformats.org/presentationml/2006/main" showMasterSp="0" showMasterPhAnim="0">
   <p:cSld>
     <p:spTree>
@@ -2986,7 +2430,7 @@
                 <a:cs typeface="Calibri"/>
                 <a:sym typeface="Calibri"/>
               </a:rPr>
-              <a:t>18</a:t>
+              <a:t>15</a:t>
             </a:fld>
             <a:endParaRPr lang="en-US" sz="1200">
               <a:solidFill>
@@ -3008,7 +2452,7 @@
 </p:notes>
 </file>
 
-<file path=ppt/notesSlides/notesSlide19.xml><?xml version="1.0" encoding="utf-8"?>
+<file path=ppt/notesSlides/notesSlide16.xml><?xml version="1.0" encoding="utf-8"?>
 <p:notes xmlns:a="http://schemas.openxmlformats.org/drawingml/2006/main" xmlns:r="http://schemas.openxmlformats.org/officeDocument/2006/relationships" xmlns:p="http://schemas.openxmlformats.org/presentationml/2006/main" showMasterSp="0" showMasterPhAnim="0">
   <p:cSld>
     <p:spTree>
@@ -3170,7 +2614,7 @@
                 <a:cs typeface="Calibri"/>
                 <a:sym typeface="Calibri"/>
               </a:rPr>
-              <a:t>19</a:t>
+              <a:t>16</a:t>
             </a:fld>
             <a:endParaRPr lang="en-US" sz="1200">
               <a:solidFill>
@@ -3190,6 +2634,558 @@
         <p14:creationId xmlns:p14="http://schemas.microsoft.com/office/powerpoint/2010/main" val="2478576980"/>
       </p:ext>
     </p:extLst>
+  </p:cSld>
+  <p:clrMapOvr>
+    <a:masterClrMapping/>
+  </p:clrMapOvr>
+</p:notes>
+</file>
+
+<file path=ppt/notesSlides/notesSlide17.xml><?xml version="1.0" encoding="utf-8"?>
+<p:notes xmlns:a="http://schemas.openxmlformats.org/drawingml/2006/main" xmlns:r="http://schemas.openxmlformats.org/officeDocument/2006/relationships" xmlns:p="http://schemas.openxmlformats.org/presentationml/2006/main" showMasterSp="0" showMasterPhAnim="0">
+  <p:cSld>
+    <p:spTree>
+      <p:nvGrpSpPr>
+        <p:cNvPr id="1" name="Shape 317"/>
+        <p:cNvGrpSpPr/>
+        <p:nvPr/>
+      </p:nvGrpSpPr>
+      <p:grpSpPr>
+        <a:xfrm>
+          <a:off x="0" y="0"/>
+          <a:ext cx="0" cy="0"/>
+          <a:chOff x="0" y="0"/>
+          <a:chExt cx="0" cy="0"/>
+        </a:xfrm>
+      </p:grpSpPr>
+      <p:sp>
+        <p:nvSpPr>
+          <p:cNvPr id="318" name="Shape 318"/>
+          <p:cNvSpPr>
+            <a:spLocks noGrp="1" noRot="1" noChangeAspect="1"/>
+          </p:cNvSpPr>
+          <p:nvPr>
+            <p:ph type="sldImg" idx="2"/>
+          </p:nvPr>
+        </p:nvSpPr>
+        <p:spPr>
+          <a:xfrm>
+            <a:off x="1143000" y="685800"/>
+            <a:ext cx="4572000" cy="3429000"/>
+          </a:xfrm>
+          <a:custGeom>
+            <a:avLst/>
+            <a:gdLst/>
+            <a:ahLst/>
+            <a:cxnLst/>
+            <a:rect l="0" t="0" r="0" b="0"/>
+            <a:pathLst>
+              <a:path w="120000" h="120000" extrusionOk="0">
+                <a:moveTo>
+                  <a:pt x="0" y="0"/>
+                </a:moveTo>
+                <a:lnTo>
+                  <a:pt x="120000" y="0"/>
+                </a:lnTo>
+                <a:lnTo>
+                  <a:pt x="120000" y="120000"/>
+                </a:lnTo>
+                <a:lnTo>
+                  <a:pt x="0" y="120000"/>
+                </a:lnTo>
+                <a:close/>
+              </a:path>
+            </a:pathLst>
+          </a:custGeom>
+          <a:noFill/>
+          <a:ln w="12700" cap="flat" cmpd="sng">
+            <a:solidFill>
+              <a:srgbClr val="000000"/>
+            </a:solidFill>
+            <a:prstDash val="solid"/>
+            <a:round/>
+            <a:headEnd type="none" w="med" len="med"/>
+            <a:tailEnd type="none" w="med" len="med"/>
+          </a:ln>
+        </p:spPr>
+      </p:sp>
+      <p:sp>
+        <p:nvSpPr>
+          <p:cNvPr id="319" name="Shape 319"/>
+          <p:cNvSpPr txBox="1">
+            <a:spLocks noGrp="1"/>
+          </p:cNvSpPr>
+          <p:nvPr>
+            <p:ph type="body" idx="1"/>
+          </p:nvPr>
+        </p:nvSpPr>
+        <p:spPr>
+          <a:xfrm>
+            <a:off x="685800" y="4343400"/>
+            <a:ext cx="5486399" cy="4114800"/>
+          </a:xfrm>
+          <a:prstGeom prst="rect">
+            <a:avLst/>
+          </a:prstGeom>
+          <a:noFill/>
+          <a:ln>
+            <a:noFill/>
+          </a:ln>
+        </p:spPr>
+        <p:txBody>
+          <a:bodyPr lIns="91425" tIns="45700" rIns="91425" bIns="45700" anchor="t" anchorCtr="0">
+            <a:noAutofit/>
+          </a:bodyPr>
+          <a:lstStyle/>
+          <a:p>
+            <a:pPr marL="0" marR="0" lvl="0" indent="0" algn="l" rtl="0">
+              <a:spcBef>
+                <a:spcPts val="0"/>
+              </a:spcBef>
+              <a:buSzPct val="25000"/>
+              <a:buNone/>
+            </a:pPr>
+            <a:endParaRPr sz="1200" b="0" i="0" u="none" strike="noStrike" cap="none">
+              <a:solidFill>
+                <a:schemeClr val="dk1"/>
+              </a:solidFill>
+              <a:latin typeface="Calibri"/>
+              <a:ea typeface="Calibri"/>
+              <a:cs typeface="Calibri"/>
+              <a:sym typeface="Calibri"/>
+            </a:endParaRPr>
+          </a:p>
+        </p:txBody>
+      </p:sp>
+      <p:sp>
+        <p:nvSpPr>
+          <p:cNvPr id="320" name="Shape 320"/>
+          <p:cNvSpPr txBox="1">
+            <a:spLocks noGrp="1"/>
+          </p:cNvSpPr>
+          <p:nvPr>
+            <p:ph type="sldNum" idx="12"/>
+          </p:nvPr>
+        </p:nvSpPr>
+        <p:spPr>
+          <a:xfrm>
+            <a:off x="3884612" y="8685213"/>
+            <a:ext cx="2971799" cy="457200"/>
+          </a:xfrm>
+          <a:prstGeom prst="rect">
+            <a:avLst/>
+          </a:prstGeom>
+          <a:noFill/>
+          <a:ln>
+            <a:noFill/>
+          </a:ln>
+        </p:spPr>
+        <p:txBody>
+          <a:bodyPr lIns="91425" tIns="45700" rIns="91425" bIns="45700" anchor="b" anchorCtr="0">
+            <a:noAutofit/>
+          </a:bodyPr>
+          <a:lstStyle/>
+          <a:p>
+            <a:pPr marL="0" marR="0" lvl="0" indent="0" algn="r" rtl="0">
+              <a:spcBef>
+                <a:spcPts val="0"/>
+              </a:spcBef>
+              <a:buSzPct val="25000"/>
+              <a:buNone/>
+            </a:pPr>
+            <a:fld id="{00000000-1234-1234-1234-123412341234}" type="slidenum">
+              <a:rPr lang="en-US" sz="1200">
+                <a:solidFill>
+                  <a:schemeClr val="dk1"/>
+                </a:solidFill>
+                <a:latin typeface="Calibri"/>
+                <a:ea typeface="Calibri"/>
+                <a:cs typeface="Calibri"/>
+                <a:sym typeface="Calibri"/>
+              </a:rPr>
+              <a:t>17</a:t>
+            </a:fld>
+            <a:endParaRPr lang="en-US" sz="1200">
+              <a:solidFill>
+                <a:schemeClr val="dk1"/>
+              </a:solidFill>
+              <a:latin typeface="Calibri"/>
+              <a:ea typeface="Calibri"/>
+              <a:cs typeface="Calibri"/>
+              <a:sym typeface="Calibri"/>
+            </a:endParaRPr>
+          </a:p>
+        </p:txBody>
+      </p:sp>
+    </p:spTree>
+  </p:cSld>
+  <p:clrMapOvr>
+    <a:masterClrMapping/>
+  </p:clrMapOvr>
+</p:notes>
+</file>
+
+<file path=ppt/notesSlides/notesSlide18.xml><?xml version="1.0" encoding="utf-8"?>
+<p:notes xmlns:a="http://schemas.openxmlformats.org/drawingml/2006/main" xmlns:r="http://schemas.openxmlformats.org/officeDocument/2006/relationships" xmlns:p="http://schemas.openxmlformats.org/presentationml/2006/main" showMasterSp="0" showMasterPhAnim="0">
+  <p:cSld>
+    <p:spTree>
+      <p:nvGrpSpPr>
+        <p:cNvPr id="1" name="Shape 327"/>
+        <p:cNvGrpSpPr/>
+        <p:nvPr/>
+      </p:nvGrpSpPr>
+      <p:grpSpPr>
+        <a:xfrm>
+          <a:off x="0" y="0"/>
+          <a:ext cx="0" cy="0"/>
+          <a:chOff x="0" y="0"/>
+          <a:chExt cx="0" cy="0"/>
+        </a:xfrm>
+      </p:grpSpPr>
+      <p:sp>
+        <p:nvSpPr>
+          <p:cNvPr id="328" name="Shape 328"/>
+          <p:cNvSpPr>
+            <a:spLocks noGrp="1" noRot="1" noChangeAspect="1"/>
+          </p:cNvSpPr>
+          <p:nvPr>
+            <p:ph type="sldImg" idx="2"/>
+          </p:nvPr>
+        </p:nvSpPr>
+        <p:spPr>
+          <a:xfrm>
+            <a:off x="1143000" y="685800"/>
+            <a:ext cx="4572000" cy="3429000"/>
+          </a:xfrm>
+          <a:custGeom>
+            <a:avLst/>
+            <a:gdLst/>
+            <a:ahLst/>
+            <a:cxnLst/>
+            <a:rect l="0" t="0" r="0" b="0"/>
+            <a:pathLst>
+              <a:path w="120000" h="120000" extrusionOk="0">
+                <a:moveTo>
+                  <a:pt x="0" y="0"/>
+                </a:moveTo>
+                <a:lnTo>
+                  <a:pt x="120000" y="0"/>
+                </a:lnTo>
+                <a:lnTo>
+                  <a:pt x="120000" y="120000"/>
+                </a:lnTo>
+                <a:lnTo>
+                  <a:pt x="0" y="120000"/>
+                </a:lnTo>
+                <a:close/>
+              </a:path>
+            </a:pathLst>
+          </a:custGeom>
+          <a:noFill/>
+          <a:ln w="12700" cap="flat" cmpd="sng">
+            <a:solidFill>
+              <a:srgbClr val="000000"/>
+            </a:solidFill>
+            <a:prstDash val="solid"/>
+            <a:round/>
+            <a:headEnd type="none" w="med" len="med"/>
+            <a:tailEnd type="none" w="med" len="med"/>
+          </a:ln>
+        </p:spPr>
+      </p:sp>
+      <p:sp>
+        <p:nvSpPr>
+          <p:cNvPr id="329" name="Shape 329"/>
+          <p:cNvSpPr txBox="1">
+            <a:spLocks noGrp="1"/>
+          </p:cNvSpPr>
+          <p:nvPr>
+            <p:ph type="body" idx="1"/>
+          </p:nvPr>
+        </p:nvSpPr>
+        <p:spPr>
+          <a:xfrm>
+            <a:off x="685800" y="4343400"/>
+            <a:ext cx="5486399" cy="4114800"/>
+          </a:xfrm>
+          <a:prstGeom prst="rect">
+            <a:avLst/>
+          </a:prstGeom>
+          <a:noFill/>
+          <a:ln>
+            <a:noFill/>
+          </a:ln>
+        </p:spPr>
+        <p:txBody>
+          <a:bodyPr lIns="91425" tIns="45700" rIns="91425" bIns="45700" anchor="t" anchorCtr="0">
+            <a:noAutofit/>
+          </a:bodyPr>
+          <a:lstStyle/>
+          <a:p>
+            <a:pPr marL="0" marR="0" lvl="0" indent="0" algn="l" rtl="0">
+              <a:spcBef>
+                <a:spcPts val="0"/>
+              </a:spcBef>
+              <a:buSzPct val="25000"/>
+              <a:buNone/>
+            </a:pPr>
+            <a:endParaRPr sz="1200" b="0" i="0" u="none" strike="noStrike" cap="none">
+              <a:solidFill>
+                <a:schemeClr val="dk1"/>
+              </a:solidFill>
+              <a:latin typeface="Calibri"/>
+              <a:ea typeface="Calibri"/>
+              <a:cs typeface="Calibri"/>
+              <a:sym typeface="Calibri"/>
+            </a:endParaRPr>
+          </a:p>
+        </p:txBody>
+      </p:sp>
+      <p:sp>
+        <p:nvSpPr>
+          <p:cNvPr id="330" name="Shape 330"/>
+          <p:cNvSpPr txBox="1">
+            <a:spLocks noGrp="1"/>
+          </p:cNvSpPr>
+          <p:nvPr>
+            <p:ph type="sldNum" idx="12"/>
+          </p:nvPr>
+        </p:nvSpPr>
+        <p:spPr>
+          <a:xfrm>
+            <a:off x="3884612" y="8685213"/>
+            <a:ext cx="2971799" cy="457200"/>
+          </a:xfrm>
+          <a:prstGeom prst="rect">
+            <a:avLst/>
+          </a:prstGeom>
+          <a:noFill/>
+          <a:ln>
+            <a:noFill/>
+          </a:ln>
+        </p:spPr>
+        <p:txBody>
+          <a:bodyPr lIns="91425" tIns="45700" rIns="91425" bIns="45700" anchor="b" anchorCtr="0">
+            <a:noAutofit/>
+          </a:bodyPr>
+          <a:lstStyle/>
+          <a:p>
+            <a:pPr marL="0" marR="0" lvl="0" indent="0" algn="r" rtl="0">
+              <a:spcBef>
+                <a:spcPts val="0"/>
+              </a:spcBef>
+              <a:buSzPct val="25000"/>
+              <a:buNone/>
+            </a:pPr>
+            <a:fld id="{00000000-1234-1234-1234-123412341234}" type="slidenum">
+              <a:rPr lang="en-US" sz="1200">
+                <a:solidFill>
+                  <a:schemeClr val="dk1"/>
+                </a:solidFill>
+                <a:latin typeface="Calibri"/>
+                <a:ea typeface="Calibri"/>
+                <a:cs typeface="Calibri"/>
+                <a:sym typeface="Calibri"/>
+              </a:rPr>
+              <a:t>18</a:t>
+            </a:fld>
+            <a:endParaRPr lang="en-US" sz="1200">
+              <a:solidFill>
+                <a:schemeClr val="dk1"/>
+              </a:solidFill>
+              <a:latin typeface="Calibri"/>
+              <a:ea typeface="Calibri"/>
+              <a:cs typeface="Calibri"/>
+              <a:sym typeface="Calibri"/>
+            </a:endParaRPr>
+          </a:p>
+        </p:txBody>
+      </p:sp>
+    </p:spTree>
+  </p:cSld>
+  <p:clrMapOvr>
+    <a:masterClrMapping/>
+  </p:clrMapOvr>
+</p:notes>
+</file>
+
+<file path=ppt/notesSlides/notesSlide19.xml><?xml version="1.0" encoding="utf-8"?>
+<p:notes xmlns:a="http://schemas.openxmlformats.org/drawingml/2006/main" xmlns:r="http://schemas.openxmlformats.org/officeDocument/2006/relationships" xmlns:p="http://schemas.openxmlformats.org/presentationml/2006/main" showMasterSp="0" showMasterPhAnim="0">
+  <p:cSld>
+    <p:spTree>
+      <p:nvGrpSpPr>
+        <p:cNvPr id="1" name="Shape 349"/>
+        <p:cNvGrpSpPr/>
+        <p:nvPr/>
+      </p:nvGrpSpPr>
+      <p:grpSpPr>
+        <a:xfrm>
+          <a:off x="0" y="0"/>
+          <a:ext cx="0" cy="0"/>
+          <a:chOff x="0" y="0"/>
+          <a:chExt cx="0" cy="0"/>
+        </a:xfrm>
+      </p:grpSpPr>
+      <p:sp>
+        <p:nvSpPr>
+          <p:cNvPr id="350" name="Shape 350"/>
+          <p:cNvSpPr>
+            <a:spLocks noGrp="1" noRot="1" noChangeAspect="1"/>
+          </p:cNvSpPr>
+          <p:nvPr>
+            <p:ph type="sldImg" idx="2"/>
+          </p:nvPr>
+        </p:nvSpPr>
+        <p:spPr>
+          <a:xfrm>
+            <a:off x="1143000" y="685800"/>
+            <a:ext cx="4572000" cy="3429000"/>
+          </a:xfrm>
+          <a:custGeom>
+            <a:avLst/>
+            <a:gdLst/>
+            <a:ahLst/>
+            <a:cxnLst/>
+            <a:rect l="0" t="0" r="0" b="0"/>
+            <a:pathLst>
+              <a:path w="120000" h="120000" extrusionOk="0">
+                <a:moveTo>
+                  <a:pt x="0" y="0"/>
+                </a:moveTo>
+                <a:lnTo>
+                  <a:pt x="120000" y="0"/>
+                </a:lnTo>
+                <a:lnTo>
+                  <a:pt x="120000" y="120000"/>
+                </a:lnTo>
+                <a:lnTo>
+                  <a:pt x="0" y="120000"/>
+                </a:lnTo>
+                <a:close/>
+              </a:path>
+            </a:pathLst>
+          </a:custGeom>
+          <a:noFill/>
+          <a:ln w="12700" cap="flat" cmpd="sng">
+            <a:solidFill>
+              <a:srgbClr val="000000"/>
+            </a:solidFill>
+            <a:prstDash val="solid"/>
+            <a:round/>
+            <a:headEnd type="none" w="med" len="med"/>
+            <a:tailEnd type="none" w="med" len="med"/>
+          </a:ln>
+        </p:spPr>
+      </p:sp>
+      <p:sp>
+        <p:nvSpPr>
+          <p:cNvPr id="351" name="Shape 351"/>
+          <p:cNvSpPr txBox="1">
+            <a:spLocks noGrp="1"/>
+          </p:cNvSpPr>
+          <p:nvPr>
+            <p:ph type="body" idx="1"/>
+          </p:nvPr>
+        </p:nvSpPr>
+        <p:spPr>
+          <a:xfrm>
+            <a:off x="685800" y="4343400"/>
+            <a:ext cx="5486400" cy="4114800"/>
+          </a:xfrm>
+          <a:prstGeom prst="rect">
+            <a:avLst/>
+          </a:prstGeom>
+          <a:noFill/>
+          <a:ln>
+            <a:noFill/>
+          </a:ln>
+        </p:spPr>
+        <p:txBody>
+          <a:bodyPr lIns="91425" tIns="45700" rIns="91425" bIns="45700" anchor="t" anchorCtr="0">
+            <a:noAutofit/>
+          </a:bodyPr>
+          <a:lstStyle/>
+          <a:p>
+            <a:pPr marL="0" marR="0" lvl="0" indent="0" algn="l" rtl="0">
+              <a:spcBef>
+                <a:spcPts val="0"/>
+              </a:spcBef>
+              <a:buSzPct val="25000"/>
+              <a:buNone/>
+            </a:pPr>
+            <a:endParaRPr sz="1200" b="0" i="0" u="none" strike="noStrike" cap="none">
+              <a:solidFill>
+                <a:schemeClr val="dk1"/>
+              </a:solidFill>
+              <a:latin typeface="Calibri"/>
+              <a:ea typeface="Calibri"/>
+              <a:cs typeface="Calibri"/>
+              <a:sym typeface="Calibri"/>
+            </a:endParaRPr>
+          </a:p>
+        </p:txBody>
+      </p:sp>
+      <p:sp>
+        <p:nvSpPr>
+          <p:cNvPr id="352" name="Shape 352"/>
+          <p:cNvSpPr txBox="1">
+            <a:spLocks noGrp="1"/>
+          </p:cNvSpPr>
+          <p:nvPr>
+            <p:ph type="sldNum" idx="12"/>
+          </p:nvPr>
+        </p:nvSpPr>
+        <p:spPr>
+          <a:xfrm>
+            <a:off x="3884612" y="8685213"/>
+            <a:ext cx="2971800" cy="457200"/>
+          </a:xfrm>
+          <a:prstGeom prst="rect">
+            <a:avLst/>
+          </a:prstGeom>
+          <a:noFill/>
+          <a:ln>
+            <a:noFill/>
+          </a:ln>
+        </p:spPr>
+        <p:txBody>
+          <a:bodyPr lIns="91425" tIns="45700" rIns="91425" bIns="45700" anchor="b" anchorCtr="0">
+            <a:noAutofit/>
+          </a:bodyPr>
+          <a:lstStyle/>
+          <a:p>
+            <a:pPr marL="0" marR="0" lvl="0" indent="0" algn="r" rtl="0">
+              <a:spcBef>
+                <a:spcPts val="0"/>
+              </a:spcBef>
+              <a:buSzPct val="25000"/>
+              <a:buNone/>
+            </a:pPr>
+            <a:fld id="{00000000-1234-1234-1234-123412341234}" type="slidenum">
+              <a:rPr lang="en-US" sz="1200">
+                <a:solidFill>
+                  <a:schemeClr val="dk1"/>
+                </a:solidFill>
+                <a:latin typeface="Calibri"/>
+                <a:ea typeface="Calibri"/>
+                <a:cs typeface="Calibri"/>
+                <a:sym typeface="Calibri"/>
+              </a:rPr>
+              <a:t>19</a:t>
+            </a:fld>
+            <a:endParaRPr lang="en-US" sz="1200">
+              <a:solidFill>
+                <a:schemeClr val="dk1"/>
+              </a:solidFill>
+              <a:latin typeface="Calibri"/>
+              <a:ea typeface="Calibri"/>
+              <a:cs typeface="Calibri"/>
+              <a:sym typeface="Calibri"/>
+            </a:endParaRPr>
+          </a:p>
+        </p:txBody>
+      </p:sp>
+    </p:spTree>
   </p:cSld>
   <p:clrMapOvr>
     <a:masterClrMapping/>
@@ -3386,558 +3382,6 @@
   <p:cSld>
     <p:spTree>
       <p:nvGrpSpPr>
-        <p:cNvPr id="1" name="Shape 317"/>
-        <p:cNvGrpSpPr/>
-        <p:nvPr/>
-      </p:nvGrpSpPr>
-      <p:grpSpPr>
-        <a:xfrm>
-          <a:off x="0" y="0"/>
-          <a:ext cx="0" cy="0"/>
-          <a:chOff x="0" y="0"/>
-          <a:chExt cx="0" cy="0"/>
-        </a:xfrm>
-      </p:grpSpPr>
-      <p:sp>
-        <p:nvSpPr>
-          <p:cNvPr id="318" name="Shape 318"/>
-          <p:cNvSpPr>
-            <a:spLocks noGrp="1" noRot="1" noChangeAspect="1"/>
-          </p:cNvSpPr>
-          <p:nvPr>
-            <p:ph type="sldImg" idx="2"/>
-          </p:nvPr>
-        </p:nvSpPr>
-        <p:spPr>
-          <a:xfrm>
-            <a:off x="1143000" y="685800"/>
-            <a:ext cx="4572000" cy="3429000"/>
-          </a:xfrm>
-          <a:custGeom>
-            <a:avLst/>
-            <a:gdLst/>
-            <a:ahLst/>
-            <a:cxnLst/>
-            <a:rect l="0" t="0" r="0" b="0"/>
-            <a:pathLst>
-              <a:path w="120000" h="120000" extrusionOk="0">
-                <a:moveTo>
-                  <a:pt x="0" y="0"/>
-                </a:moveTo>
-                <a:lnTo>
-                  <a:pt x="120000" y="0"/>
-                </a:lnTo>
-                <a:lnTo>
-                  <a:pt x="120000" y="120000"/>
-                </a:lnTo>
-                <a:lnTo>
-                  <a:pt x="0" y="120000"/>
-                </a:lnTo>
-                <a:close/>
-              </a:path>
-            </a:pathLst>
-          </a:custGeom>
-          <a:noFill/>
-          <a:ln w="12700" cap="flat" cmpd="sng">
-            <a:solidFill>
-              <a:srgbClr val="000000"/>
-            </a:solidFill>
-            <a:prstDash val="solid"/>
-            <a:round/>
-            <a:headEnd type="none" w="med" len="med"/>
-            <a:tailEnd type="none" w="med" len="med"/>
-          </a:ln>
-        </p:spPr>
-      </p:sp>
-      <p:sp>
-        <p:nvSpPr>
-          <p:cNvPr id="319" name="Shape 319"/>
-          <p:cNvSpPr txBox="1">
-            <a:spLocks noGrp="1"/>
-          </p:cNvSpPr>
-          <p:nvPr>
-            <p:ph type="body" idx="1"/>
-          </p:nvPr>
-        </p:nvSpPr>
-        <p:spPr>
-          <a:xfrm>
-            <a:off x="685800" y="4343400"/>
-            <a:ext cx="5486399" cy="4114800"/>
-          </a:xfrm>
-          <a:prstGeom prst="rect">
-            <a:avLst/>
-          </a:prstGeom>
-          <a:noFill/>
-          <a:ln>
-            <a:noFill/>
-          </a:ln>
-        </p:spPr>
-        <p:txBody>
-          <a:bodyPr lIns="91425" tIns="45700" rIns="91425" bIns="45700" anchor="t" anchorCtr="0">
-            <a:noAutofit/>
-          </a:bodyPr>
-          <a:lstStyle/>
-          <a:p>
-            <a:pPr marL="0" marR="0" lvl="0" indent="0" algn="l" rtl="0">
-              <a:spcBef>
-                <a:spcPts val="0"/>
-              </a:spcBef>
-              <a:buSzPct val="25000"/>
-              <a:buNone/>
-            </a:pPr>
-            <a:endParaRPr sz="1200" b="0" i="0" u="none" strike="noStrike" cap="none">
-              <a:solidFill>
-                <a:schemeClr val="dk1"/>
-              </a:solidFill>
-              <a:latin typeface="Calibri"/>
-              <a:ea typeface="Calibri"/>
-              <a:cs typeface="Calibri"/>
-              <a:sym typeface="Calibri"/>
-            </a:endParaRPr>
-          </a:p>
-        </p:txBody>
-      </p:sp>
-      <p:sp>
-        <p:nvSpPr>
-          <p:cNvPr id="320" name="Shape 320"/>
-          <p:cNvSpPr txBox="1">
-            <a:spLocks noGrp="1"/>
-          </p:cNvSpPr>
-          <p:nvPr>
-            <p:ph type="sldNum" idx="12"/>
-          </p:nvPr>
-        </p:nvSpPr>
-        <p:spPr>
-          <a:xfrm>
-            <a:off x="3884612" y="8685213"/>
-            <a:ext cx="2971799" cy="457200"/>
-          </a:xfrm>
-          <a:prstGeom prst="rect">
-            <a:avLst/>
-          </a:prstGeom>
-          <a:noFill/>
-          <a:ln>
-            <a:noFill/>
-          </a:ln>
-        </p:spPr>
-        <p:txBody>
-          <a:bodyPr lIns="91425" tIns="45700" rIns="91425" bIns="45700" anchor="b" anchorCtr="0">
-            <a:noAutofit/>
-          </a:bodyPr>
-          <a:lstStyle/>
-          <a:p>
-            <a:pPr marL="0" marR="0" lvl="0" indent="0" algn="r" rtl="0">
-              <a:spcBef>
-                <a:spcPts val="0"/>
-              </a:spcBef>
-              <a:buSzPct val="25000"/>
-              <a:buNone/>
-            </a:pPr>
-            <a:fld id="{00000000-1234-1234-1234-123412341234}" type="slidenum">
-              <a:rPr lang="en-US" sz="1200">
-                <a:solidFill>
-                  <a:schemeClr val="dk1"/>
-                </a:solidFill>
-                <a:latin typeface="Calibri"/>
-                <a:ea typeface="Calibri"/>
-                <a:cs typeface="Calibri"/>
-                <a:sym typeface="Calibri"/>
-              </a:rPr>
-              <a:t>20</a:t>
-            </a:fld>
-            <a:endParaRPr lang="en-US" sz="1200">
-              <a:solidFill>
-                <a:schemeClr val="dk1"/>
-              </a:solidFill>
-              <a:latin typeface="Calibri"/>
-              <a:ea typeface="Calibri"/>
-              <a:cs typeface="Calibri"/>
-              <a:sym typeface="Calibri"/>
-            </a:endParaRPr>
-          </a:p>
-        </p:txBody>
-      </p:sp>
-    </p:spTree>
-  </p:cSld>
-  <p:clrMapOvr>
-    <a:masterClrMapping/>
-  </p:clrMapOvr>
-</p:notes>
-</file>
-
-<file path=ppt/notesSlides/notesSlide21.xml><?xml version="1.0" encoding="utf-8"?>
-<p:notes xmlns:a="http://schemas.openxmlformats.org/drawingml/2006/main" xmlns:r="http://schemas.openxmlformats.org/officeDocument/2006/relationships" xmlns:p="http://schemas.openxmlformats.org/presentationml/2006/main" showMasterSp="0" showMasterPhAnim="0">
-  <p:cSld>
-    <p:spTree>
-      <p:nvGrpSpPr>
-        <p:cNvPr id="1" name="Shape 327"/>
-        <p:cNvGrpSpPr/>
-        <p:nvPr/>
-      </p:nvGrpSpPr>
-      <p:grpSpPr>
-        <a:xfrm>
-          <a:off x="0" y="0"/>
-          <a:ext cx="0" cy="0"/>
-          <a:chOff x="0" y="0"/>
-          <a:chExt cx="0" cy="0"/>
-        </a:xfrm>
-      </p:grpSpPr>
-      <p:sp>
-        <p:nvSpPr>
-          <p:cNvPr id="328" name="Shape 328"/>
-          <p:cNvSpPr>
-            <a:spLocks noGrp="1" noRot="1" noChangeAspect="1"/>
-          </p:cNvSpPr>
-          <p:nvPr>
-            <p:ph type="sldImg" idx="2"/>
-          </p:nvPr>
-        </p:nvSpPr>
-        <p:spPr>
-          <a:xfrm>
-            <a:off x="1143000" y="685800"/>
-            <a:ext cx="4572000" cy="3429000"/>
-          </a:xfrm>
-          <a:custGeom>
-            <a:avLst/>
-            <a:gdLst/>
-            <a:ahLst/>
-            <a:cxnLst/>
-            <a:rect l="0" t="0" r="0" b="0"/>
-            <a:pathLst>
-              <a:path w="120000" h="120000" extrusionOk="0">
-                <a:moveTo>
-                  <a:pt x="0" y="0"/>
-                </a:moveTo>
-                <a:lnTo>
-                  <a:pt x="120000" y="0"/>
-                </a:lnTo>
-                <a:lnTo>
-                  <a:pt x="120000" y="120000"/>
-                </a:lnTo>
-                <a:lnTo>
-                  <a:pt x="0" y="120000"/>
-                </a:lnTo>
-                <a:close/>
-              </a:path>
-            </a:pathLst>
-          </a:custGeom>
-          <a:noFill/>
-          <a:ln w="12700" cap="flat" cmpd="sng">
-            <a:solidFill>
-              <a:srgbClr val="000000"/>
-            </a:solidFill>
-            <a:prstDash val="solid"/>
-            <a:round/>
-            <a:headEnd type="none" w="med" len="med"/>
-            <a:tailEnd type="none" w="med" len="med"/>
-          </a:ln>
-        </p:spPr>
-      </p:sp>
-      <p:sp>
-        <p:nvSpPr>
-          <p:cNvPr id="329" name="Shape 329"/>
-          <p:cNvSpPr txBox="1">
-            <a:spLocks noGrp="1"/>
-          </p:cNvSpPr>
-          <p:nvPr>
-            <p:ph type="body" idx="1"/>
-          </p:nvPr>
-        </p:nvSpPr>
-        <p:spPr>
-          <a:xfrm>
-            <a:off x="685800" y="4343400"/>
-            <a:ext cx="5486399" cy="4114800"/>
-          </a:xfrm>
-          <a:prstGeom prst="rect">
-            <a:avLst/>
-          </a:prstGeom>
-          <a:noFill/>
-          <a:ln>
-            <a:noFill/>
-          </a:ln>
-        </p:spPr>
-        <p:txBody>
-          <a:bodyPr lIns="91425" tIns="45700" rIns="91425" bIns="45700" anchor="t" anchorCtr="0">
-            <a:noAutofit/>
-          </a:bodyPr>
-          <a:lstStyle/>
-          <a:p>
-            <a:pPr marL="0" marR="0" lvl="0" indent="0" algn="l" rtl="0">
-              <a:spcBef>
-                <a:spcPts val="0"/>
-              </a:spcBef>
-              <a:buSzPct val="25000"/>
-              <a:buNone/>
-            </a:pPr>
-            <a:endParaRPr sz="1200" b="0" i="0" u="none" strike="noStrike" cap="none">
-              <a:solidFill>
-                <a:schemeClr val="dk1"/>
-              </a:solidFill>
-              <a:latin typeface="Calibri"/>
-              <a:ea typeface="Calibri"/>
-              <a:cs typeface="Calibri"/>
-              <a:sym typeface="Calibri"/>
-            </a:endParaRPr>
-          </a:p>
-        </p:txBody>
-      </p:sp>
-      <p:sp>
-        <p:nvSpPr>
-          <p:cNvPr id="330" name="Shape 330"/>
-          <p:cNvSpPr txBox="1">
-            <a:spLocks noGrp="1"/>
-          </p:cNvSpPr>
-          <p:nvPr>
-            <p:ph type="sldNum" idx="12"/>
-          </p:nvPr>
-        </p:nvSpPr>
-        <p:spPr>
-          <a:xfrm>
-            <a:off x="3884612" y="8685213"/>
-            <a:ext cx="2971799" cy="457200"/>
-          </a:xfrm>
-          <a:prstGeom prst="rect">
-            <a:avLst/>
-          </a:prstGeom>
-          <a:noFill/>
-          <a:ln>
-            <a:noFill/>
-          </a:ln>
-        </p:spPr>
-        <p:txBody>
-          <a:bodyPr lIns="91425" tIns="45700" rIns="91425" bIns="45700" anchor="b" anchorCtr="0">
-            <a:noAutofit/>
-          </a:bodyPr>
-          <a:lstStyle/>
-          <a:p>
-            <a:pPr marL="0" marR="0" lvl="0" indent="0" algn="r" rtl="0">
-              <a:spcBef>
-                <a:spcPts val="0"/>
-              </a:spcBef>
-              <a:buSzPct val="25000"/>
-              <a:buNone/>
-            </a:pPr>
-            <a:fld id="{00000000-1234-1234-1234-123412341234}" type="slidenum">
-              <a:rPr lang="en-US" sz="1200">
-                <a:solidFill>
-                  <a:schemeClr val="dk1"/>
-                </a:solidFill>
-                <a:latin typeface="Calibri"/>
-                <a:ea typeface="Calibri"/>
-                <a:cs typeface="Calibri"/>
-                <a:sym typeface="Calibri"/>
-              </a:rPr>
-              <a:t>21</a:t>
-            </a:fld>
-            <a:endParaRPr lang="en-US" sz="1200">
-              <a:solidFill>
-                <a:schemeClr val="dk1"/>
-              </a:solidFill>
-              <a:latin typeface="Calibri"/>
-              <a:ea typeface="Calibri"/>
-              <a:cs typeface="Calibri"/>
-              <a:sym typeface="Calibri"/>
-            </a:endParaRPr>
-          </a:p>
-        </p:txBody>
-      </p:sp>
-    </p:spTree>
-  </p:cSld>
-  <p:clrMapOvr>
-    <a:masterClrMapping/>
-  </p:clrMapOvr>
-</p:notes>
-</file>
-
-<file path=ppt/notesSlides/notesSlide22.xml><?xml version="1.0" encoding="utf-8"?>
-<p:notes xmlns:a="http://schemas.openxmlformats.org/drawingml/2006/main" xmlns:r="http://schemas.openxmlformats.org/officeDocument/2006/relationships" xmlns:p="http://schemas.openxmlformats.org/presentationml/2006/main" showMasterSp="0" showMasterPhAnim="0">
-  <p:cSld>
-    <p:spTree>
-      <p:nvGrpSpPr>
-        <p:cNvPr id="1" name="Shape 349"/>
-        <p:cNvGrpSpPr/>
-        <p:nvPr/>
-      </p:nvGrpSpPr>
-      <p:grpSpPr>
-        <a:xfrm>
-          <a:off x="0" y="0"/>
-          <a:ext cx="0" cy="0"/>
-          <a:chOff x="0" y="0"/>
-          <a:chExt cx="0" cy="0"/>
-        </a:xfrm>
-      </p:grpSpPr>
-      <p:sp>
-        <p:nvSpPr>
-          <p:cNvPr id="350" name="Shape 350"/>
-          <p:cNvSpPr>
-            <a:spLocks noGrp="1" noRot="1" noChangeAspect="1"/>
-          </p:cNvSpPr>
-          <p:nvPr>
-            <p:ph type="sldImg" idx="2"/>
-          </p:nvPr>
-        </p:nvSpPr>
-        <p:spPr>
-          <a:xfrm>
-            <a:off x="1143000" y="685800"/>
-            <a:ext cx="4572000" cy="3429000"/>
-          </a:xfrm>
-          <a:custGeom>
-            <a:avLst/>
-            <a:gdLst/>
-            <a:ahLst/>
-            <a:cxnLst/>
-            <a:rect l="0" t="0" r="0" b="0"/>
-            <a:pathLst>
-              <a:path w="120000" h="120000" extrusionOk="0">
-                <a:moveTo>
-                  <a:pt x="0" y="0"/>
-                </a:moveTo>
-                <a:lnTo>
-                  <a:pt x="120000" y="0"/>
-                </a:lnTo>
-                <a:lnTo>
-                  <a:pt x="120000" y="120000"/>
-                </a:lnTo>
-                <a:lnTo>
-                  <a:pt x="0" y="120000"/>
-                </a:lnTo>
-                <a:close/>
-              </a:path>
-            </a:pathLst>
-          </a:custGeom>
-          <a:noFill/>
-          <a:ln w="12700" cap="flat" cmpd="sng">
-            <a:solidFill>
-              <a:srgbClr val="000000"/>
-            </a:solidFill>
-            <a:prstDash val="solid"/>
-            <a:round/>
-            <a:headEnd type="none" w="med" len="med"/>
-            <a:tailEnd type="none" w="med" len="med"/>
-          </a:ln>
-        </p:spPr>
-      </p:sp>
-      <p:sp>
-        <p:nvSpPr>
-          <p:cNvPr id="351" name="Shape 351"/>
-          <p:cNvSpPr txBox="1">
-            <a:spLocks noGrp="1"/>
-          </p:cNvSpPr>
-          <p:nvPr>
-            <p:ph type="body" idx="1"/>
-          </p:nvPr>
-        </p:nvSpPr>
-        <p:spPr>
-          <a:xfrm>
-            <a:off x="685800" y="4343400"/>
-            <a:ext cx="5486400" cy="4114800"/>
-          </a:xfrm>
-          <a:prstGeom prst="rect">
-            <a:avLst/>
-          </a:prstGeom>
-          <a:noFill/>
-          <a:ln>
-            <a:noFill/>
-          </a:ln>
-        </p:spPr>
-        <p:txBody>
-          <a:bodyPr lIns="91425" tIns="45700" rIns="91425" bIns="45700" anchor="t" anchorCtr="0">
-            <a:noAutofit/>
-          </a:bodyPr>
-          <a:lstStyle/>
-          <a:p>
-            <a:pPr marL="0" marR="0" lvl="0" indent="0" algn="l" rtl="0">
-              <a:spcBef>
-                <a:spcPts val="0"/>
-              </a:spcBef>
-              <a:buSzPct val="25000"/>
-              <a:buNone/>
-            </a:pPr>
-            <a:endParaRPr sz="1200" b="0" i="0" u="none" strike="noStrike" cap="none">
-              <a:solidFill>
-                <a:schemeClr val="dk1"/>
-              </a:solidFill>
-              <a:latin typeface="Calibri"/>
-              <a:ea typeface="Calibri"/>
-              <a:cs typeface="Calibri"/>
-              <a:sym typeface="Calibri"/>
-            </a:endParaRPr>
-          </a:p>
-        </p:txBody>
-      </p:sp>
-      <p:sp>
-        <p:nvSpPr>
-          <p:cNvPr id="352" name="Shape 352"/>
-          <p:cNvSpPr txBox="1">
-            <a:spLocks noGrp="1"/>
-          </p:cNvSpPr>
-          <p:nvPr>
-            <p:ph type="sldNum" idx="12"/>
-          </p:nvPr>
-        </p:nvSpPr>
-        <p:spPr>
-          <a:xfrm>
-            <a:off x="3884612" y="8685213"/>
-            <a:ext cx="2971800" cy="457200"/>
-          </a:xfrm>
-          <a:prstGeom prst="rect">
-            <a:avLst/>
-          </a:prstGeom>
-          <a:noFill/>
-          <a:ln>
-            <a:noFill/>
-          </a:ln>
-        </p:spPr>
-        <p:txBody>
-          <a:bodyPr lIns="91425" tIns="45700" rIns="91425" bIns="45700" anchor="b" anchorCtr="0">
-            <a:noAutofit/>
-          </a:bodyPr>
-          <a:lstStyle/>
-          <a:p>
-            <a:pPr marL="0" marR="0" lvl="0" indent="0" algn="r" rtl="0">
-              <a:spcBef>
-                <a:spcPts val="0"/>
-              </a:spcBef>
-              <a:buSzPct val="25000"/>
-              <a:buNone/>
-            </a:pPr>
-            <a:fld id="{00000000-1234-1234-1234-123412341234}" type="slidenum">
-              <a:rPr lang="en-US" sz="1200">
-                <a:solidFill>
-                  <a:schemeClr val="dk1"/>
-                </a:solidFill>
-                <a:latin typeface="Calibri"/>
-                <a:ea typeface="Calibri"/>
-                <a:cs typeface="Calibri"/>
-                <a:sym typeface="Calibri"/>
-              </a:rPr>
-              <a:t>22</a:t>
-            </a:fld>
-            <a:endParaRPr lang="en-US" sz="1200">
-              <a:solidFill>
-                <a:schemeClr val="dk1"/>
-              </a:solidFill>
-              <a:latin typeface="Calibri"/>
-              <a:ea typeface="Calibri"/>
-              <a:cs typeface="Calibri"/>
-              <a:sym typeface="Calibri"/>
-            </a:endParaRPr>
-          </a:p>
-        </p:txBody>
-      </p:sp>
-    </p:spTree>
-  </p:cSld>
-  <p:clrMapOvr>
-    <a:masterClrMapping/>
-  </p:clrMapOvr>
-</p:notes>
-</file>
-
-<file path=ppt/notesSlides/notesSlide23.xml><?xml version="1.0" encoding="utf-8"?>
-<p:notes xmlns:a="http://schemas.openxmlformats.org/drawingml/2006/main" xmlns:r="http://schemas.openxmlformats.org/officeDocument/2006/relationships" xmlns:p="http://schemas.openxmlformats.org/presentationml/2006/main" showMasterSp="0" showMasterPhAnim="0">
-  <p:cSld>
-    <p:spTree>
-      <p:nvGrpSpPr>
         <p:cNvPr id="1" name="Shape 357"/>
         <p:cNvGrpSpPr/>
         <p:nvPr/>
@@ -4095,7 +3539,7 @@
                 <a:cs typeface="Calibri"/>
                 <a:sym typeface="Calibri"/>
               </a:rPr>
-              <a:t>23</a:t>
+              <a:t>20</a:t>
             </a:fld>
             <a:endParaRPr lang="en-US" sz="1200">
               <a:solidFill>
@@ -4117,196 +3561,7 @@
 </p:notes>
 </file>
 
-<file path=ppt/notesSlides/notesSlide24.xml><?xml version="1.0" encoding="utf-8"?>
-<p:notes xmlns:a="http://schemas.openxmlformats.org/drawingml/2006/main" xmlns:r="http://schemas.openxmlformats.org/officeDocument/2006/relationships" xmlns:p="http://schemas.openxmlformats.org/presentationml/2006/main" showMasterSp="0" showMasterPhAnim="0">
-  <p:cSld>
-    <p:spTree>
-      <p:nvGrpSpPr>
-        <p:cNvPr id="1" name="Shape 357"/>
-        <p:cNvGrpSpPr/>
-        <p:nvPr/>
-      </p:nvGrpSpPr>
-      <p:grpSpPr>
-        <a:xfrm>
-          <a:off x="0" y="0"/>
-          <a:ext cx="0" cy="0"/>
-          <a:chOff x="0" y="0"/>
-          <a:chExt cx="0" cy="0"/>
-        </a:xfrm>
-      </p:grpSpPr>
-      <p:sp>
-        <p:nvSpPr>
-          <p:cNvPr id="358" name="Shape 358"/>
-          <p:cNvSpPr>
-            <a:spLocks noGrp="1" noRot="1" noChangeAspect="1"/>
-          </p:cNvSpPr>
-          <p:nvPr>
-            <p:ph type="sldImg" idx="2"/>
-          </p:nvPr>
-        </p:nvSpPr>
-        <p:spPr>
-          <a:xfrm>
-            <a:off x="1143000" y="685800"/>
-            <a:ext cx="4572000" cy="3429000"/>
-          </a:xfrm>
-          <a:custGeom>
-            <a:avLst/>
-            <a:gdLst/>
-            <a:ahLst/>
-            <a:cxnLst/>
-            <a:rect l="0" t="0" r="0" b="0"/>
-            <a:pathLst>
-              <a:path w="120000" h="120000" extrusionOk="0">
-                <a:moveTo>
-                  <a:pt x="0" y="0"/>
-                </a:moveTo>
-                <a:lnTo>
-                  <a:pt x="120000" y="0"/>
-                </a:lnTo>
-                <a:lnTo>
-                  <a:pt x="120000" y="120000"/>
-                </a:lnTo>
-                <a:lnTo>
-                  <a:pt x="0" y="120000"/>
-                </a:lnTo>
-                <a:close/>
-              </a:path>
-            </a:pathLst>
-          </a:custGeom>
-          <a:noFill/>
-          <a:ln w="12700" cap="flat" cmpd="sng">
-            <a:solidFill>
-              <a:srgbClr val="000000"/>
-            </a:solidFill>
-            <a:prstDash val="solid"/>
-            <a:round/>
-            <a:headEnd type="none" w="med" len="med"/>
-            <a:tailEnd type="none" w="med" len="med"/>
-          </a:ln>
-        </p:spPr>
-      </p:sp>
-      <p:sp>
-        <p:nvSpPr>
-          <p:cNvPr id="359" name="Shape 359"/>
-          <p:cNvSpPr txBox="1">
-            <a:spLocks noGrp="1"/>
-          </p:cNvSpPr>
-          <p:nvPr>
-            <p:ph type="body" idx="1"/>
-          </p:nvPr>
-        </p:nvSpPr>
-        <p:spPr>
-          <a:xfrm>
-            <a:off x="685800" y="4343400"/>
-            <a:ext cx="5486399" cy="4114800"/>
-          </a:xfrm>
-          <a:prstGeom prst="rect">
-            <a:avLst/>
-          </a:prstGeom>
-          <a:noFill/>
-          <a:ln>
-            <a:noFill/>
-          </a:ln>
-        </p:spPr>
-        <p:txBody>
-          <a:bodyPr lIns="91425" tIns="45700" rIns="91425" bIns="45700" anchor="t" anchorCtr="0">
-            <a:noAutofit/>
-          </a:bodyPr>
-          <a:lstStyle/>
-          <a:p>
-            <a:pPr marL="0" marR="0" lvl="0" indent="0" algn="l" rtl="0">
-              <a:spcBef>
-                <a:spcPts val="0"/>
-              </a:spcBef>
-              <a:buSzPct val="25000"/>
-              <a:buNone/>
-            </a:pPr>
-            <a:endParaRPr sz="1200" b="0" i="0" u="none" strike="noStrike" cap="none">
-              <a:solidFill>
-                <a:schemeClr val="dk1"/>
-              </a:solidFill>
-              <a:latin typeface="Calibri"/>
-              <a:ea typeface="Calibri"/>
-              <a:cs typeface="Calibri"/>
-              <a:sym typeface="Calibri"/>
-            </a:endParaRPr>
-          </a:p>
-        </p:txBody>
-      </p:sp>
-      <p:sp>
-        <p:nvSpPr>
-          <p:cNvPr id="360" name="Shape 360"/>
-          <p:cNvSpPr txBox="1">
-            <a:spLocks noGrp="1"/>
-          </p:cNvSpPr>
-          <p:nvPr>
-            <p:ph type="sldNum" idx="12"/>
-          </p:nvPr>
-        </p:nvSpPr>
-        <p:spPr>
-          <a:xfrm>
-            <a:off x="3884612" y="8685213"/>
-            <a:ext cx="2971799" cy="457200"/>
-          </a:xfrm>
-          <a:prstGeom prst="rect">
-            <a:avLst/>
-          </a:prstGeom>
-          <a:noFill/>
-          <a:ln>
-            <a:noFill/>
-          </a:ln>
-        </p:spPr>
-        <p:txBody>
-          <a:bodyPr lIns="91425" tIns="45700" rIns="91425" bIns="45700" anchor="b" anchorCtr="0">
-            <a:noAutofit/>
-          </a:bodyPr>
-          <a:lstStyle/>
-          <a:p>
-            <a:pPr marL="0" marR="0" lvl="0" indent="0" algn="r" rtl="0">
-              <a:spcBef>
-                <a:spcPts val="0"/>
-              </a:spcBef>
-              <a:buSzPct val="25000"/>
-              <a:buNone/>
-            </a:pPr>
-            <a:fld id="{00000000-1234-1234-1234-123412341234}" type="slidenum">
-              <a:rPr lang="en-US" sz="1200">
-                <a:solidFill>
-                  <a:schemeClr val="dk1"/>
-                </a:solidFill>
-                <a:latin typeface="Calibri"/>
-                <a:ea typeface="Calibri"/>
-                <a:cs typeface="Calibri"/>
-                <a:sym typeface="Calibri"/>
-              </a:rPr>
-              <a:t>24</a:t>
-            </a:fld>
-            <a:endParaRPr lang="en-US" sz="1200">
-              <a:solidFill>
-                <a:schemeClr val="dk1"/>
-              </a:solidFill>
-              <a:latin typeface="Calibri"/>
-              <a:ea typeface="Calibri"/>
-              <a:cs typeface="Calibri"/>
-              <a:sym typeface="Calibri"/>
-            </a:endParaRPr>
-          </a:p>
-        </p:txBody>
-      </p:sp>
-    </p:spTree>
-    <p:extLst>
-      <p:ext uri="{BB962C8B-B14F-4D97-AF65-F5344CB8AC3E}">
-        <p14:creationId xmlns:p14="http://schemas.microsoft.com/office/powerpoint/2010/main" val="3392661883"/>
-      </p:ext>
-    </p:extLst>
-  </p:cSld>
-  <p:clrMapOvr>
-    <a:masterClrMapping/>
-  </p:clrMapOvr>
-</p:notes>
-</file>
-
-<file path=ppt/notesSlides/notesSlide25.xml><?xml version="1.0" encoding="utf-8"?>
+<file path=ppt/notesSlides/notesSlide21.xml><?xml version="1.0" encoding="utf-8"?>
 <p:notes xmlns:a="http://schemas.openxmlformats.org/drawingml/2006/main" xmlns:r="http://schemas.openxmlformats.org/officeDocument/2006/relationships" xmlns:p="http://schemas.openxmlformats.org/presentationml/2006/main" showMasterSp="0" showMasterPhAnim="0">
   <p:cSld>
     <p:spTree>
@@ -4468,7 +3723,7 @@
                 <a:cs typeface="Calibri"/>
                 <a:sym typeface="Calibri"/>
               </a:rPr>
-              <a:t>25</a:t>
+              <a:t>21</a:t>
             </a:fld>
             <a:endParaRPr lang="en-US" sz="1200">
               <a:solidFill>
@@ -4490,7 +3745,7 @@
 </p:notes>
 </file>
 
-<file path=ppt/notesSlides/notesSlide26.xml><?xml version="1.0" encoding="utf-8"?>
+<file path=ppt/notesSlides/notesSlide22.xml><?xml version="1.0" encoding="utf-8"?>
 <p:notes xmlns:a="http://schemas.openxmlformats.org/drawingml/2006/main" xmlns:r="http://schemas.openxmlformats.org/officeDocument/2006/relationships" xmlns:p="http://schemas.openxmlformats.org/presentationml/2006/main">
   <p:cSld>
     <p:spTree>
@@ -4556,7 +3811,7 @@
             <a:fld id="{E18BF511-F575-4496-9E82-CD938318C1D8}" type="slidenum">
               <a:rPr lang="en-US" smtClean="0"/>
               <a:pPr/>
-              <a:t>26</a:t>
+              <a:t>22</a:t>
             </a:fld>
             <a:endParaRPr lang="en-US"/>
           </a:p>
@@ -4575,7 +3830,7 @@
 </p:notes>
 </file>
 
-<file path=ppt/notesSlides/notesSlide27.xml><?xml version="1.0" encoding="utf-8"?>
+<file path=ppt/notesSlides/notesSlide23.xml><?xml version="1.0" encoding="utf-8"?>
 <p:notes xmlns:a="http://schemas.openxmlformats.org/drawingml/2006/main" xmlns:r="http://schemas.openxmlformats.org/officeDocument/2006/relationships" xmlns:p="http://schemas.openxmlformats.org/presentationml/2006/main" showMasterSp="0" showMasterPhAnim="0">
   <p:cSld>
     <p:spTree>
@@ -4737,7 +3992,7 @@
                 <a:cs typeface="Calibri"/>
                 <a:sym typeface="Calibri"/>
               </a:rPr>
-              <a:t>27</a:t>
+              <a:t>23</a:t>
             </a:fld>
             <a:endParaRPr lang="en-US" sz="1200">
               <a:solidFill>
@@ -4759,7 +4014,7 @@
 </p:notes>
 </file>
 
-<file path=ppt/notesSlides/notesSlide28.xml><?xml version="1.0" encoding="utf-8"?>
+<file path=ppt/notesSlides/notesSlide24.xml><?xml version="1.0" encoding="utf-8"?>
 <p:notes xmlns:a="http://schemas.openxmlformats.org/drawingml/2006/main" xmlns:r="http://schemas.openxmlformats.org/officeDocument/2006/relationships" xmlns:p="http://schemas.openxmlformats.org/presentationml/2006/main">
   <p:cSld>
     <p:spTree>
@@ -4825,7 +4080,7 @@
             <a:fld id="{E18BF511-F575-4496-9E82-CD938318C1D8}" type="slidenum">
               <a:rPr lang="en-US" smtClean="0"/>
               <a:pPr/>
-              <a:t>28</a:t>
+              <a:t>24</a:t>
             </a:fld>
             <a:endParaRPr lang="en-US"/>
           </a:p>
@@ -4844,7 +4099,7 @@
 </p:notes>
 </file>
 
-<file path=ppt/notesSlides/notesSlide29.xml><?xml version="1.0" encoding="utf-8"?>
+<file path=ppt/notesSlides/notesSlide25.xml><?xml version="1.0" encoding="utf-8"?>
 <p:notes xmlns:a="http://schemas.openxmlformats.org/drawingml/2006/main" xmlns:r="http://schemas.openxmlformats.org/officeDocument/2006/relationships" xmlns:p="http://schemas.openxmlformats.org/presentationml/2006/main">
   <p:cSld>
     <p:spTree>
@@ -4910,7 +4165,7 @@
             <a:fld id="{E18BF511-F575-4496-9E82-CD938318C1D8}" type="slidenum">
               <a:rPr lang="en-US" smtClean="0"/>
               <a:pPr/>
-              <a:t>29</a:t>
+              <a:t>25</a:t>
             </a:fld>
             <a:endParaRPr lang="en-US"/>
           </a:p>
@@ -6043,7 +5298,7 @@
   <p:cSld>
     <p:spTree>
       <p:nvGrpSpPr>
-        <p:cNvPr id="1" name="Shape 185"/>
+        <p:cNvPr id="1" name="Shape 203"/>
         <p:cNvGrpSpPr/>
         <p:nvPr/>
       </p:nvGrpSpPr>
@@ -6057,7 +5312,7 @@
       </p:grpSpPr>
       <p:sp>
         <p:nvSpPr>
-          <p:cNvPr id="186" name="Shape 186"/>
+          <p:cNvPr id="204" name="Shape 204"/>
           <p:cNvSpPr>
             <a:spLocks noGrp="1" noRot="1" noChangeAspect="1"/>
           </p:cNvSpPr>
@@ -6108,7 +5363,7 @@
       </p:sp>
       <p:sp>
         <p:nvSpPr>
-          <p:cNvPr id="187" name="Shape 187"/>
+          <p:cNvPr id="205" name="Shape 205"/>
           <p:cNvSpPr txBox="1">
             <a:spLocks noGrp="1"/>
           </p:cNvSpPr>
@@ -6156,7 +5411,7 @@
       </p:sp>
       <p:sp>
         <p:nvSpPr>
-          <p:cNvPr id="188" name="Shape 188"/>
+          <p:cNvPr id="206" name="Shape 206"/>
           <p:cNvSpPr txBox="1">
             <a:spLocks noGrp="1"/>
           </p:cNvSpPr>
@@ -16558,874 +15813,6 @@
   <p:cSld>
     <p:spTree>
       <p:nvGrpSpPr>
-        <p:cNvPr id="1" name="Shape 207"/>
-        <p:cNvGrpSpPr/>
-        <p:nvPr/>
-      </p:nvGrpSpPr>
-      <p:grpSpPr>
-        <a:xfrm>
-          <a:off x="0" y="0"/>
-          <a:ext cx="0" cy="0"/>
-          <a:chOff x="0" y="0"/>
-          <a:chExt cx="0" cy="0"/>
-        </a:xfrm>
-      </p:grpSpPr>
-      <p:sp>
-        <p:nvSpPr>
-          <p:cNvPr id="208" name="Shape 208" descr="http://upload.wikimedia.org/wikipedia/commons/c/c4/2-Dice-Icon.svg"/>
-          <p:cNvSpPr/>
-          <p:nvPr/>
-        </p:nvSpPr>
-        <p:spPr>
-          <a:xfrm>
-            <a:off x="155575" y="-144463"/>
-            <a:ext cx="304799" cy="304801"/>
-          </a:xfrm>
-          <a:prstGeom prst="rect">
-            <a:avLst/>
-          </a:prstGeom>
-          <a:noFill/>
-          <a:ln>
-            <a:noFill/>
-          </a:ln>
-        </p:spPr>
-        <p:txBody>
-          <a:bodyPr lIns="91425" tIns="45700" rIns="91425" bIns="45700" anchor="t" anchorCtr="0">
-            <a:noAutofit/>
-          </a:bodyPr>
-          <a:lstStyle/>
-          <a:p>
-            <a:pPr marL="0" marR="0" lvl="0" indent="0" algn="l" rtl="0">
-              <a:spcBef>
-                <a:spcPts val="0"/>
-              </a:spcBef>
-              <a:buNone/>
-            </a:pPr>
-            <a:endParaRPr sz="1800">
-              <a:solidFill>
-                <a:schemeClr val="dk1"/>
-              </a:solidFill>
-              <a:latin typeface="Gill Sans MT"/>
-              <a:ea typeface="Gill Sans MT"/>
-              <a:cs typeface="Gill Sans MT"/>
-              <a:sym typeface="Gill Sans MT"/>
-            </a:endParaRPr>
-          </a:p>
-        </p:txBody>
-      </p:sp>
-      <p:sp>
-        <p:nvSpPr>
-          <p:cNvPr id="209" name="Shape 209" descr="http://upload.wikimedia.org/wikipedia/commons/c/c4/2-Dice-Icon.svg"/>
-          <p:cNvSpPr/>
-          <p:nvPr/>
-        </p:nvSpPr>
-        <p:spPr>
-          <a:xfrm>
-            <a:off x="307975" y="7937"/>
-            <a:ext cx="304799" cy="304801"/>
-          </a:xfrm>
-          <a:prstGeom prst="rect">
-            <a:avLst/>
-          </a:prstGeom>
-          <a:noFill/>
-          <a:ln>
-            <a:noFill/>
-          </a:ln>
-        </p:spPr>
-        <p:txBody>
-          <a:bodyPr lIns="91425" tIns="45700" rIns="91425" bIns="45700" anchor="t" anchorCtr="0">
-            <a:noAutofit/>
-          </a:bodyPr>
-          <a:lstStyle/>
-          <a:p>
-            <a:pPr marL="0" marR="0" lvl="0" indent="0" algn="l" rtl="0">
-              <a:spcBef>
-                <a:spcPts val="0"/>
-              </a:spcBef>
-              <a:buNone/>
-            </a:pPr>
-            <a:endParaRPr sz="1800">
-              <a:solidFill>
-                <a:schemeClr val="dk1"/>
-              </a:solidFill>
-              <a:latin typeface="Gill Sans MT"/>
-              <a:ea typeface="Gill Sans MT"/>
-              <a:cs typeface="Gill Sans MT"/>
-              <a:sym typeface="Gill Sans MT"/>
-            </a:endParaRPr>
-          </a:p>
-        </p:txBody>
-      </p:sp>
-      <p:sp>
-        <p:nvSpPr>
-          <p:cNvPr id="210" name="Shape 210" descr="http://upload.wikimedia.org/wikipedia/commons/c/c4/2-Dice-Icon.svg"/>
-          <p:cNvSpPr/>
-          <p:nvPr/>
-        </p:nvSpPr>
-        <p:spPr>
-          <a:xfrm>
-            <a:off x="460375" y="160336"/>
-            <a:ext cx="304799" cy="304801"/>
-          </a:xfrm>
-          <a:prstGeom prst="rect">
-            <a:avLst/>
-          </a:prstGeom>
-          <a:noFill/>
-          <a:ln>
-            <a:noFill/>
-          </a:ln>
-        </p:spPr>
-        <p:txBody>
-          <a:bodyPr lIns="91425" tIns="45700" rIns="91425" bIns="45700" anchor="t" anchorCtr="0">
-            <a:noAutofit/>
-          </a:bodyPr>
-          <a:lstStyle/>
-          <a:p>
-            <a:pPr marL="0" marR="0" lvl="0" indent="0" algn="l" rtl="0">
-              <a:spcBef>
-                <a:spcPts val="0"/>
-              </a:spcBef>
-              <a:buNone/>
-            </a:pPr>
-            <a:endParaRPr sz="1800">
-              <a:solidFill>
-                <a:schemeClr val="dk1"/>
-              </a:solidFill>
-              <a:latin typeface="Gill Sans MT"/>
-              <a:ea typeface="Gill Sans MT"/>
-              <a:cs typeface="Gill Sans MT"/>
-              <a:sym typeface="Gill Sans MT"/>
-            </a:endParaRPr>
-          </a:p>
-        </p:txBody>
-      </p:sp>
-      <p:sp>
-        <p:nvSpPr>
-          <p:cNvPr id="211" name="Shape 211"/>
-          <p:cNvSpPr txBox="1"/>
-          <p:nvPr/>
-        </p:nvSpPr>
-        <p:spPr>
-          <a:xfrm>
-            <a:off x="307975" y="330268"/>
-            <a:ext cx="3353546" cy="830996"/>
-          </a:xfrm>
-          <a:prstGeom prst="rect">
-            <a:avLst/>
-          </a:prstGeom>
-          <a:blipFill rotWithShape="1">
-            <a:blip r:embed="rId3">
-              <a:alphaModFix/>
-            </a:blip>
-            <a:stretch>
-              <a:fillRect/>
-            </a:stretch>
-          </a:blipFill>
-          <a:ln>
-            <a:noFill/>
-          </a:ln>
-        </p:spPr>
-        <p:txBody>
-          <a:bodyPr lIns="91425" tIns="45700" rIns="91425" bIns="45700" anchor="t" anchorCtr="0">
-            <a:noAutofit/>
-          </a:bodyPr>
-          <a:lstStyle/>
-          <a:p>
-            <a:pPr marL="0" marR="0" lvl="0" indent="0" algn="l" rtl="0">
-              <a:spcBef>
-                <a:spcPts val="0"/>
-              </a:spcBef>
-              <a:buSzPct val="25000"/>
-              <a:buNone/>
-            </a:pPr>
-            <a:r>
-              <a:rPr lang="en-US" sz="1800">
-                <a:latin typeface="Gill Sans MT"/>
-                <a:ea typeface="Gill Sans MT"/>
-                <a:cs typeface="Gill Sans MT"/>
-                <a:sym typeface="Gill Sans MT"/>
-              </a:rPr>
-              <a:t> </a:t>
-            </a:r>
-          </a:p>
-        </p:txBody>
-      </p:sp>
-      <p:pic>
-        <p:nvPicPr>
-          <p:cNvPr id="212" name="Shape 212" descr="cans"/>
-          <p:cNvPicPr preferRelativeResize="0"/>
-          <p:nvPr/>
-        </p:nvPicPr>
-        <p:blipFill rotWithShape="1">
-          <a:blip r:embed="rId4">
-            <a:alphaModFix/>
-          </a:blip>
-          <a:srcRect/>
-          <a:stretch/>
-        </p:blipFill>
-        <p:spPr>
-          <a:xfrm>
-            <a:off x="460375" y="1638300"/>
-            <a:ext cx="3382962" cy="3314700"/>
-          </a:xfrm>
-          <a:prstGeom prst="rect">
-            <a:avLst/>
-          </a:prstGeom>
-          <a:noFill/>
-          <a:ln>
-            <a:noFill/>
-          </a:ln>
-        </p:spPr>
-      </p:pic>
-      <p:sp>
-        <p:nvSpPr>
-          <p:cNvPr id="213" name="Shape 213"/>
-          <p:cNvSpPr txBox="1"/>
-          <p:nvPr/>
-        </p:nvSpPr>
-        <p:spPr>
-          <a:xfrm>
-            <a:off x="4267200" y="1828800"/>
-            <a:ext cx="1907894" cy="1384995"/>
-          </a:xfrm>
-          <a:prstGeom prst="rect">
-            <a:avLst/>
-          </a:prstGeom>
-          <a:noFill/>
-          <a:ln>
-            <a:noFill/>
-          </a:ln>
-        </p:spPr>
-        <p:txBody>
-          <a:bodyPr lIns="91425" tIns="45700" rIns="91425" bIns="45700" anchor="t" anchorCtr="0">
-            <a:noAutofit/>
-          </a:bodyPr>
-          <a:lstStyle/>
-          <a:p>
-            <a:pPr marL="0" marR="0" lvl="0" indent="0" algn="l" rtl="0">
-              <a:spcBef>
-                <a:spcPts val="0"/>
-              </a:spcBef>
-              <a:buSzPct val="25000"/>
-              <a:buNone/>
-            </a:pPr>
-            <a:r>
-              <a:rPr lang="en-US" sz="2800">
-                <a:solidFill>
-                  <a:srgbClr val="FFFF66"/>
-                </a:solidFill>
-                <a:latin typeface="Arial"/>
-                <a:ea typeface="Arial"/>
-                <a:cs typeface="Arial"/>
-                <a:sym typeface="Arial"/>
-              </a:rPr>
-              <a:t>What is r?</a:t>
-            </a:r>
-          </a:p>
-          <a:p>
-            <a:pPr marL="0" marR="0" lvl="0" indent="0" algn="l" rtl="0">
-              <a:spcBef>
-                <a:spcPts val="0"/>
-              </a:spcBef>
-              <a:buSzPct val="25000"/>
-              <a:buNone/>
-            </a:pPr>
-            <a:r>
-              <a:rPr lang="en-US" sz="2800">
-                <a:solidFill>
-                  <a:srgbClr val="FFFF66"/>
-                </a:solidFill>
-                <a:latin typeface="Arial"/>
-                <a:ea typeface="Arial"/>
-                <a:cs typeface="Arial"/>
-                <a:sym typeface="Arial"/>
-              </a:rPr>
-              <a:t>What is </a:t>
-            </a:r>
-            <a:r>
-              <a:rPr lang="en-US" sz="2800" b="1">
-                <a:solidFill>
-                  <a:srgbClr val="FFFF66"/>
-                </a:solidFill>
-                <a:latin typeface="Noto Sans Symbols"/>
-                <a:ea typeface="Noto Sans Symbols"/>
-                <a:cs typeface="Noto Sans Symbols"/>
-                <a:sym typeface="Noto Sans Symbols"/>
-              </a:rPr>
-              <a:t>β</a:t>
-            </a:r>
-            <a:r>
-              <a:rPr lang="en-US" sz="2800">
-                <a:solidFill>
-                  <a:srgbClr val="FFFF66"/>
-                </a:solidFill>
-                <a:latin typeface="Arial"/>
-                <a:ea typeface="Arial"/>
-                <a:cs typeface="Arial"/>
-                <a:sym typeface="Arial"/>
-              </a:rPr>
-              <a:t>?</a:t>
-            </a:r>
-          </a:p>
-          <a:p>
-            <a:pPr marL="0" marR="0" lvl="0" indent="0" algn="l" rtl="0">
-              <a:spcBef>
-                <a:spcPts val="0"/>
-              </a:spcBef>
-              <a:buSzPct val="25000"/>
-              <a:buNone/>
-            </a:pPr>
-            <a:r>
-              <a:rPr lang="en-US" sz="2800">
-                <a:solidFill>
-                  <a:srgbClr val="FFFF66"/>
-                </a:solidFill>
-                <a:latin typeface="Arial"/>
-                <a:ea typeface="Arial"/>
-                <a:cs typeface="Arial"/>
-                <a:sym typeface="Arial"/>
-              </a:rPr>
-              <a:t>What is </a:t>
-            </a:r>
-            <a:r>
-              <a:rPr lang="en-US" sz="2800" b="1">
-                <a:solidFill>
-                  <a:srgbClr val="FFFF66"/>
-                </a:solidFill>
-                <a:latin typeface="Noto Sans Symbols"/>
-                <a:ea typeface="Noto Sans Symbols"/>
-                <a:cs typeface="Noto Sans Symbols"/>
-                <a:sym typeface="Noto Sans Symbols"/>
-              </a:rPr>
-              <a:t>α</a:t>
-            </a:r>
-            <a:r>
-              <a:rPr lang="en-US" sz="2800">
-                <a:solidFill>
-                  <a:srgbClr val="FFFF66"/>
-                </a:solidFill>
-                <a:latin typeface="Arial"/>
-                <a:ea typeface="Arial"/>
-                <a:cs typeface="Arial"/>
-                <a:sym typeface="Arial"/>
-              </a:rPr>
-              <a:t>?</a:t>
-            </a:r>
-          </a:p>
-        </p:txBody>
-      </p:sp>
-      <p:sp>
-        <p:nvSpPr>
-          <p:cNvPr id="214" name="Shape 214"/>
-          <p:cNvSpPr txBox="1"/>
-          <p:nvPr/>
-        </p:nvSpPr>
-        <p:spPr>
-          <a:xfrm>
-            <a:off x="4419600" y="4535269"/>
-            <a:ext cx="3702680" cy="646331"/>
-          </a:xfrm>
-          <a:prstGeom prst="rect">
-            <a:avLst/>
-          </a:prstGeom>
-          <a:blipFill rotWithShape="1">
-            <a:blip r:embed="rId5">
-              <a:alphaModFix/>
-            </a:blip>
-            <a:stretch>
-              <a:fillRect/>
-            </a:stretch>
-          </a:blipFill>
-          <a:ln>
-            <a:noFill/>
-          </a:ln>
-        </p:spPr>
-        <p:txBody>
-          <a:bodyPr lIns="91425" tIns="45700" rIns="91425" bIns="45700" anchor="t" anchorCtr="0">
-            <a:noAutofit/>
-          </a:bodyPr>
-          <a:lstStyle/>
-          <a:p>
-            <a:pPr marL="0" marR="0" lvl="0" indent="0" algn="l" rtl="0">
-              <a:spcBef>
-                <a:spcPts val="0"/>
-              </a:spcBef>
-              <a:buSzPct val="25000"/>
-              <a:buNone/>
-            </a:pPr>
-            <a:r>
-              <a:rPr lang="en-US" sz="1800">
-                <a:latin typeface="Gill Sans MT"/>
-                <a:ea typeface="Gill Sans MT"/>
-                <a:cs typeface="Gill Sans MT"/>
-                <a:sym typeface="Gill Sans MT"/>
-              </a:rPr>
-              <a:t> </a:t>
-            </a:r>
-          </a:p>
-        </p:txBody>
-      </p:sp>
-      <p:sp>
-        <p:nvSpPr>
-          <p:cNvPr id="215" name="Shape 215"/>
-          <p:cNvSpPr txBox="1"/>
-          <p:nvPr/>
-        </p:nvSpPr>
-        <p:spPr>
-          <a:xfrm>
-            <a:off x="1984748" y="5181600"/>
-            <a:ext cx="6012159" cy="523219"/>
-          </a:xfrm>
-          <a:prstGeom prst="rect">
-            <a:avLst/>
-          </a:prstGeom>
-          <a:noFill/>
-          <a:ln>
-            <a:noFill/>
-          </a:ln>
-        </p:spPr>
-        <p:txBody>
-          <a:bodyPr lIns="91425" tIns="45700" rIns="91425" bIns="45700" anchor="t" anchorCtr="0">
-            <a:noAutofit/>
-          </a:bodyPr>
-          <a:lstStyle/>
-          <a:p>
-            <a:pPr marL="0" marR="0" lvl="0" indent="0" algn="l" rtl="0">
-              <a:spcBef>
-                <a:spcPts val="0"/>
-              </a:spcBef>
-              <a:buSzPct val="25000"/>
-              <a:buNone/>
-            </a:pPr>
-            <a:r>
-              <a:rPr lang="en-US" sz="2800">
-                <a:solidFill>
-                  <a:srgbClr val="FFFF66"/>
-                </a:solidFill>
-                <a:latin typeface="Gill Sans MT"/>
-                <a:ea typeface="Gill Sans MT"/>
-                <a:cs typeface="Gill Sans MT"/>
-                <a:sym typeface="Gill Sans MT"/>
-              </a:rPr>
-              <a:t>How would you interpret this equation?</a:t>
-            </a:r>
-          </a:p>
-        </p:txBody>
-      </p:sp>
-    </p:spTree>
-  </p:cSld>
-  <p:clrMapOvr>
-    <a:masterClrMapping/>
-  </p:clrMapOvr>
-  <p:timing>
-    <p:tnLst>
-      <p:par>
-        <p:cTn id="1" dur="indefinite" restart="never" nodeType="tmRoot">
-          <p:childTnLst>
-            <p:seq concurrent="1" nextAc="seek">
-              <p:cTn id="2" dur="indefinite" nodeType="mainSeq">
-                <p:childTnLst>
-                  <p:par>
-                    <p:cTn id="3" fill="hold">
-                      <p:stCondLst>
-                        <p:cond delay="indefinite"/>
-                      </p:stCondLst>
-                      <p:childTnLst>
-                        <p:par>
-                          <p:cTn id="4" fill="hold">
-                            <p:stCondLst>
-                              <p:cond delay="0"/>
-                            </p:stCondLst>
-                            <p:childTnLst>
-                              <p:par>
-                                <p:cTn id="5" presetID="10" presetClass="entr" presetSubtype="0" fill="hold" nodeType="clickEffect">
-                                  <p:stCondLst>
-                                    <p:cond delay="0"/>
-                                  </p:stCondLst>
-                                  <p:childTnLst>
-                                    <p:set>
-                                      <p:cBhvr>
-                                        <p:cTn id="6" dur="1" fill="hold">
-                                          <p:stCondLst>
-                                            <p:cond delay="0"/>
-                                          </p:stCondLst>
-                                        </p:cTn>
-                                        <p:tgtEl>
-                                          <p:spTgt spid="214"/>
-                                        </p:tgtEl>
-                                        <p:attrNameLst>
-                                          <p:attrName>style.visibility</p:attrName>
-                                        </p:attrNameLst>
-                                      </p:cBhvr>
-                                      <p:to>
-                                        <p:strVal val="visible"/>
-                                      </p:to>
-                                    </p:set>
-                                    <p:animEffect transition="in" filter="fade">
-                                      <p:cBhvr>
-                                        <p:cTn id="7" dur="500"/>
-                                        <p:tgtEl>
-                                          <p:spTgt spid="214"/>
-                                        </p:tgtEl>
-                                      </p:cBhvr>
-                                    </p:animEffect>
-                                  </p:childTnLst>
-                                </p:cTn>
-                              </p:par>
-                              <p:par>
-                                <p:cTn id="8" presetID="10" presetClass="entr" presetSubtype="0" fill="hold" nodeType="withEffect">
-                                  <p:stCondLst>
-                                    <p:cond delay="0"/>
-                                  </p:stCondLst>
-                                  <p:childTnLst>
-                                    <p:set>
-                                      <p:cBhvr>
-                                        <p:cTn id="9" dur="1" fill="hold">
-                                          <p:stCondLst>
-                                            <p:cond delay="0"/>
-                                          </p:stCondLst>
-                                        </p:cTn>
-                                        <p:tgtEl>
-                                          <p:spTgt spid="215"/>
-                                        </p:tgtEl>
-                                        <p:attrNameLst>
-                                          <p:attrName>style.visibility</p:attrName>
-                                        </p:attrNameLst>
-                                      </p:cBhvr>
-                                      <p:to>
-                                        <p:strVal val="visible"/>
-                                      </p:to>
-                                    </p:set>
-                                    <p:animEffect transition="in" filter="fade">
-                                      <p:cBhvr>
-                                        <p:cTn id="10" dur="500"/>
-                                        <p:tgtEl>
-                                          <p:spTgt spid="215"/>
-                                        </p:tgtEl>
-                                      </p:cBhvr>
-                                    </p:animEffect>
-                                  </p:childTnLst>
-                                </p:cTn>
-                              </p:par>
-                            </p:childTnLst>
-                          </p:cTn>
-                        </p:par>
-                      </p:childTnLst>
-                    </p:cTn>
-                  </p:par>
-                </p:childTnLst>
-              </p:cTn>
-              <p:prevCondLst>
-                <p:cond evt="onPrev" delay="0">
-                  <p:tgtEl>
-                    <p:sldTgt/>
-                  </p:tgtEl>
-                </p:cond>
-              </p:prevCondLst>
-              <p:nextCondLst>
-                <p:cond evt="onNext" delay="0">
-                  <p:tgtEl>
-                    <p:sldTgt/>
-                  </p:tgtEl>
-                </p:cond>
-              </p:nextCondLst>
-            </p:seq>
-          </p:childTnLst>
-        </p:cTn>
-      </p:par>
-    </p:tnLst>
-  </p:timing>
-</p:sld>
-</file>
-
-<file path=ppt/slides/slide11.xml><?xml version="1.0" encoding="utf-8"?>
-<p:sld xmlns:a="http://schemas.openxmlformats.org/drawingml/2006/main" xmlns:r="http://schemas.openxmlformats.org/officeDocument/2006/relationships" xmlns:p="http://schemas.openxmlformats.org/presentationml/2006/main">
-  <p:cSld>
-    <p:spTree>
-      <p:nvGrpSpPr>
-        <p:cNvPr id="1" name="Shape 220"/>
-        <p:cNvGrpSpPr/>
-        <p:nvPr/>
-      </p:nvGrpSpPr>
-      <p:grpSpPr>
-        <a:xfrm>
-          <a:off x="0" y="0"/>
-          <a:ext cx="0" cy="0"/>
-          <a:chOff x="0" y="0"/>
-          <a:chExt cx="0" cy="0"/>
-        </a:xfrm>
-      </p:grpSpPr>
-      <p:sp>
-        <p:nvSpPr>
-          <p:cNvPr id="221" name="Shape 221" descr="http://upload.wikimedia.org/wikipedia/commons/c/c4/2-Dice-Icon.svg"/>
-          <p:cNvSpPr/>
-          <p:nvPr/>
-        </p:nvSpPr>
-        <p:spPr>
-          <a:xfrm>
-            <a:off x="155575" y="-144463"/>
-            <a:ext cx="304799" cy="304801"/>
-          </a:xfrm>
-          <a:prstGeom prst="rect">
-            <a:avLst/>
-          </a:prstGeom>
-          <a:noFill/>
-          <a:ln>
-            <a:noFill/>
-          </a:ln>
-        </p:spPr>
-        <p:txBody>
-          <a:bodyPr lIns="91425" tIns="45700" rIns="91425" bIns="45700" anchor="t" anchorCtr="0">
-            <a:noAutofit/>
-          </a:bodyPr>
-          <a:lstStyle/>
-          <a:p>
-            <a:pPr marL="0" marR="0" lvl="0" indent="0" algn="l" rtl="0">
-              <a:spcBef>
-                <a:spcPts val="0"/>
-              </a:spcBef>
-              <a:buNone/>
-            </a:pPr>
-            <a:endParaRPr sz="1800">
-              <a:solidFill>
-                <a:schemeClr val="dk1"/>
-              </a:solidFill>
-              <a:latin typeface="Gill Sans MT"/>
-              <a:ea typeface="Gill Sans MT"/>
-              <a:cs typeface="Gill Sans MT"/>
-              <a:sym typeface="Gill Sans MT"/>
-            </a:endParaRPr>
-          </a:p>
-        </p:txBody>
-      </p:sp>
-      <p:sp>
-        <p:nvSpPr>
-          <p:cNvPr id="222" name="Shape 222" descr="http://upload.wikimedia.org/wikipedia/commons/c/c4/2-Dice-Icon.svg"/>
-          <p:cNvSpPr/>
-          <p:nvPr/>
-        </p:nvSpPr>
-        <p:spPr>
-          <a:xfrm>
-            <a:off x="307975" y="7937"/>
-            <a:ext cx="304799" cy="304801"/>
-          </a:xfrm>
-          <a:prstGeom prst="rect">
-            <a:avLst/>
-          </a:prstGeom>
-          <a:noFill/>
-          <a:ln>
-            <a:noFill/>
-          </a:ln>
-        </p:spPr>
-        <p:txBody>
-          <a:bodyPr lIns="91425" tIns="45700" rIns="91425" bIns="45700" anchor="t" anchorCtr="0">
-            <a:noAutofit/>
-          </a:bodyPr>
-          <a:lstStyle/>
-          <a:p>
-            <a:pPr marL="0" marR="0" lvl="0" indent="0" algn="l" rtl="0">
-              <a:spcBef>
-                <a:spcPts val="0"/>
-              </a:spcBef>
-              <a:buNone/>
-            </a:pPr>
-            <a:endParaRPr sz="1800">
-              <a:solidFill>
-                <a:schemeClr val="dk1"/>
-              </a:solidFill>
-              <a:latin typeface="Gill Sans MT"/>
-              <a:ea typeface="Gill Sans MT"/>
-              <a:cs typeface="Gill Sans MT"/>
-              <a:sym typeface="Gill Sans MT"/>
-            </a:endParaRPr>
-          </a:p>
-        </p:txBody>
-      </p:sp>
-      <p:sp>
-        <p:nvSpPr>
-          <p:cNvPr id="223" name="Shape 223" descr="http://upload.wikimedia.org/wikipedia/commons/c/c4/2-Dice-Icon.svg"/>
-          <p:cNvSpPr/>
-          <p:nvPr/>
-        </p:nvSpPr>
-        <p:spPr>
-          <a:xfrm>
-            <a:off x="460375" y="160336"/>
-            <a:ext cx="304799" cy="304801"/>
-          </a:xfrm>
-          <a:prstGeom prst="rect">
-            <a:avLst/>
-          </a:prstGeom>
-          <a:noFill/>
-          <a:ln>
-            <a:noFill/>
-          </a:ln>
-        </p:spPr>
-        <p:txBody>
-          <a:bodyPr lIns="91425" tIns="45700" rIns="91425" bIns="45700" anchor="t" anchorCtr="0">
-            <a:noAutofit/>
-          </a:bodyPr>
-          <a:lstStyle/>
-          <a:p>
-            <a:pPr marL="0" marR="0" lvl="0" indent="0" algn="l" rtl="0">
-              <a:spcBef>
-                <a:spcPts val="0"/>
-              </a:spcBef>
-              <a:buNone/>
-            </a:pPr>
-            <a:endParaRPr sz="1800">
-              <a:solidFill>
-                <a:schemeClr val="dk1"/>
-              </a:solidFill>
-              <a:latin typeface="Gill Sans MT"/>
-              <a:ea typeface="Gill Sans MT"/>
-              <a:cs typeface="Gill Sans MT"/>
-              <a:sym typeface="Gill Sans MT"/>
-            </a:endParaRPr>
-          </a:p>
-        </p:txBody>
-      </p:sp>
-      <p:sp>
-        <p:nvSpPr>
-          <p:cNvPr id="224" name="Shape 224"/>
-          <p:cNvSpPr txBox="1"/>
-          <p:nvPr/>
-        </p:nvSpPr>
-        <p:spPr>
-          <a:xfrm>
-            <a:off x="460375" y="188900"/>
-            <a:ext cx="8041800" cy="1323300"/>
-          </a:xfrm>
-          <a:prstGeom prst="rect">
-            <a:avLst/>
-          </a:prstGeom>
-          <a:noFill/>
-          <a:ln>
-            <a:noFill/>
-          </a:ln>
-        </p:spPr>
-        <p:txBody>
-          <a:bodyPr lIns="91425" tIns="45700" rIns="91425" bIns="45700" anchor="t" anchorCtr="0">
-            <a:noAutofit/>
-          </a:bodyPr>
-          <a:lstStyle/>
-          <a:p>
-            <a:pPr marL="0" marR="0" lvl="0" indent="0" algn="l" rtl="0">
-              <a:spcBef>
-                <a:spcPts val="0"/>
-              </a:spcBef>
-              <a:buSzPct val="25000"/>
-              <a:buNone/>
-            </a:pPr>
-            <a:r>
-              <a:rPr lang="en-US" sz="4000">
-                <a:solidFill>
-                  <a:srgbClr val="FFFF66"/>
-                </a:solidFill>
-                <a:latin typeface="Gill Sans MT"/>
-                <a:ea typeface="Gill Sans MT"/>
-                <a:cs typeface="Gill Sans MT"/>
-                <a:sym typeface="Gill Sans MT"/>
-              </a:rPr>
-              <a:t>What if the data isn’t so clearly linear?</a:t>
-            </a:r>
-          </a:p>
-        </p:txBody>
-      </p:sp>
-      <p:sp>
-        <p:nvSpPr>
-          <p:cNvPr id="225" name="Shape 225"/>
-          <p:cNvSpPr txBox="1"/>
-          <p:nvPr/>
-        </p:nvSpPr>
-        <p:spPr>
-          <a:xfrm>
-            <a:off x="447200" y="1512200"/>
-            <a:ext cx="8041800" cy="1446600"/>
-          </a:xfrm>
-          <a:prstGeom prst="rect">
-            <a:avLst/>
-          </a:prstGeom>
-          <a:noFill/>
-          <a:ln>
-            <a:noFill/>
-          </a:ln>
-        </p:spPr>
-        <p:txBody>
-          <a:bodyPr lIns="91425" tIns="45700" rIns="91425" bIns="45700" anchor="t" anchorCtr="0">
-            <a:noAutofit/>
-          </a:bodyPr>
-          <a:lstStyle/>
-          <a:p>
-            <a:pPr marL="0" marR="0" lvl="0" indent="0" algn="l" rtl="0">
-              <a:spcBef>
-                <a:spcPts val="0"/>
-              </a:spcBef>
-              <a:buSzPct val="25000"/>
-              <a:buNone/>
-            </a:pPr>
-            <a:r>
-              <a:rPr lang="en-US" sz="4400">
-                <a:solidFill>
-                  <a:srgbClr val="FFFF66"/>
-                </a:solidFill>
-                <a:latin typeface="Gill Sans MT"/>
-                <a:ea typeface="Gill Sans MT"/>
-                <a:cs typeface="Gill Sans MT"/>
-                <a:sym typeface="Gill Sans MT"/>
-              </a:rPr>
-              <a:t>How do we draw our regression line?</a:t>
-            </a:r>
-          </a:p>
-        </p:txBody>
-      </p:sp>
-      <p:pic>
-        <p:nvPicPr>
-          <p:cNvPr id="226" name="Shape 226"/>
-          <p:cNvPicPr preferRelativeResize="0"/>
-          <p:nvPr/>
-        </p:nvPicPr>
-        <p:blipFill>
-          <a:blip r:embed="rId3">
-            <a:alphaModFix/>
-          </a:blip>
-          <a:stretch>
-            <a:fillRect/>
-          </a:stretch>
-        </p:blipFill>
-        <p:spPr>
-          <a:xfrm>
-            <a:off x="3128199" y="2776800"/>
-            <a:ext cx="5491150" cy="3793900"/>
-          </a:xfrm>
-          <a:prstGeom prst="rect">
-            <a:avLst/>
-          </a:prstGeom>
-          <a:noFill/>
-          <a:ln>
-            <a:noFill/>
-          </a:ln>
-        </p:spPr>
-      </p:pic>
-    </p:spTree>
-  </p:cSld>
-  <p:clrMapOvr>
-    <a:masterClrMapping/>
-  </p:clrMapOvr>
-  <p:timing>
-    <p:tnLst>
-      <p:par>
-        <p:cTn id="1" dur="indefinite" restart="never" nodeType="tmRoot"/>
-      </p:par>
-    </p:tnLst>
-  </p:timing>
-</p:sld>
-</file>
-
-<file path=ppt/slides/slide12.xml><?xml version="1.0" encoding="utf-8"?>
-<p:sld xmlns:a="http://schemas.openxmlformats.org/drawingml/2006/main" xmlns:r="http://schemas.openxmlformats.org/officeDocument/2006/relationships" xmlns:p="http://schemas.openxmlformats.org/presentationml/2006/main">
-  <p:cSld>
-    <p:spTree>
-      <p:nvGrpSpPr>
         <p:cNvPr id="1" name="Shape 231"/>
         <p:cNvGrpSpPr/>
         <p:nvPr/>
@@ -18316,415 +16703,7 @@
 </p:sld>
 </file>
 
-<file path=ppt/slides/slide13.xml><?xml version="1.0" encoding="utf-8"?>
-<p:sld xmlns:a="http://schemas.openxmlformats.org/drawingml/2006/main" xmlns:r="http://schemas.openxmlformats.org/officeDocument/2006/relationships" xmlns:p="http://schemas.openxmlformats.org/presentationml/2006/main">
-  <p:cSld>
-    <p:spTree>
-      <p:nvGrpSpPr>
-        <p:cNvPr id="1" name="Shape 249"/>
-        <p:cNvGrpSpPr/>
-        <p:nvPr/>
-      </p:nvGrpSpPr>
-      <p:grpSpPr>
-        <a:xfrm>
-          <a:off x="0" y="0"/>
-          <a:ext cx="0" cy="0"/>
-          <a:chOff x="0" y="0"/>
-          <a:chExt cx="0" cy="0"/>
-        </a:xfrm>
-      </p:grpSpPr>
-      <p:sp>
-        <p:nvSpPr>
-          <p:cNvPr id="250" name="Shape 250" descr="http://upload.wikimedia.org/wikipedia/commons/c/c4/2-Dice-Icon.svg"/>
-          <p:cNvSpPr/>
-          <p:nvPr/>
-        </p:nvSpPr>
-        <p:spPr>
-          <a:xfrm>
-            <a:off x="155575" y="-144463"/>
-            <a:ext cx="304799" cy="304801"/>
-          </a:xfrm>
-          <a:prstGeom prst="rect">
-            <a:avLst/>
-          </a:prstGeom>
-          <a:noFill/>
-          <a:ln>
-            <a:noFill/>
-          </a:ln>
-        </p:spPr>
-        <p:txBody>
-          <a:bodyPr lIns="91425" tIns="45700" rIns="91425" bIns="45700" anchor="t" anchorCtr="0">
-            <a:noAutofit/>
-          </a:bodyPr>
-          <a:lstStyle/>
-          <a:p>
-            <a:pPr marL="0" marR="0" lvl="0" indent="0" algn="l" rtl="0">
-              <a:spcBef>
-                <a:spcPts val="0"/>
-              </a:spcBef>
-              <a:buNone/>
-            </a:pPr>
-            <a:endParaRPr sz="1800">
-              <a:solidFill>
-                <a:schemeClr val="dk1"/>
-              </a:solidFill>
-              <a:latin typeface="Gill Sans MT"/>
-              <a:ea typeface="Gill Sans MT"/>
-              <a:cs typeface="Gill Sans MT"/>
-              <a:sym typeface="Gill Sans MT"/>
-            </a:endParaRPr>
-          </a:p>
-        </p:txBody>
-      </p:sp>
-      <p:sp>
-        <p:nvSpPr>
-          <p:cNvPr id="251" name="Shape 251" descr="http://upload.wikimedia.org/wikipedia/commons/c/c4/2-Dice-Icon.svg"/>
-          <p:cNvSpPr/>
-          <p:nvPr/>
-        </p:nvSpPr>
-        <p:spPr>
-          <a:xfrm>
-            <a:off x="307975" y="7937"/>
-            <a:ext cx="304799" cy="304801"/>
-          </a:xfrm>
-          <a:prstGeom prst="rect">
-            <a:avLst/>
-          </a:prstGeom>
-          <a:noFill/>
-          <a:ln>
-            <a:noFill/>
-          </a:ln>
-        </p:spPr>
-        <p:txBody>
-          <a:bodyPr lIns="91425" tIns="45700" rIns="91425" bIns="45700" anchor="t" anchorCtr="0">
-            <a:noAutofit/>
-          </a:bodyPr>
-          <a:lstStyle/>
-          <a:p>
-            <a:pPr marL="0" marR="0" lvl="0" indent="0" algn="l" rtl="0">
-              <a:spcBef>
-                <a:spcPts val="0"/>
-              </a:spcBef>
-              <a:buNone/>
-            </a:pPr>
-            <a:endParaRPr sz="1800">
-              <a:solidFill>
-                <a:schemeClr val="dk1"/>
-              </a:solidFill>
-              <a:latin typeface="Gill Sans MT"/>
-              <a:ea typeface="Gill Sans MT"/>
-              <a:cs typeface="Gill Sans MT"/>
-              <a:sym typeface="Gill Sans MT"/>
-            </a:endParaRPr>
-          </a:p>
-        </p:txBody>
-      </p:sp>
-      <p:sp>
-        <p:nvSpPr>
-          <p:cNvPr id="252" name="Shape 252" descr="http://upload.wikimedia.org/wikipedia/commons/c/c4/2-Dice-Icon.svg"/>
-          <p:cNvSpPr/>
-          <p:nvPr/>
-        </p:nvSpPr>
-        <p:spPr>
-          <a:xfrm>
-            <a:off x="193675" y="160335"/>
-            <a:ext cx="8302624" cy="601662"/>
-          </a:xfrm>
-          <a:prstGeom prst="rect">
-            <a:avLst/>
-          </a:prstGeom>
-          <a:noFill/>
-          <a:ln>
-            <a:noFill/>
-          </a:ln>
-        </p:spPr>
-        <p:txBody>
-          <a:bodyPr lIns="91425" tIns="45700" rIns="91425" bIns="45700" anchor="t" anchorCtr="0">
-            <a:noAutofit/>
-          </a:bodyPr>
-          <a:lstStyle/>
-          <a:p>
-            <a:pPr marL="0" marR="0" lvl="0" indent="0" algn="l" rtl="0">
-              <a:spcBef>
-                <a:spcPts val="0"/>
-              </a:spcBef>
-              <a:buSzPct val="25000"/>
-              <a:buNone/>
-            </a:pPr>
-            <a:r>
-              <a:rPr lang="en-US" sz="3200">
-                <a:solidFill>
-                  <a:srgbClr val="FFFF66"/>
-                </a:solidFill>
-                <a:latin typeface="Gill Sans MT"/>
-                <a:ea typeface="Gill Sans MT"/>
-                <a:cs typeface="Gill Sans MT"/>
-                <a:sym typeface="Gill Sans MT"/>
-              </a:rPr>
-              <a:t>The “best fit” regression line:</a:t>
-            </a:r>
-          </a:p>
-          <a:p>
-            <a:pPr marL="457200" marR="0" lvl="0" indent="0" algn="l" rtl="0">
-              <a:spcBef>
-                <a:spcPts val="0"/>
-              </a:spcBef>
-              <a:buSzPct val="25000"/>
-              <a:buNone/>
-            </a:pPr>
-            <a:r>
-              <a:rPr lang="en-US" sz="2800">
-                <a:solidFill>
-                  <a:srgbClr val="FFFF66"/>
-                </a:solidFill>
-                <a:latin typeface="Gill Sans MT"/>
-                <a:ea typeface="Gill Sans MT"/>
-                <a:cs typeface="Gill Sans MT"/>
-                <a:sym typeface="Gill Sans MT"/>
-              </a:rPr>
-              <a:t>Draw a line that </a:t>
-            </a:r>
-            <a:r>
-              <a:rPr lang="en-US" sz="2800">
-                <a:solidFill>
-                  <a:srgbClr val="FF0000"/>
-                </a:solidFill>
-                <a:latin typeface="Gill Sans MT"/>
-                <a:ea typeface="Gill Sans MT"/>
-                <a:cs typeface="Gill Sans MT"/>
-                <a:sym typeface="Gill Sans MT"/>
-              </a:rPr>
-              <a:t>minimizes the distances </a:t>
-            </a:r>
-            <a:r>
-              <a:rPr lang="en-US" sz="2800">
-                <a:solidFill>
-                  <a:srgbClr val="FFFF66"/>
-                </a:solidFill>
-                <a:latin typeface="Gill Sans MT"/>
-                <a:ea typeface="Gill Sans MT"/>
-                <a:cs typeface="Gill Sans MT"/>
-                <a:sym typeface="Gill Sans MT"/>
-              </a:rPr>
-              <a:t>from points to the line </a:t>
-            </a:r>
-          </a:p>
-        </p:txBody>
-      </p:sp>
-      <p:pic>
-        <p:nvPicPr>
-          <p:cNvPr id="253" name="Shape 253" descr="commute3"/>
-          <p:cNvPicPr preferRelativeResize="0"/>
-          <p:nvPr/>
-        </p:nvPicPr>
-        <p:blipFill rotWithShape="1">
-          <a:blip r:embed="rId3">
-            <a:alphaModFix/>
-          </a:blip>
-          <a:srcRect/>
-          <a:stretch/>
-        </p:blipFill>
-        <p:spPr>
-          <a:xfrm>
-            <a:off x="346075" y="2520680"/>
-            <a:ext cx="3998911" cy="3918219"/>
-          </a:xfrm>
-          <a:prstGeom prst="rect">
-            <a:avLst/>
-          </a:prstGeom>
-          <a:noFill/>
-          <a:ln>
-            <a:noFill/>
-          </a:ln>
-        </p:spPr>
-      </p:pic>
-      <p:sp>
-        <p:nvSpPr>
-          <p:cNvPr id="254" name="Shape 254"/>
-          <p:cNvSpPr/>
-          <p:nvPr/>
-        </p:nvSpPr>
-        <p:spPr>
-          <a:xfrm>
-            <a:off x="3048000" y="3552825"/>
-            <a:ext cx="342899" cy="249237"/>
-          </a:xfrm>
-          <a:prstGeom prst="ellipse">
-            <a:avLst/>
-          </a:prstGeom>
-          <a:noFill/>
-          <a:ln w="28575" cap="flat" cmpd="sng">
-            <a:solidFill>
-              <a:srgbClr val="009900"/>
-            </a:solidFill>
-            <a:prstDash val="solid"/>
-            <a:miter/>
-            <a:headEnd type="none" w="med" len="med"/>
-            <a:tailEnd type="none" w="med" len="med"/>
-          </a:ln>
-        </p:spPr>
-        <p:txBody>
-          <a:bodyPr lIns="91425" tIns="45700" rIns="91425" bIns="45700" anchor="ctr" anchorCtr="0">
-            <a:noAutofit/>
-          </a:bodyPr>
-          <a:lstStyle/>
-          <a:p>
-            <a:pPr marL="0" marR="0" lvl="0" indent="0" algn="l" rtl="0">
-              <a:spcBef>
-                <a:spcPts val="0"/>
-              </a:spcBef>
-              <a:buNone/>
-            </a:pPr>
-            <a:endParaRPr sz="1800">
-              <a:solidFill>
-                <a:schemeClr val="dk1"/>
-              </a:solidFill>
-              <a:latin typeface="Arial"/>
-              <a:ea typeface="Arial"/>
-              <a:cs typeface="Arial"/>
-              <a:sym typeface="Arial"/>
-            </a:endParaRPr>
-          </a:p>
-        </p:txBody>
-      </p:sp>
-      <p:sp>
-        <p:nvSpPr>
-          <p:cNvPr id="255" name="Shape 255"/>
-          <p:cNvSpPr/>
-          <p:nvPr/>
-        </p:nvSpPr>
-        <p:spPr>
-          <a:xfrm>
-            <a:off x="3460750" y="3552825"/>
-            <a:ext cx="425448" cy="254000"/>
-          </a:xfrm>
-          <a:prstGeom prst="ellipse">
-            <a:avLst/>
-          </a:prstGeom>
-          <a:noFill/>
-          <a:ln w="28575" cap="flat" cmpd="sng">
-            <a:solidFill>
-              <a:srgbClr val="D60093"/>
-            </a:solidFill>
-            <a:prstDash val="solid"/>
-            <a:miter/>
-            <a:headEnd type="none" w="med" len="med"/>
-            <a:tailEnd type="none" w="med" len="med"/>
-          </a:ln>
-        </p:spPr>
-        <p:txBody>
-          <a:bodyPr lIns="91425" tIns="45700" rIns="91425" bIns="45700" anchor="ctr" anchorCtr="0">
-            <a:noAutofit/>
-          </a:bodyPr>
-          <a:lstStyle/>
-          <a:p>
-            <a:pPr marL="0" marR="0" lvl="0" indent="0" algn="l" rtl="0">
-              <a:spcBef>
-                <a:spcPts val="0"/>
-              </a:spcBef>
-              <a:buNone/>
-            </a:pPr>
-            <a:endParaRPr sz="1800">
-              <a:solidFill>
-                <a:schemeClr val="dk1"/>
-              </a:solidFill>
-              <a:latin typeface="Arial"/>
-              <a:ea typeface="Arial"/>
-              <a:cs typeface="Arial"/>
-              <a:sym typeface="Arial"/>
-            </a:endParaRPr>
-          </a:p>
-        </p:txBody>
-      </p:sp>
-      <p:cxnSp>
-        <p:nvCxnSpPr>
-          <p:cNvPr id="256" name="Shape 256"/>
-          <p:cNvCxnSpPr/>
-          <p:nvPr/>
-        </p:nvCxnSpPr>
-        <p:spPr>
-          <a:xfrm rot="10800000">
-            <a:off x="2971800" y="4343400"/>
-            <a:ext cx="1981199" cy="76199"/>
-          </a:xfrm>
-          <a:prstGeom prst="straightConnector1">
-            <a:avLst/>
-          </a:prstGeom>
-          <a:noFill/>
-          <a:ln w="38100" cap="flat" cmpd="sng">
-            <a:solidFill>
-              <a:srgbClr val="FF0000"/>
-            </a:solidFill>
-            <a:prstDash val="solid"/>
-            <a:round/>
-            <a:headEnd type="none" w="med" len="med"/>
-            <a:tailEnd type="stealth" w="lg" len="lg"/>
-          </a:ln>
-        </p:spPr>
-      </p:cxnSp>
-      <p:sp>
-        <p:nvSpPr>
-          <p:cNvPr id="257" name="Shape 257"/>
-          <p:cNvSpPr txBox="1"/>
-          <p:nvPr/>
-        </p:nvSpPr>
-        <p:spPr>
-          <a:xfrm>
-            <a:off x="4953000" y="3505200"/>
-            <a:ext cx="3520494" cy="2677656"/>
-          </a:xfrm>
-          <a:prstGeom prst="rect">
-            <a:avLst/>
-          </a:prstGeom>
-          <a:noFill/>
-          <a:ln>
-            <a:noFill/>
-          </a:ln>
-        </p:spPr>
-        <p:txBody>
-          <a:bodyPr lIns="91425" tIns="45700" rIns="91425" bIns="45700" anchor="t" anchorCtr="0">
-            <a:noAutofit/>
-          </a:bodyPr>
-          <a:lstStyle/>
-          <a:p>
-            <a:pPr marL="0" marR="0" lvl="0" indent="0" algn="l" rtl="0">
-              <a:spcBef>
-                <a:spcPts val="0"/>
-              </a:spcBef>
-              <a:buSzPct val="25000"/>
-              <a:buNone/>
-            </a:pPr>
-            <a:r>
-              <a:rPr lang="en-US" sz="2800">
-                <a:solidFill>
-                  <a:srgbClr val="FFFF66"/>
-                </a:solidFill>
-                <a:latin typeface="Gill Sans MT"/>
-                <a:ea typeface="Gill Sans MT"/>
-                <a:cs typeface="Gill Sans MT"/>
-                <a:sym typeface="Gill Sans MT"/>
-              </a:rPr>
-              <a:t>To determine this line, the residuals are squared and then summed. The line with the smallest total is the one you use.</a:t>
-            </a:r>
-          </a:p>
-        </p:txBody>
-      </p:sp>
-    </p:spTree>
-  </p:cSld>
-  <p:clrMapOvr>
-    <a:masterClrMapping/>
-  </p:clrMapOvr>
-  <p:timing>
-    <p:tnLst>
-      <p:par>
-        <p:cTn id="1" dur="indefinite" restart="never" nodeType="tmRoot"/>
-      </p:par>
-    </p:tnLst>
-  </p:timing>
-</p:sld>
-</file>
-
-<file path=ppt/slides/slide14.xml><?xml version="1.0" encoding="utf-8"?>
+<file path=ppt/slides/slide11.xml><?xml version="1.0" encoding="utf-8"?>
 <p:sld xmlns:a="http://schemas.openxmlformats.org/drawingml/2006/main" xmlns:r="http://schemas.openxmlformats.org/officeDocument/2006/relationships" xmlns:p="http://schemas.openxmlformats.org/presentationml/2006/main">
   <p:cSld>
     <p:spTree>
@@ -19672,7 +17651,7 @@
 </p:sld>
 </file>
 
-<file path=ppt/slides/slide15.xml><?xml version="1.0" encoding="utf-8"?>
+<file path=ppt/slides/slide12.xml><?xml version="1.0" encoding="utf-8"?>
 <p:sld xmlns:a="http://schemas.openxmlformats.org/drawingml/2006/main" xmlns:r="http://schemas.openxmlformats.org/officeDocument/2006/relationships" xmlns:p="http://schemas.openxmlformats.org/presentationml/2006/main">
   <p:cSld>
     <p:spTree>
@@ -21071,7 +19050,7 @@
 </p:sld>
 </file>
 
-<file path=ppt/slides/slide16.xml><?xml version="1.0" encoding="utf-8"?>
+<file path=ppt/slides/slide13.xml><?xml version="1.0" encoding="utf-8"?>
 <p:sld xmlns:a="http://schemas.openxmlformats.org/drawingml/2006/main" xmlns:r="http://schemas.openxmlformats.org/officeDocument/2006/relationships" xmlns:p="http://schemas.openxmlformats.org/presentationml/2006/main">
   <p:cSld>
     <p:spTree>
@@ -22470,7 +20449,7 @@
 </p:sld>
 </file>
 
-<file path=ppt/slides/slide17.xml><?xml version="1.0" encoding="utf-8"?>
+<file path=ppt/slides/slide14.xml><?xml version="1.0" encoding="utf-8"?>
 <p:sld xmlns:a="http://schemas.openxmlformats.org/drawingml/2006/main" xmlns:r="http://schemas.openxmlformats.org/officeDocument/2006/relationships" xmlns:p="http://schemas.openxmlformats.org/presentationml/2006/main">
   <p:cSld>
     <p:spTree>
@@ -23811,7 +21790,7 @@
 </p:sld>
 </file>
 
-<file path=ppt/slides/slide18.xml><?xml version="1.0" encoding="utf-8"?>
+<file path=ppt/slides/slide15.xml><?xml version="1.0" encoding="utf-8"?>
 <p:sld xmlns:a="http://schemas.openxmlformats.org/drawingml/2006/main" xmlns:r="http://schemas.openxmlformats.org/officeDocument/2006/relationships" xmlns:p="http://schemas.openxmlformats.org/presentationml/2006/main">
   <p:cSld>
     <p:spTree>
@@ -25251,7 +23230,7 @@
 </p:sld>
 </file>
 
-<file path=ppt/slides/slide19.xml><?xml version="1.0" encoding="utf-8"?>
+<file path=ppt/slides/slide16.xml><?xml version="1.0" encoding="utf-8"?>
 <p:sld xmlns:a="http://schemas.openxmlformats.org/drawingml/2006/main" xmlns:r="http://schemas.openxmlformats.org/officeDocument/2006/relationships" xmlns:p="http://schemas.openxmlformats.org/presentationml/2006/main">
   <p:cSld>
     <p:spTree>
@@ -26792,462 +24771,7 @@
 </p:sld>
 </file>
 
-<file path=ppt/slides/slide2.xml><?xml version="1.0" encoding="utf-8"?>
-<p:sld xmlns:a="http://schemas.openxmlformats.org/drawingml/2006/main" xmlns:r="http://schemas.openxmlformats.org/officeDocument/2006/relationships" xmlns:p="http://schemas.openxmlformats.org/presentationml/2006/main">
-  <p:cSld>
-    <p:spTree>
-      <p:nvGrpSpPr>
-        <p:cNvPr id="1" name="Shape 109"/>
-        <p:cNvGrpSpPr/>
-        <p:nvPr/>
-      </p:nvGrpSpPr>
-      <p:grpSpPr>
-        <a:xfrm>
-          <a:off x="0" y="0"/>
-          <a:ext cx="0" cy="0"/>
-          <a:chOff x="0" y="0"/>
-          <a:chExt cx="0" cy="0"/>
-        </a:xfrm>
-      </p:grpSpPr>
-      <p:sp>
-        <p:nvSpPr>
-          <p:cNvPr id="10" name="Shape 126"/>
-          <p:cNvSpPr txBox="1"/>
-          <p:nvPr/>
-        </p:nvSpPr>
-        <p:spPr>
-          <a:xfrm>
-            <a:off x="136120" y="201649"/>
-            <a:ext cx="8677140" cy="707886"/>
-          </a:xfrm>
-          <a:prstGeom prst="rect">
-            <a:avLst/>
-          </a:prstGeom>
-          <a:noFill/>
-          <a:ln>
-            <a:noFill/>
-          </a:ln>
-        </p:spPr>
-        <p:txBody>
-          <a:bodyPr lIns="91425" tIns="45700" rIns="91425" bIns="45700" anchor="t" anchorCtr="0">
-            <a:noAutofit/>
-          </a:bodyPr>
-          <a:lstStyle/>
-          <a:p>
-            <a:pPr marL="0" marR="0" lvl="0" indent="0" algn="l" rtl="0">
-              <a:spcBef>
-                <a:spcPts val="0"/>
-              </a:spcBef>
-              <a:buSzPct val="25000"/>
-              <a:buNone/>
-            </a:pPr>
-            <a:r>
-              <a:rPr lang="en-US" sz="4000" b="1" i="1" dirty="0" smtClean="0">
-                <a:solidFill>
-                  <a:srgbClr val="FFFF66"/>
-                </a:solidFill>
-                <a:latin typeface="Gill Sans MT"/>
-                <a:ea typeface="Gill Sans MT"/>
-                <a:cs typeface="Gill Sans MT"/>
-                <a:sym typeface="Gill Sans MT"/>
-              </a:rPr>
-              <a:t>Your final project </a:t>
-            </a:r>
-            <a:r>
-              <a:rPr lang="en-US" sz="4000" b="1" i="1" dirty="0" smtClean="0">
-                <a:solidFill>
-                  <a:srgbClr val="FFFF66"/>
-                </a:solidFill>
-                <a:latin typeface="Gill Sans MT"/>
-                <a:ea typeface="Gill Sans MT"/>
-                <a:cs typeface="Gill Sans MT"/>
-                <a:sym typeface="Gill Sans MT"/>
-              </a:rPr>
-              <a:t>format?</a:t>
-            </a:r>
-            <a:endParaRPr lang="en-US" sz="4000" b="1" i="1" dirty="0" smtClean="0">
-              <a:solidFill>
-                <a:srgbClr val="FFFF66"/>
-              </a:solidFill>
-              <a:latin typeface="Gill Sans MT"/>
-              <a:ea typeface="Gill Sans MT"/>
-              <a:cs typeface="Gill Sans MT"/>
-              <a:sym typeface="Gill Sans MT"/>
-            </a:endParaRPr>
-          </a:p>
-          <a:p>
-            <a:pPr marL="0" marR="0" lvl="0" indent="0" algn="l" rtl="0">
-              <a:spcBef>
-                <a:spcPts val="0"/>
-              </a:spcBef>
-              <a:buSzPct val="25000"/>
-              <a:buNone/>
-            </a:pPr>
-            <a:endParaRPr lang="en-US" sz="4000" b="1" i="1" dirty="0" smtClean="0">
-              <a:solidFill>
-                <a:srgbClr val="FFFF66"/>
-              </a:solidFill>
-              <a:latin typeface="Gill Sans MT"/>
-              <a:ea typeface="Gill Sans MT"/>
-              <a:cs typeface="Gill Sans MT"/>
-              <a:sym typeface="Gill Sans MT"/>
-            </a:endParaRPr>
-          </a:p>
-          <a:p>
-            <a:pPr marL="0" marR="0" lvl="0" indent="0" algn="l" rtl="0">
-              <a:spcBef>
-                <a:spcPts val="0"/>
-              </a:spcBef>
-              <a:buSzPct val="25000"/>
-              <a:buNone/>
-            </a:pPr>
-            <a:r>
-              <a:rPr lang="en-US" sz="2400" b="1" i="1" dirty="0" smtClean="0">
-                <a:solidFill>
-                  <a:srgbClr val="FFFF66"/>
-                </a:solidFill>
-                <a:latin typeface="Gill Sans MT"/>
-                <a:ea typeface="Gill Sans MT"/>
-                <a:cs typeface="Gill Sans MT"/>
-                <a:sym typeface="Gill Sans MT"/>
-              </a:rPr>
-              <a:t>Research questions:</a:t>
-            </a:r>
-          </a:p>
-          <a:p>
-            <a:pPr marL="0" marR="0" lvl="0" indent="0" algn="l" rtl="0">
-              <a:spcBef>
-                <a:spcPts val="0"/>
-              </a:spcBef>
-              <a:buSzPct val="25000"/>
-              <a:buNone/>
-            </a:pPr>
-            <a:r>
-              <a:rPr lang="en-US" sz="2400" dirty="0" smtClean="0">
-                <a:solidFill>
-                  <a:srgbClr val="FFFF66"/>
-                </a:solidFill>
-                <a:latin typeface="Gill Sans MT"/>
-                <a:ea typeface="Gill Sans MT"/>
-                <a:cs typeface="Gill Sans MT"/>
-                <a:sym typeface="Gill Sans MT"/>
-              </a:rPr>
-              <a:t>	What is the evidence of gerrymandering (packing/cracking) in 	each year? How </a:t>
-            </a:r>
-            <a:r>
-              <a:rPr lang="en-US" sz="2400" dirty="0" smtClean="0">
-                <a:solidFill>
-                  <a:srgbClr val="FFFF66"/>
-                </a:solidFill>
-                <a:latin typeface="Gill Sans MT"/>
-                <a:ea typeface="Gill Sans MT"/>
-                <a:cs typeface="Gill Sans MT"/>
-                <a:sym typeface="Gill Sans MT"/>
-              </a:rPr>
-              <a:t>is it different across </a:t>
-            </a:r>
-            <a:r>
-              <a:rPr lang="en-US" sz="2400" dirty="0" smtClean="0">
-                <a:solidFill>
-                  <a:srgbClr val="FFFF66"/>
-                </a:solidFill>
-                <a:latin typeface="Gill Sans MT"/>
-                <a:ea typeface="Gill Sans MT"/>
-                <a:cs typeface="Gill Sans MT"/>
-                <a:sym typeface="Gill Sans MT"/>
-              </a:rPr>
-              <a:t>years</a:t>
-            </a:r>
-            <a:r>
-              <a:rPr lang="en-US" sz="2400" dirty="0" smtClean="0">
-                <a:solidFill>
-                  <a:srgbClr val="FFFF66"/>
-                </a:solidFill>
-                <a:latin typeface="Gill Sans MT"/>
-                <a:ea typeface="Gill Sans MT"/>
-                <a:cs typeface="Gill Sans MT"/>
-                <a:sym typeface="Gill Sans MT"/>
-              </a:rPr>
-              <a:t>?</a:t>
-            </a:r>
-            <a:endParaRPr lang="en-US" sz="2400" b="1" i="1" dirty="0" smtClean="0">
-              <a:solidFill>
-                <a:srgbClr val="FFFF66"/>
-              </a:solidFill>
-              <a:latin typeface="Gill Sans MT"/>
-              <a:ea typeface="Gill Sans MT"/>
-              <a:cs typeface="Gill Sans MT"/>
-              <a:sym typeface="Gill Sans MT"/>
-            </a:endParaRPr>
-          </a:p>
-          <a:p>
-            <a:pPr marL="0" marR="0" lvl="0" indent="0" algn="l" rtl="0">
-              <a:spcBef>
-                <a:spcPts val="0"/>
-              </a:spcBef>
-              <a:buSzPct val="25000"/>
-              <a:buNone/>
-            </a:pPr>
-            <a:r>
-              <a:rPr lang="en-US" sz="2400" b="1" i="1" dirty="0" smtClean="0">
-                <a:solidFill>
-                  <a:srgbClr val="FFFF66"/>
-                </a:solidFill>
-                <a:latin typeface="Gill Sans MT"/>
-                <a:ea typeface="Gill Sans MT"/>
-                <a:cs typeface="Gill Sans MT"/>
-                <a:sym typeface="Gill Sans MT"/>
-              </a:rPr>
-              <a:t>Variables:</a:t>
-            </a:r>
-            <a:r>
-              <a:rPr lang="en-US" sz="2400" dirty="0" smtClean="0">
-                <a:solidFill>
-                  <a:srgbClr val="FFFF66"/>
-                </a:solidFill>
-                <a:latin typeface="Gill Sans MT"/>
-                <a:ea typeface="Gill Sans MT"/>
-                <a:cs typeface="Gill Sans MT"/>
-                <a:sym typeface="Gill Sans MT"/>
-              </a:rPr>
-              <a:t> </a:t>
-            </a:r>
-          </a:p>
-          <a:p>
-            <a:pPr marL="0" marR="0" lvl="0" indent="0" algn="l" rtl="0">
-              <a:spcBef>
-                <a:spcPts val="0"/>
-              </a:spcBef>
-              <a:buSzPct val="25000"/>
-              <a:buNone/>
-            </a:pPr>
-            <a:r>
-              <a:rPr lang="en-US" sz="2400" dirty="0">
-                <a:solidFill>
-                  <a:srgbClr val="FFFF66"/>
-                </a:solidFill>
-                <a:latin typeface="Gill Sans MT"/>
-                <a:ea typeface="Gill Sans MT"/>
-                <a:cs typeface="Gill Sans MT"/>
-                <a:sym typeface="Gill Sans MT"/>
-              </a:rPr>
-              <a:t>	</a:t>
-            </a:r>
-            <a:r>
-              <a:rPr lang="en-US" sz="2400" dirty="0" smtClean="0">
-                <a:solidFill>
-                  <a:srgbClr val="FFFF66"/>
-                </a:solidFill>
-                <a:latin typeface="Gill Sans MT"/>
-                <a:ea typeface="Gill Sans MT"/>
-                <a:cs typeface="Gill Sans MT"/>
-                <a:sym typeface="Gill Sans MT"/>
-              </a:rPr>
-              <a:t>Race (tract level), Income (tract level), Voting</a:t>
-            </a:r>
-            <a:endParaRPr lang="en-US" sz="2400" dirty="0">
-              <a:solidFill>
-                <a:srgbClr val="FFFF66"/>
-              </a:solidFill>
-              <a:latin typeface="Gill Sans MT"/>
-              <a:ea typeface="Gill Sans MT"/>
-              <a:cs typeface="Gill Sans MT"/>
-              <a:sym typeface="Gill Sans MT"/>
-            </a:endParaRPr>
-          </a:p>
-          <a:p>
-            <a:pPr marL="0" marR="0" lvl="0" indent="0" algn="l" rtl="0">
-              <a:spcBef>
-                <a:spcPts val="0"/>
-              </a:spcBef>
-              <a:buSzPct val="25000"/>
-              <a:buNone/>
-            </a:pPr>
-            <a:r>
-              <a:rPr lang="en-US" sz="2400" b="1" i="1" dirty="0" smtClean="0">
-                <a:solidFill>
-                  <a:srgbClr val="FFFF66"/>
-                </a:solidFill>
-                <a:latin typeface="Gill Sans MT"/>
-                <a:ea typeface="Gill Sans MT"/>
-                <a:cs typeface="Gill Sans MT"/>
-                <a:sym typeface="Gill Sans MT"/>
-              </a:rPr>
-              <a:t>Analysis</a:t>
-            </a:r>
-            <a:r>
-              <a:rPr lang="en-US" sz="2400" b="1" i="1" dirty="0" smtClean="0">
-                <a:solidFill>
-                  <a:srgbClr val="FFFF66"/>
-                </a:solidFill>
-                <a:latin typeface="Gill Sans MT"/>
-                <a:ea typeface="Gill Sans MT"/>
-                <a:cs typeface="Gill Sans MT"/>
-                <a:sym typeface="Gill Sans MT"/>
-              </a:rPr>
-              <a:t>: </a:t>
-            </a:r>
-          </a:p>
-          <a:p>
-            <a:pPr>
-              <a:buSzPct val="25000"/>
-            </a:pPr>
-            <a:r>
-              <a:rPr lang="en-US" sz="2400" dirty="0" smtClean="0">
-                <a:solidFill>
-                  <a:srgbClr val="FFFF66"/>
-                </a:solidFill>
-                <a:latin typeface="Gill Sans MT"/>
-                <a:ea typeface="Gill Sans MT"/>
-                <a:cs typeface="Gill Sans MT"/>
-                <a:sym typeface="Gill Sans MT"/>
-              </a:rPr>
-              <a:t>	Descriptive stats and geographical distribution for each 			variable in each year. </a:t>
-            </a:r>
-            <a:r>
-              <a:rPr lang="en-US" sz="2400" dirty="0">
-                <a:solidFill>
-                  <a:srgbClr val="FFFF66"/>
-                </a:solidFill>
-                <a:latin typeface="Gill Sans MT"/>
-                <a:ea typeface="Gill Sans MT"/>
-                <a:cs typeface="Gill Sans MT"/>
-                <a:sym typeface="Gill Sans MT"/>
-              </a:rPr>
-              <a:t>Location quotient</a:t>
-            </a:r>
-            <a:r>
-              <a:rPr lang="en-US" sz="2400" dirty="0" smtClean="0">
-                <a:solidFill>
-                  <a:srgbClr val="FFFF66"/>
-                </a:solidFill>
-                <a:latin typeface="Gill Sans MT"/>
-                <a:ea typeface="Gill Sans MT"/>
-                <a:cs typeface="Gill Sans MT"/>
-                <a:sym typeface="Gill Sans MT"/>
-              </a:rPr>
-              <a:t>? T tests?</a:t>
-            </a:r>
-            <a:endParaRPr lang="en-US" sz="2400" dirty="0">
-              <a:solidFill>
-                <a:srgbClr val="FFFF66"/>
-              </a:solidFill>
-              <a:latin typeface="Gill Sans MT"/>
-              <a:ea typeface="Gill Sans MT"/>
-              <a:cs typeface="Gill Sans MT"/>
-              <a:sym typeface="Gill Sans MT"/>
-            </a:endParaRPr>
-          </a:p>
-          <a:p>
-            <a:pPr>
-              <a:buSzPct val="25000"/>
-            </a:pPr>
-            <a:r>
-              <a:rPr lang="en-US" sz="2400" dirty="0" smtClean="0">
-                <a:solidFill>
-                  <a:srgbClr val="FFFF66"/>
-                </a:solidFill>
-                <a:latin typeface="Gill Sans MT"/>
-                <a:ea typeface="Gill Sans MT"/>
-                <a:cs typeface="Gill Sans MT"/>
-                <a:sym typeface="Gill Sans MT"/>
-              </a:rPr>
-              <a:t>	Correlation of </a:t>
-            </a:r>
-            <a:r>
-              <a:rPr lang="en-US" sz="2400" dirty="0" smtClean="0">
-                <a:solidFill>
-                  <a:srgbClr val="FFFF66"/>
-                </a:solidFill>
-                <a:latin typeface="Gill Sans MT"/>
-                <a:ea typeface="Gill Sans MT"/>
-                <a:cs typeface="Gill Sans MT"/>
-                <a:sym typeface="Gill Sans MT"/>
-              </a:rPr>
-              <a:t>race/income (% of tracts that are x% </a:t>
-            </a:r>
-            <a:br>
-              <a:rPr lang="en-US" sz="2400" dirty="0" smtClean="0">
-                <a:solidFill>
-                  <a:srgbClr val="FFFF66"/>
-                </a:solidFill>
-                <a:latin typeface="Gill Sans MT"/>
-                <a:ea typeface="Gill Sans MT"/>
-                <a:cs typeface="Gill Sans MT"/>
-                <a:sym typeface="Gill Sans MT"/>
-              </a:rPr>
-            </a:br>
-            <a:r>
-              <a:rPr lang="en-US" sz="2400" dirty="0" smtClean="0">
-                <a:solidFill>
-                  <a:srgbClr val="FFFF66"/>
-                </a:solidFill>
-                <a:latin typeface="Gill Sans MT"/>
-                <a:ea typeface="Gill Sans MT"/>
-                <a:cs typeface="Gill Sans MT"/>
-                <a:sym typeface="Gill Sans MT"/>
-              </a:rPr>
-              <a:t>		nonwhite, &gt;20% poverty, etc.) and voting</a:t>
-            </a:r>
-            <a:endParaRPr lang="en-US" sz="2400" dirty="0" smtClean="0">
-              <a:solidFill>
-                <a:srgbClr val="FFFF66"/>
-              </a:solidFill>
-              <a:latin typeface="Gill Sans MT"/>
-              <a:ea typeface="Gill Sans MT"/>
-              <a:cs typeface="Gill Sans MT"/>
-              <a:sym typeface="Gill Sans MT"/>
-            </a:endParaRPr>
-          </a:p>
-          <a:p>
-            <a:pPr>
-              <a:buSzPct val="25000"/>
-            </a:pPr>
-            <a:r>
-              <a:rPr lang="en-US" sz="2400" dirty="0">
-                <a:solidFill>
-                  <a:srgbClr val="FFFF66"/>
-                </a:solidFill>
-                <a:latin typeface="Gill Sans MT"/>
-                <a:ea typeface="Gill Sans MT"/>
-                <a:cs typeface="Gill Sans MT"/>
-                <a:sym typeface="Gill Sans MT"/>
-              </a:rPr>
-              <a:t>	</a:t>
-            </a:r>
-            <a:r>
-              <a:rPr lang="en-US" sz="2400" dirty="0" smtClean="0">
-                <a:solidFill>
-                  <a:srgbClr val="FFFF66"/>
-                </a:solidFill>
-                <a:latin typeface="Gill Sans MT"/>
-                <a:ea typeface="Gill Sans MT"/>
-                <a:cs typeface="Gill Sans MT"/>
-                <a:sym typeface="Gill Sans MT"/>
-              </a:rPr>
-              <a:t>Calculate efficiency gap in each year</a:t>
-            </a:r>
-            <a:endParaRPr lang="en-US" sz="2400" dirty="0">
-              <a:solidFill>
-                <a:srgbClr val="FFFF66"/>
-              </a:solidFill>
-              <a:latin typeface="Gill Sans MT"/>
-              <a:ea typeface="Gill Sans MT"/>
-              <a:cs typeface="Gill Sans MT"/>
-              <a:sym typeface="Gill Sans MT"/>
-            </a:endParaRPr>
-          </a:p>
-        </p:txBody>
-      </p:sp>
-    </p:spTree>
-  </p:cSld>
-  <p:clrMapOvr>
-    <a:masterClrMapping/>
-  </p:clrMapOvr>
-</p:sld>
-</file>
-
-<file path=ppt/slides/slide20.xml><?xml version="1.0" encoding="utf-8"?>
+<file path=ppt/slides/slide17.xml><?xml version="1.0" encoding="utf-8"?>
 <p:sld xmlns:a="http://schemas.openxmlformats.org/drawingml/2006/main" xmlns:r="http://schemas.openxmlformats.org/officeDocument/2006/relationships" xmlns:p="http://schemas.openxmlformats.org/presentationml/2006/main">
   <p:cSld>
     <p:spTree>
@@ -27665,7 +25189,7 @@
 </p:sld>
 </file>
 
-<file path=ppt/slides/slide21.xml><?xml version="1.0" encoding="utf-8"?>
+<file path=ppt/slides/slide18.xml><?xml version="1.0" encoding="utf-8"?>
 <p:sld xmlns:a="http://schemas.openxmlformats.org/drawingml/2006/main" xmlns:r="http://schemas.openxmlformats.org/officeDocument/2006/relationships" xmlns:p="http://schemas.openxmlformats.org/presentationml/2006/main">
   <p:cSld>
     <p:spTree>
@@ -29072,7 +26596,7 @@
 </p:sld>
 </file>
 
-<file path=ppt/slides/slide22.xml><?xml version="1.0" encoding="utf-8"?>
+<file path=ppt/slides/slide19.xml><?xml version="1.0" encoding="utf-8"?>
 <p:sld xmlns:a="http://schemas.openxmlformats.org/drawingml/2006/main" xmlns:r="http://schemas.openxmlformats.org/officeDocument/2006/relationships" xmlns:p="http://schemas.openxmlformats.org/presentationml/2006/main">
   <p:cSld>
     <p:spTree>
@@ -30276,7 +27800,372 @@
 </p:sld>
 </file>
 
-<file path=ppt/slides/slide23.xml><?xml version="1.0" encoding="utf-8"?>
+<file path=ppt/slides/slide2.xml><?xml version="1.0" encoding="utf-8"?>
+<p:sld xmlns:a="http://schemas.openxmlformats.org/drawingml/2006/main" xmlns:r="http://schemas.openxmlformats.org/officeDocument/2006/relationships" xmlns:p="http://schemas.openxmlformats.org/presentationml/2006/main">
+  <p:cSld>
+    <p:spTree>
+      <p:nvGrpSpPr>
+        <p:cNvPr id="1" name="Shape 109"/>
+        <p:cNvGrpSpPr/>
+        <p:nvPr/>
+      </p:nvGrpSpPr>
+      <p:grpSpPr>
+        <a:xfrm>
+          <a:off x="0" y="0"/>
+          <a:ext cx="0" cy="0"/>
+          <a:chOff x="0" y="0"/>
+          <a:chExt cx="0" cy="0"/>
+        </a:xfrm>
+      </p:grpSpPr>
+      <p:sp>
+        <p:nvSpPr>
+          <p:cNvPr id="10" name="Shape 126"/>
+          <p:cNvSpPr txBox="1"/>
+          <p:nvPr/>
+        </p:nvSpPr>
+        <p:spPr>
+          <a:xfrm>
+            <a:off x="136120" y="201649"/>
+            <a:ext cx="8677140" cy="707886"/>
+          </a:xfrm>
+          <a:prstGeom prst="rect">
+            <a:avLst/>
+          </a:prstGeom>
+          <a:noFill/>
+          <a:ln>
+            <a:noFill/>
+          </a:ln>
+        </p:spPr>
+        <p:txBody>
+          <a:bodyPr lIns="91425" tIns="45700" rIns="91425" bIns="45700" anchor="t" anchorCtr="0">
+            <a:noAutofit/>
+          </a:bodyPr>
+          <a:lstStyle/>
+          <a:p>
+            <a:pPr marL="0" marR="0" lvl="0" indent="0" algn="l" rtl="0">
+              <a:spcBef>
+                <a:spcPts val="0"/>
+              </a:spcBef>
+              <a:buSzPct val="25000"/>
+              <a:buNone/>
+            </a:pPr>
+            <a:r>
+              <a:rPr lang="en-US" sz="4000" b="1" i="1" dirty="0" smtClean="0">
+                <a:solidFill>
+                  <a:srgbClr val="FFFF66"/>
+                </a:solidFill>
+                <a:latin typeface="Gill Sans MT"/>
+                <a:ea typeface="Gill Sans MT"/>
+                <a:cs typeface="Gill Sans MT"/>
+                <a:sym typeface="Gill Sans MT"/>
+              </a:rPr>
+              <a:t>Your final project format?</a:t>
+            </a:r>
+          </a:p>
+          <a:p>
+            <a:pPr marL="0" marR="0" lvl="0" indent="0" algn="l" rtl="0">
+              <a:spcBef>
+                <a:spcPts val="0"/>
+              </a:spcBef>
+              <a:buSzPct val="25000"/>
+              <a:buNone/>
+            </a:pPr>
+            <a:endParaRPr lang="en-US" sz="4000" b="1" i="1" dirty="0" smtClean="0">
+              <a:solidFill>
+                <a:srgbClr val="FFFF66"/>
+              </a:solidFill>
+              <a:latin typeface="Gill Sans MT"/>
+              <a:ea typeface="Gill Sans MT"/>
+              <a:cs typeface="Gill Sans MT"/>
+              <a:sym typeface="Gill Sans MT"/>
+            </a:endParaRPr>
+          </a:p>
+          <a:p>
+            <a:pPr marL="0" marR="0" lvl="0" indent="0" algn="l" rtl="0">
+              <a:spcBef>
+                <a:spcPts val="0"/>
+              </a:spcBef>
+              <a:buSzPct val="25000"/>
+              <a:buNone/>
+            </a:pPr>
+            <a:r>
+              <a:rPr lang="en-US" sz="2400" b="1" i="1" dirty="0" smtClean="0">
+                <a:solidFill>
+                  <a:srgbClr val="FFFF66"/>
+                </a:solidFill>
+                <a:latin typeface="Gill Sans MT"/>
+                <a:ea typeface="Gill Sans MT"/>
+                <a:cs typeface="Gill Sans MT"/>
+                <a:sym typeface="Gill Sans MT"/>
+              </a:rPr>
+              <a:t>Research questions:</a:t>
+            </a:r>
+          </a:p>
+          <a:p>
+            <a:pPr marL="0" marR="0" lvl="0" indent="0" algn="l" rtl="0">
+              <a:spcBef>
+                <a:spcPts val="0"/>
+              </a:spcBef>
+              <a:buSzPct val="25000"/>
+              <a:buNone/>
+            </a:pPr>
+            <a:r>
+              <a:rPr lang="en-US" sz="2400" dirty="0" smtClean="0">
+                <a:solidFill>
+                  <a:srgbClr val="FFFF66"/>
+                </a:solidFill>
+                <a:latin typeface="Gill Sans MT"/>
+                <a:ea typeface="Gill Sans MT"/>
+                <a:cs typeface="Gill Sans MT"/>
+                <a:sym typeface="Gill Sans MT"/>
+              </a:rPr>
+              <a:t>	What is the evidence of gerrymandering (packing/cracking) in 	each year? How is it different across years?</a:t>
+            </a:r>
+            <a:endParaRPr lang="en-US" sz="2400" b="1" i="1" dirty="0" smtClean="0">
+              <a:solidFill>
+                <a:srgbClr val="FFFF66"/>
+              </a:solidFill>
+              <a:latin typeface="Gill Sans MT"/>
+              <a:ea typeface="Gill Sans MT"/>
+              <a:cs typeface="Gill Sans MT"/>
+              <a:sym typeface="Gill Sans MT"/>
+            </a:endParaRPr>
+          </a:p>
+          <a:p>
+            <a:pPr marL="0" marR="0" lvl="0" indent="0" algn="l" rtl="0">
+              <a:spcBef>
+                <a:spcPts val="0"/>
+              </a:spcBef>
+              <a:buSzPct val="25000"/>
+              <a:buNone/>
+            </a:pPr>
+            <a:r>
+              <a:rPr lang="en-US" sz="2400" b="1" i="1" dirty="0" smtClean="0">
+                <a:solidFill>
+                  <a:srgbClr val="FFFF66"/>
+                </a:solidFill>
+                <a:latin typeface="Gill Sans MT"/>
+                <a:ea typeface="Gill Sans MT"/>
+                <a:cs typeface="Gill Sans MT"/>
+                <a:sym typeface="Gill Sans MT"/>
+              </a:rPr>
+              <a:t>Variables:</a:t>
+            </a:r>
+            <a:r>
+              <a:rPr lang="en-US" sz="2400" dirty="0" smtClean="0">
+                <a:solidFill>
+                  <a:srgbClr val="FFFF66"/>
+                </a:solidFill>
+                <a:latin typeface="Gill Sans MT"/>
+                <a:ea typeface="Gill Sans MT"/>
+                <a:cs typeface="Gill Sans MT"/>
+                <a:sym typeface="Gill Sans MT"/>
+              </a:rPr>
+              <a:t> </a:t>
+            </a:r>
+          </a:p>
+          <a:p>
+            <a:pPr marL="0" marR="0" lvl="0" indent="0" algn="l" rtl="0">
+              <a:spcBef>
+                <a:spcPts val="0"/>
+              </a:spcBef>
+              <a:buSzPct val="25000"/>
+              <a:buNone/>
+            </a:pPr>
+            <a:r>
+              <a:rPr lang="en-US" sz="2400" dirty="0">
+                <a:solidFill>
+                  <a:srgbClr val="FFFF66"/>
+                </a:solidFill>
+                <a:latin typeface="Gill Sans MT"/>
+                <a:ea typeface="Gill Sans MT"/>
+                <a:cs typeface="Gill Sans MT"/>
+                <a:sym typeface="Gill Sans MT"/>
+              </a:rPr>
+              <a:t>	</a:t>
+            </a:r>
+            <a:r>
+              <a:rPr lang="en-US" sz="2400" dirty="0" smtClean="0">
+                <a:solidFill>
+                  <a:srgbClr val="FFFF66"/>
+                </a:solidFill>
+                <a:latin typeface="Gill Sans MT"/>
+                <a:ea typeface="Gill Sans MT"/>
+                <a:cs typeface="Gill Sans MT"/>
+                <a:sym typeface="Gill Sans MT"/>
+              </a:rPr>
+              <a:t>Race (tract level), Income (tract level), Voting</a:t>
+            </a:r>
+            <a:endParaRPr lang="en-US" sz="2400" dirty="0">
+              <a:solidFill>
+                <a:srgbClr val="FFFF66"/>
+              </a:solidFill>
+              <a:latin typeface="Gill Sans MT"/>
+              <a:ea typeface="Gill Sans MT"/>
+              <a:cs typeface="Gill Sans MT"/>
+              <a:sym typeface="Gill Sans MT"/>
+            </a:endParaRPr>
+          </a:p>
+          <a:p>
+            <a:pPr marL="0" marR="0" lvl="0" indent="0" algn="l" rtl="0">
+              <a:spcBef>
+                <a:spcPts val="0"/>
+              </a:spcBef>
+              <a:buSzPct val="25000"/>
+              <a:buNone/>
+            </a:pPr>
+            <a:r>
+              <a:rPr lang="en-US" sz="2400" b="1" i="1" dirty="0" smtClean="0">
+                <a:solidFill>
+                  <a:srgbClr val="FFFF66"/>
+                </a:solidFill>
+                <a:latin typeface="Gill Sans MT"/>
+                <a:ea typeface="Gill Sans MT"/>
+                <a:cs typeface="Gill Sans MT"/>
+                <a:sym typeface="Gill Sans MT"/>
+              </a:rPr>
+              <a:t>Analysis: </a:t>
+            </a:r>
+          </a:p>
+          <a:p>
+            <a:pPr>
+              <a:buSzPct val="25000"/>
+            </a:pPr>
+            <a:r>
+              <a:rPr lang="en-US" sz="2400" dirty="0" smtClean="0">
+                <a:solidFill>
+                  <a:srgbClr val="FFFF66"/>
+                </a:solidFill>
+                <a:latin typeface="Gill Sans MT"/>
+                <a:ea typeface="Gill Sans MT"/>
+                <a:cs typeface="Gill Sans MT"/>
+                <a:sym typeface="Gill Sans MT"/>
+              </a:rPr>
+              <a:t>	Descriptive stats and geographical distribution for each 			variable in each year. </a:t>
+            </a:r>
+            <a:r>
+              <a:rPr lang="en-US" sz="2400" dirty="0">
+                <a:solidFill>
+                  <a:srgbClr val="FFFF66"/>
+                </a:solidFill>
+                <a:latin typeface="Gill Sans MT"/>
+                <a:ea typeface="Gill Sans MT"/>
+                <a:cs typeface="Gill Sans MT"/>
+                <a:sym typeface="Gill Sans MT"/>
+              </a:rPr>
+              <a:t>Location quotient</a:t>
+            </a:r>
+            <a:r>
+              <a:rPr lang="en-US" sz="2400" dirty="0" smtClean="0">
+                <a:solidFill>
+                  <a:srgbClr val="FFFF66"/>
+                </a:solidFill>
+                <a:latin typeface="Gill Sans MT"/>
+                <a:ea typeface="Gill Sans MT"/>
+                <a:cs typeface="Gill Sans MT"/>
+                <a:sym typeface="Gill Sans MT"/>
+              </a:rPr>
+              <a:t>? T tests?</a:t>
+            </a:r>
+            <a:endParaRPr lang="en-US" sz="2400" dirty="0">
+              <a:solidFill>
+                <a:srgbClr val="FFFF66"/>
+              </a:solidFill>
+              <a:latin typeface="Gill Sans MT"/>
+              <a:ea typeface="Gill Sans MT"/>
+              <a:cs typeface="Gill Sans MT"/>
+              <a:sym typeface="Gill Sans MT"/>
+            </a:endParaRPr>
+          </a:p>
+          <a:p>
+            <a:pPr>
+              <a:buSzPct val="25000"/>
+            </a:pPr>
+            <a:r>
+              <a:rPr lang="en-US" sz="2400" dirty="0" smtClean="0">
+                <a:solidFill>
+                  <a:srgbClr val="FFFF66"/>
+                </a:solidFill>
+                <a:latin typeface="Gill Sans MT"/>
+                <a:ea typeface="Gill Sans MT"/>
+                <a:cs typeface="Gill Sans MT"/>
+                <a:sym typeface="Gill Sans MT"/>
+              </a:rPr>
+              <a:t>	Correlation of race/income (% of tracts that are x% </a:t>
+            </a:r>
+            <a:br>
+              <a:rPr lang="en-US" sz="2400" dirty="0" smtClean="0">
+                <a:solidFill>
+                  <a:srgbClr val="FFFF66"/>
+                </a:solidFill>
+                <a:latin typeface="Gill Sans MT"/>
+                <a:ea typeface="Gill Sans MT"/>
+                <a:cs typeface="Gill Sans MT"/>
+                <a:sym typeface="Gill Sans MT"/>
+              </a:rPr>
+            </a:br>
+            <a:r>
+              <a:rPr lang="en-US" sz="2400" dirty="0" smtClean="0">
+                <a:solidFill>
+                  <a:srgbClr val="FFFF66"/>
+                </a:solidFill>
+                <a:latin typeface="Gill Sans MT"/>
+                <a:ea typeface="Gill Sans MT"/>
+                <a:cs typeface="Gill Sans MT"/>
+                <a:sym typeface="Gill Sans MT"/>
+              </a:rPr>
+              <a:t>		nonwhite, &gt;20% poverty, etc.) and voting</a:t>
+            </a:r>
+          </a:p>
+          <a:p>
+            <a:pPr>
+              <a:buSzPct val="25000"/>
+            </a:pPr>
+            <a:r>
+              <a:rPr lang="en-US" sz="2400" dirty="0">
+                <a:solidFill>
+                  <a:srgbClr val="FFFF66"/>
+                </a:solidFill>
+                <a:latin typeface="Gill Sans MT"/>
+                <a:ea typeface="Gill Sans MT"/>
+                <a:cs typeface="Gill Sans MT"/>
+                <a:sym typeface="Gill Sans MT"/>
+              </a:rPr>
+              <a:t>	</a:t>
+            </a:r>
+            <a:r>
+              <a:rPr lang="en-US" sz="2400" dirty="0" smtClean="0">
+                <a:solidFill>
+                  <a:srgbClr val="FFFF66"/>
+                </a:solidFill>
+                <a:latin typeface="Gill Sans MT"/>
+                <a:ea typeface="Gill Sans MT"/>
+                <a:cs typeface="Gill Sans MT"/>
+                <a:sym typeface="Gill Sans MT"/>
+              </a:rPr>
+              <a:t>Calculate efficiency gap in each year</a:t>
+            </a:r>
+            <a:endParaRPr lang="en-US" sz="2400" dirty="0">
+              <a:solidFill>
+                <a:srgbClr val="FFFF66"/>
+              </a:solidFill>
+              <a:latin typeface="Gill Sans MT"/>
+              <a:ea typeface="Gill Sans MT"/>
+              <a:cs typeface="Gill Sans MT"/>
+              <a:sym typeface="Gill Sans MT"/>
+            </a:endParaRPr>
+          </a:p>
+        </p:txBody>
+      </p:sp>
+    </p:spTree>
+  </p:cSld>
+  <p:clrMapOvr>
+    <a:masterClrMapping/>
+  </p:clrMapOvr>
+</p:sld>
+</file>
+
+<file path=ppt/slides/slide20.xml><?xml version="1.0" encoding="utf-8"?>
 <p:sld xmlns:a="http://schemas.openxmlformats.org/drawingml/2006/main" xmlns:r="http://schemas.openxmlformats.org/officeDocument/2006/relationships" xmlns:p="http://schemas.openxmlformats.org/presentationml/2006/main">
   <p:cSld>
     <p:spTree>
@@ -31709,1445 +29598,7 @@
 </p:sld>
 </file>
 
-<file path=ppt/slides/slide24.xml><?xml version="1.0" encoding="utf-8"?>
-<p:sld xmlns:a="http://schemas.openxmlformats.org/drawingml/2006/main" xmlns:r="http://schemas.openxmlformats.org/officeDocument/2006/relationships" xmlns:p="http://schemas.openxmlformats.org/presentationml/2006/main">
-  <p:cSld>
-    <p:spTree>
-      <p:nvGrpSpPr>
-        <p:cNvPr id="1" name="Shape 361"/>
-        <p:cNvGrpSpPr/>
-        <p:nvPr/>
-      </p:nvGrpSpPr>
-      <p:grpSpPr>
-        <a:xfrm>
-          <a:off x="0" y="0"/>
-          <a:ext cx="0" cy="0"/>
-          <a:chOff x="0" y="0"/>
-          <a:chExt cx="0" cy="0"/>
-        </a:xfrm>
-      </p:grpSpPr>
-      <p:graphicFrame>
-        <p:nvGraphicFramePr>
-          <p:cNvPr id="362" name="Shape 362"/>
-          <p:cNvGraphicFramePr/>
-          <p:nvPr/>
-        </p:nvGraphicFramePr>
-        <p:xfrm>
-          <a:off x="845494" y="868679"/>
-          <a:ext cx="7007225" cy="3093715"/>
-        </p:xfrm>
-        <a:graphic>
-          <a:graphicData uri="http://schemas.openxmlformats.org/drawingml/2006/table">
-            <a:tbl>
-              <a:tblPr>
-                <a:noFill/>
-                <a:tableStyleId>{68EA40C2-255E-4F26-BCB9-FC503035A6AE}</a:tableStyleId>
-              </a:tblPr>
-              <a:tblGrid>
-                <a:gridCol w="1730325">
-                  <a:extLst>
-                    <a:ext uri="{9D8B030D-6E8A-4147-A177-3AD203B41FA5}">
-                      <a16:colId xmlns:a16="http://schemas.microsoft.com/office/drawing/2014/main" val="20000"/>
-                    </a:ext>
-                  </a:extLst>
-                </a:gridCol>
-                <a:gridCol w="943100">
-                  <a:extLst>
-                    <a:ext uri="{9D8B030D-6E8A-4147-A177-3AD203B41FA5}">
-                      <a16:colId xmlns:a16="http://schemas.microsoft.com/office/drawing/2014/main" val="20001"/>
-                    </a:ext>
-                  </a:extLst>
-                </a:gridCol>
-                <a:gridCol w="1508975">
-                  <a:extLst>
-                    <a:ext uri="{9D8B030D-6E8A-4147-A177-3AD203B41FA5}">
-                      <a16:colId xmlns:a16="http://schemas.microsoft.com/office/drawing/2014/main" val="20002"/>
-                    </a:ext>
-                  </a:extLst>
-                </a:gridCol>
-                <a:gridCol w="1300825">
-                  <a:extLst>
-                    <a:ext uri="{9D8B030D-6E8A-4147-A177-3AD203B41FA5}">
-                      <a16:colId xmlns:a16="http://schemas.microsoft.com/office/drawing/2014/main" val="20003"/>
-                    </a:ext>
-                  </a:extLst>
-                </a:gridCol>
-                <a:gridCol w="1524000">
-                  <a:extLst>
-                    <a:ext uri="{9D8B030D-6E8A-4147-A177-3AD203B41FA5}">
-                      <a16:colId xmlns:a16="http://schemas.microsoft.com/office/drawing/2014/main" val="20004"/>
-                    </a:ext>
-                  </a:extLst>
-                </a:gridCol>
-              </a:tblGrid>
-              <a:tr h="1106800">
-                <a:tc>
-                  <a:txBody>
-                    <a:bodyPr/>
-                    <a:lstStyle/>
-                    <a:p>
-                      <a:pPr marL="0" marR="0" lvl="0" indent="0" algn="ctr" rtl="0">
-                        <a:spcBef>
-                          <a:spcPts val="0"/>
-                        </a:spcBef>
-                        <a:buSzPct val="25000"/>
-                        <a:buNone/>
-                      </a:pPr>
-                      <a:r>
-                        <a:rPr lang="en-US" sz="1800" u="none" strike="noStrike"/>
-                        <a:t>Neighborhood</a:t>
-                      </a:r>
-                    </a:p>
-                  </a:txBody>
-                  <a:tcPr marL="9525" marR="9525" marT="9525" marB="0" anchor="b"/>
-                </a:tc>
-                <a:tc>
-                  <a:txBody>
-                    <a:bodyPr/>
-                    <a:lstStyle/>
-                    <a:p>
-                      <a:pPr marL="0" marR="0" lvl="0" indent="0" algn="ctr" rtl="0">
-                        <a:spcBef>
-                          <a:spcPts val="0"/>
-                        </a:spcBef>
-                        <a:buSzPct val="25000"/>
-                        <a:buNone/>
-                      </a:pPr>
-                      <a:r>
-                        <a:rPr lang="en-US" sz="1800" u="none" strike="noStrike"/>
-                        <a:t>Median age</a:t>
-                      </a:r>
-                    </a:p>
-                  </a:txBody>
-                  <a:tcPr marL="9525" marR="9525" marT="9525" marB="0" anchor="b"/>
-                </a:tc>
-                <a:tc>
-                  <a:txBody>
-                    <a:bodyPr/>
-                    <a:lstStyle/>
-                    <a:p>
-                      <a:pPr marL="0" marR="0" lvl="0" indent="0" algn="ctr" rtl="0">
-                        <a:spcBef>
-                          <a:spcPts val="0"/>
-                        </a:spcBef>
-                        <a:buSzPct val="25000"/>
-                        <a:buNone/>
-                      </a:pPr>
-                      <a:r>
-                        <a:rPr lang="en-US" sz="1800" u="none" strike="noStrike"/>
-                        <a:t>Number of gardens</a:t>
-                      </a:r>
-                    </a:p>
-                  </a:txBody>
-                  <a:tcPr marL="9525" marR="9525" marT="9525" marB="0" anchor="b"/>
-                </a:tc>
-                <a:tc>
-                  <a:txBody>
-                    <a:bodyPr/>
-                    <a:lstStyle/>
-                    <a:p>
-                      <a:pPr marL="0" marR="0" lvl="0" indent="0" algn="ctr" rtl="0">
-                        <a:spcBef>
-                          <a:spcPts val="0"/>
-                        </a:spcBef>
-                        <a:buSzPct val="25000"/>
-                        <a:buNone/>
-                      </a:pPr>
-                      <a:r>
-                        <a:rPr lang="en-US" sz="1800" b="0" i="0" u="none" strike="noStrike">
-                          <a:solidFill>
-                            <a:srgbClr val="000000"/>
-                          </a:solidFill>
-                          <a:latin typeface="Gill Sans MT"/>
-                          <a:ea typeface="Gill Sans MT"/>
-                          <a:cs typeface="Gill Sans MT"/>
-                          <a:sym typeface="Gill Sans MT"/>
-                        </a:rPr>
-                        <a:t>Predicted gardens</a:t>
-                      </a:r>
-                    </a:p>
-                  </a:txBody>
-                  <a:tcPr marL="9525" marR="9525" marT="9525" marB="0" anchor="b"/>
-                </a:tc>
-                <a:tc>
-                  <a:txBody>
-                    <a:bodyPr/>
-                    <a:lstStyle/>
-                    <a:p>
-                      <a:pPr marL="0" marR="0" lvl="0" indent="0" algn="ctr" rtl="0">
-                        <a:spcBef>
-                          <a:spcPts val="0"/>
-                        </a:spcBef>
-                        <a:buSzPct val="25000"/>
-                        <a:buNone/>
-                      </a:pPr>
-                      <a:r>
-                        <a:rPr lang="en-US" sz="1800" b="0" i="0" u="none" strike="noStrike">
-                          <a:solidFill>
-                            <a:srgbClr val="000000"/>
-                          </a:solidFill>
-                          <a:latin typeface="Gill Sans MT"/>
-                          <a:ea typeface="Gill Sans MT"/>
-                          <a:cs typeface="Gill Sans MT"/>
-                          <a:sym typeface="Gill Sans MT"/>
-                        </a:rPr>
-                        <a:t>Difference</a:t>
-                      </a:r>
-                    </a:p>
-                    <a:p>
-                      <a:pPr marL="0" marR="0" lvl="0" indent="0" algn="ctr" rtl="0">
-                        <a:spcBef>
-                          <a:spcPts val="0"/>
-                        </a:spcBef>
-                        <a:buSzPct val="25000"/>
-                        <a:buNone/>
-                      </a:pPr>
-                      <a:endParaRPr sz="1800" b="0" i="0" u="none" strike="noStrike">
-                        <a:solidFill>
-                          <a:srgbClr val="000000"/>
-                        </a:solidFill>
-                        <a:latin typeface="Gill Sans MT"/>
-                        <a:ea typeface="Gill Sans MT"/>
-                        <a:cs typeface="Gill Sans MT"/>
-                        <a:sym typeface="Gill Sans MT"/>
-                      </a:endParaRPr>
-                    </a:p>
-                  </a:txBody>
-                  <a:tcPr marL="9525" marR="9525" marT="9525" marB="0" anchor="b"/>
-                </a:tc>
-                <a:extLst>
-                  <a:ext uri="{0D108BD9-81ED-4DB2-BD59-A6C34878D82A}">
-                    <a16:rowId xmlns:a16="http://schemas.microsoft.com/office/drawing/2014/main" val="10000"/>
-                  </a:ext>
-                </a:extLst>
-              </a:tr>
-              <a:tr h="253050">
-                <a:tc>
-                  <a:txBody>
-                    <a:bodyPr/>
-                    <a:lstStyle/>
-                    <a:p>
-                      <a:pPr marL="0" marR="0" lvl="0" indent="0" algn="r" rtl="0">
-                        <a:spcBef>
-                          <a:spcPts val="0"/>
-                        </a:spcBef>
-                        <a:buSzPct val="25000"/>
-                        <a:buNone/>
-                      </a:pPr>
-                      <a:r>
-                        <a:rPr lang="en-US" sz="1800" u="none" strike="noStrike"/>
-                        <a:t>1</a:t>
-                      </a:r>
-                    </a:p>
-                  </a:txBody>
-                  <a:tcPr marL="9525" marR="9525" marT="9525" marB="0" anchor="b"/>
-                </a:tc>
-                <a:tc>
-                  <a:txBody>
-                    <a:bodyPr/>
-                    <a:lstStyle/>
-                    <a:p>
-                      <a:pPr marL="0" marR="0" lvl="0" indent="0" algn="r" rtl="0">
-                        <a:spcBef>
-                          <a:spcPts val="0"/>
-                        </a:spcBef>
-                        <a:buSzPct val="25000"/>
-                        <a:buNone/>
-                      </a:pPr>
-                      <a:r>
-                        <a:rPr lang="en-US" sz="1800" u="none" strike="noStrike"/>
-                        <a:t>43</a:t>
-                      </a:r>
-                    </a:p>
-                  </a:txBody>
-                  <a:tcPr marL="9525" marR="9525" marT="9525" marB="0" anchor="b"/>
-                </a:tc>
-                <a:tc>
-                  <a:txBody>
-                    <a:bodyPr/>
-                    <a:lstStyle/>
-                    <a:p>
-                      <a:pPr marL="0" marR="0" lvl="0" indent="0" algn="r" rtl="0">
-                        <a:spcBef>
-                          <a:spcPts val="0"/>
-                        </a:spcBef>
-                        <a:buSzPct val="25000"/>
-                        <a:buNone/>
-                      </a:pPr>
-                      <a:r>
-                        <a:rPr lang="en-US" sz="1800" u="none" strike="noStrike"/>
-                        <a:t>99</a:t>
-                      </a:r>
-                    </a:p>
-                  </a:txBody>
-                  <a:tcPr marL="9525" marR="9525" marT="9525" marB="0" anchor="b"/>
-                </a:tc>
-                <a:tc>
-                  <a:txBody>
-                    <a:bodyPr/>
-                    <a:lstStyle/>
-                    <a:p>
-                      <a:pPr marL="0" marR="0" lvl="0" indent="0" algn="r" rtl="0">
-                        <a:spcBef>
-                          <a:spcPts val="0"/>
-                        </a:spcBef>
-                        <a:buSzPct val="25000"/>
-                        <a:buNone/>
-                      </a:pPr>
-                      <a:r>
-                        <a:rPr lang="en-US" sz="1800" b="0" i="0" u="none" strike="noStrike">
-                          <a:solidFill>
-                            <a:srgbClr val="000000"/>
-                          </a:solidFill>
-                          <a:latin typeface="Gill Sans MT"/>
-                          <a:ea typeface="Gill Sans MT"/>
-                          <a:cs typeface="Gill Sans MT"/>
-                          <a:sym typeface="Gill Sans MT"/>
-                        </a:rPr>
-                        <a:t>81.7</a:t>
-                      </a:r>
-                    </a:p>
-                  </a:txBody>
-                  <a:tcPr marL="9525" marR="9525" marT="9525" marB="0" anchor="b"/>
-                </a:tc>
-                <a:tc>
-                  <a:txBody>
-                    <a:bodyPr/>
-                    <a:lstStyle/>
-                    <a:p>
-                      <a:pPr marL="0" marR="0" lvl="0" indent="0" algn="r" rtl="0">
-                        <a:spcBef>
-                          <a:spcPts val="0"/>
-                        </a:spcBef>
-                        <a:buSzPct val="25000"/>
-                        <a:buNone/>
-                      </a:pPr>
-                      <a:r>
-                        <a:rPr lang="en-US" sz="1800" b="0" i="0" u="none" strike="noStrike">
-                          <a:solidFill>
-                            <a:srgbClr val="000000"/>
-                          </a:solidFill>
-                          <a:latin typeface="Gill Sans MT"/>
-                          <a:ea typeface="Gill Sans MT"/>
-                          <a:cs typeface="Gill Sans MT"/>
-                          <a:sym typeface="Gill Sans MT"/>
-                        </a:rPr>
-                        <a:t>17.3</a:t>
-                      </a:r>
-                    </a:p>
-                  </a:txBody>
-                  <a:tcPr marL="9525" marR="9525" marT="9525" marB="0" anchor="b"/>
-                </a:tc>
-                <a:extLst>
-                  <a:ext uri="{0D108BD9-81ED-4DB2-BD59-A6C34878D82A}">
-                    <a16:rowId xmlns:a16="http://schemas.microsoft.com/office/drawing/2014/main" val="10001"/>
-                  </a:ext>
-                </a:extLst>
-              </a:tr>
-              <a:tr h="253050">
-                <a:tc>
-                  <a:txBody>
-                    <a:bodyPr/>
-                    <a:lstStyle/>
-                    <a:p>
-                      <a:pPr marL="0" marR="0" lvl="0" indent="0" algn="r" rtl="0">
-                        <a:spcBef>
-                          <a:spcPts val="0"/>
-                        </a:spcBef>
-                        <a:buSzPct val="25000"/>
-                        <a:buNone/>
-                      </a:pPr>
-                      <a:r>
-                        <a:rPr lang="en-US" sz="1800" u="none" strike="noStrike"/>
-                        <a:t>2</a:t>
-                      </a:r>
-                    </a:p>
-                  </a:txBody>
-                  <a:tcPr marL="9525" marR="9525" marT="9525" marB="0" anchor="b"/>
-                </a:tc>
-                <a:tc>
-                  <a:txBody>
-                    <a:bodyPr/>
-                    <a:lstStyle/>
-                    <a:p>
-                      <a:pPr marL="0" marR="0" lvl="0" indent="0" algn="r" rtl="0">
-                        <a:spcBef>
-                          <a:spcPts val="0"/>
-                        </a:spcBef>
-                        <a:buSzPct val="25000"/>
-                        <a:buNone/>
-                      </a:pPr>
-                      <a:r>
-                        <a:rPr lang="en-US" sz="1800" u="none" strike="noStrike"/>
-                        <a:t>21</a:t>
-                      </a:r>
-                    </a:p>
-                  </a:txBody>
-                  <a:tcPr marL="9525" marR="9525" marT="9525" marB="0" anchor="b"/>
-                </a:tc>
-                <a:tc>
-                  <a:txBody>
-                    <a:bodyPr/>
-                    <a:lstStyle/>
-                    <a:p>
-                      <a:pPr marL="0" marR="0" lvl="0" indent="0" algn="r" rtl="0">
-                        <a:spcBef>
-                          <a:spcPts val="0"/>
-                        </a:spcBef>
-                        <a:buSzPct val="25000"/>
-                        <a:buNone/>
-                      </a:pPr>
-                      <a:r>
-                        <a:rPr lang="en-US" sz="1800" u="none" strike="noStrike"/>
-                        <a:t>65</a:t>
-                      </a:r>
-                    </a:p>
-                  </a:txBody>
-                  <a:tcPr marL="9525" marR="9525" marT="9525" marB="0" anchor="b"/>
-                </a:tc>
-                <a:tc>
-                  <a:txBody>
-                    <a:bodyPr/>
-                    <a:lstStyle/>
-                    <a:p>
-                      <a:pPr marL="0" marR="0" lvl="0" indent="0" algn="r" rtl="0">
-                        <a:spcBef>
-                          <a:spcPts val="0"/>
-                        </a:spcBef>
-                        <a:buSzPct val="25000"/>
-                        <a:buNone/>
-                      </a:pPr>
-                      <a:r>
-                        <a:rPr lang="en-US" sz="1800" b="0" i="0" u="none" strike="noStrike">
-                          <a:solidFill>
-                            <a:srgbClr val="000000"/>
-                          </a:solidFill>
-                          <a:latin typeface="Gill Sans MT"/>
-                          <a:ea typeface="Gill Sans MT"/>
-                          <a:cs typeface="Gill Sans MT"/>
-                          <a:sym typeface="Gill Sans MT"/>
-                        </a:rPr>
-                        <a:t>73.2</a:t>
-                      </a:r>
-                    </a:p>
-                  </a:txBody>
-                  <a:tcPr marL="9525" marR="9525" marT="9525" marB="0" anchor="b"/>
-                </a:tc>
-                <a:tc>
-                  <a:txBody>
-                    <a:bodyPr/>
-                    <a:lstStyle/>
-                    <a:p>
-                      <a:pPr marL="0" marR="0" lvl="0" indent="0" algn="r" rtl="0">
-                        <a:spcBef>
-                          <a:spcPts val="0"/>
-                        </a:spcBef>
-                        <a:buSzPct val="25000"/>
-                        <a:buNone/>
-                      </a:pPr>
-                      <a:r>
-                        <a:rPr lang="en-US" sz="1800" b="0" i="0" u="none" strike="noStrike">
-                          <a:solidFill>
-                            <a:srgbClr val="000000"/>
-                          </a:solidFill>
-                          <a:latin typeface="Gill Sans MT"/>
-                          <a:ea typeface="Gill Sans MT"/>
-                          <a:cs typeface="Gill Sans MT"/>
-                          <a:sym typeface="Gill Sans MT"/>
-                        </a:rPr>
-                        <a:t>-8.2</a:t>
-                      </a:r>
-                    </a:p>
-                  </a:txBody>
-                  <a:tcPr marL="9525" marR="9525" marT="9525" marB="0" anchor="b"/>
-                </a:tc>
-                <a:extLst>
-                  <a:ext uri="{0D108BD9-81ED-4DB2-BD59-A6C34878D82A}">
-                    <a16:rowId xmlns:a16="http://schemas.microsoft.com/office/drawing/2014/main" val="10002"/>
-                  </a:ext>
-                </a:extLst>
-              </a:tr>
-              <a:tr h="253050">
-                <a:tc>
-                  <a:txBody>
-                    <a:bodyPr/>
-                    <a:lstStyle/>
-                    <a:p>
-                      <a:pPr marL="0" marR="0" lvl="0" indent="0" algn="r" rtl="0">
-                        <a:spcBef>
-                          <a:spcPts val="0"/>
-                        </a:spcBef>
-                        <a:buSzPct val="25000"/>
-                        <a:buNone/>
-                      </a:pPr>
-                      <a:r>
-                        <a:rPr lang="en-US" sz="1800" u="none" strike="noStrike"/>
-                        <a:t>3</a:t>
-                      </a:r>
-                    </a:p>
-                  </a:txBody>
-                  <a:tcPr marL="9525" marR="9525" marT="9525" marB="0" anchor="b"/>
-                </a:tc>
-                <a:tc>
-                  <a:txBody>
-                    <a:bodyPr/>
-                    <a:lstStyle/>
-                    <a:p>
-                      <a:pPr marL="0" marR="0" lvl="0" indent="0" algn="r" rtl="0">
-                        <a:spcBef>
-                          <a:spcPts val="0"/>
-                        </a:spcBef>
-                        <a:buSzPct val="25000"/>
-                        <a:buNone/>
-                      </a:pPr>
-                      <a:r>
-                        <a:rPr lang="en-US" sz="1800" u="none" strike="noStrike"/>
-                        <a:t>25</a:t>
-                      </a:r>
-                    </a:p>
-                  </a:txBody>
-                  <a:tcPr marL="9525" marR="9525" marT="9525" marB="0" anchor="b"/>
-                </a:tc>
-                <a:tc>
-                  <a:txBody>
-                    <a:bodyPr/>
-                    <a:lstStyle/>
-                    <a:p>
-                      <a:pPr marL="0" marR="0" lvl="0" indent="0" algn="r" rtl="0">
-                        <a:spcBef>
-                          <a:spcPts val="0"/>
-                        </a:spcBef>
-                        <a:buSzPct val="25000"/>
-                        <a:buNone/>
-                      </a:pPr>
-                      <a:r>
-                        <a:rPr lang="en-US" sz="1800" u="none" strike="noStrike"/>
-                        <a:t>79</a:t>
-                      </a:r>
-                    </a:p>
-                  </a:txBody>
-                  <a:tcPr marL="9525" marR="9525" marT="9525" marB="0" anchor="b"/>
-                </a:tc>
-                <a:tc>
-                  <a:txBody>
-                    <a:bodyPr/>
-                    <a:lstStyle/>
-                    <a:p>
-                      <a:pPr marL="0" marR="0" lvl="0" indent="0" algn="r" rtl="0">
-                        <a:spcBef>
-                          <a:spcPts val="0"/>
-                        </a:spcBef>
-                        <a:buSzPct val="25000"/>
-                        <a:buNone/>
-                      </a:pPr>
-                      <a:r>
-                        <a:rPr lang="en-US" sz="1800" b="0" i="0" u="none" strike="noStrike">
-                          <a:solidFill>
-                            <a:srgbClr val="000000"/>
-                          </a:solidFill>
-                          <a:latin typeface="Gill Sans MT"/>
-                          <a:ea typeface="Gill Sans MT"/>
-                          <a:cs typeface="Gill Sans MT"/>
-                          <a:sym typeface="Gill Sans MT"/>
-                        </a:rPr>
-                        <a:t>74.8</a:t>
-                      </a:r>
-                    </a:p>
-                  </a:txBody>
-                  <a:tcPr marL="9525" marR="9525" marT="9525" marB="0" anchor="b"/>
-                </a:tc>
-                <a:tc>
-                  <a:txBody>
-                    <a:bodyPr/>
-                    <a:lstStyle/>
-                    <a:p>
-                      <a:pPr marL="0" marR="0" lvl="0" indent="0" algn="r" rtl="0">
-                        <a:spcBef>
-                          <a:spcPts val="0"/>
-                        </a:spcBef>
-                        <a:buSzPct val="25000"/>
-                        <a:buNone/>
-                      </a:pPr>
-                      <a:r>
-                        <a:rPr lang="en-US" sz="1800" b="0" i="0" u="none" strike="noStrike">
-                          <a:solidFill>
-                            <a:srgbClr val="000000"/>
-                          </a:solidFill>
-                          <a:latin typeface="Gill Sans MT"/>
-                          <a:ea typeface="Gill Sans MT"/>
-                          <a:cs typeface="Gill Sans MT"/>
-                          <a:sym typeface="Gill Sans MT"/>
-                        </a:rPr>
-                        <a:t>4.2</a:t>
-                      </a:r>
-                    </a:p>
-                  </a:txBody>
-                  <a:tcPr marL="9525" marR="9525" marT="9525" marB="0" anchor="b"/>
-                </a:tc>
-                <a:extLst>
-                  <a:ext uri="{0D108BD9-81ED-4DB2-BD59-A6C34878D82A}">
-                    <a16:rowId xmlns:a16="http://schemas.microsoft.com/office/drawing/2014/main" val="10003"/>
-                  </a:ext>
-                </a:extLst>
-              </a:tr>
-              <a:tr h="253050">
-                <a:tc>
-                  <a:txBody>
-                    <a:bodyPr/>
-                    <a:lstStyle/>
-                    <a:p>
-                      <a:pPr marL="0" marR="0" lvl="0" indent="0" algn="r" rtl="0">
-                        <a:spcBef>
-                          <a:spcPts val="0"/>
-                        </a:spcBef>
-                        <a:buSzPct val="25000"/>
-                        <a:buNone/>
-                      </a:pPr>
-                      <a:r>
-                        <a:rPr lang="en-US" sz="1800" u="none" strike="noStrike"/>
-                        <a:t>4</a:t>
-                      </a:r>
-                    </a:p>
-                  </a:txBody>
-                  <a:tcPr marL="9525" marR="9525" marT="9525" marB="0" anchor="b"/>
-                </a:tc>
-                <a:tc>
-                  <a:txBody>
-                    <a:bodyPr/>
-                    <a:lstStyle/>
-                    <a:p>
-                      <a:pPr marL="0" marR="0" lvl="0" indent="0" algn="r" rtl="0">
-                        <a:spcBef>
-                          <a:spcPts val="0"/>
-                        </a:spcBef>
-                        <a:buSzPct val="25000"/>
-                        <a:buNone/>
-                      </a:pPr>
-                      <a:r>
-                        <a:rPr lang="en-US" sz="1800" u="none" strike="noStrike"/>
-                        <a:t>42</a:t>
-                      </a:r>
-                    </a:p>
-                  </a:txBody>
-                  <a:tcPr marL="9525" marR="9525" marT="9525" marB="0" anchor="b"/>
-                </a:tc>
-                <a:tc>
-                  <a:txBody>
-                    <a:bodyPr/>
-                    <a:lstStyle/>
-                    <a:p>
-                      <a:pPr marL="0" marR="0" lvl="0" indent="0" algn="r" rtl="0">
-                        <a:spcBef>
-                          <a:spcPts val="0"/>
-                        </a:spcBef>
-                        <a:buSzPct val="25000"/>
-                        <a:buNone/>
-                      </a:pPr>
-                      <a:r>
-                        <a:rPr lang="en-US" sz="1800" u="none" strike="noStrike"/>
-                        <a:t>75</a:t>
-                      </a:r>
-                    </a:p>
-                  </a:txBody>
-                  <a:tcPr marL="9525" marR="9525" marT="9525" marB="0" anchor="b"/>
-                </a:tc>
-                <a:tc>
-                  <a:txBody>
-                    <a:bodyPr/>
-                    <a:lstStyle/>
-                    <a:p>
-                      <a:pPr marL="0" marR="0" lvl="0" indent="0" algn="r" rtl="0">
-                        <a:spcBef>
-                          <a:spcPts val="0"/>
-                        </a:spcBef>
-                        <a:buSzPct val="25000"/>
-                        <a:buNone/>
-                      </a:pPr>
-                      <a:r>
-                        <a:rPr lang="en-US" sz="1800" b="0" i="0" u="none" strike="noStrike">
-                          <a:solidFill>
-                            <a:srgbClr val="000000"/>
-                          </a:solidFill>
-                          <a:latin typeface="Gill Sans MT"/>
-                          <a:ea typeface="Gill Sans MT"/>
-                          <a:cs typeface="Gill Sans MT"/>
-                          <a:sym typeface="Gill Sans MT"/>
-                        </a:rPr>
-                        <a:t>81.3</a:t>
-                      </a:r>
-                    </a:p>
-                  </a:txBody>
-                  <a:tcPr marL="9525" marR="9525" marT="9525" marB="0" anchor="b"/>
-                </a:tc>
-                <a:tc>
-                  <a:txBody>
-                    <a:bodyPr/>
-                    <a:lstStyle/>
-                    <a:p>
-                      <a:pPr marL="0" marR="0" lvl="0" indent="0" algn="r" rtl="0">
-                        <a:spcBef>
-                          <a:spcPts val="0"/>
-                        </a:spcBef>
-                        <a:buSzPct val="25000"/>
-                        <a:buNone/>
-                      </a:pPr>
-                      <a:r>
-                        <a:rPr lang="en-US" sz="1800" b="0" i="0" u="none" strike="noStrike">
-                          <a:solidFill>
-                            <a:srgbClr val="000000"/>
-                          </a:solidFill>
-                          <a:latin typeface="Gill Sans MT"/>
-                          <a:ea typeface="Gill Sans MT"/>
-                          <a:cs typeface="Gill Sans MT"/>
-                          <a:sym typeface="Gill Sans MT"/>
-                        </a:rPr>
-                        <a:t>-6.3</a:t>
-                      </a:r>
-                    </a:p>
-                  </a:txBody>
-                  <a:tcPr marL="9525" marR="9525" marT="9525" marB="0" anchor="b"/>
-                </a:tc>
-                <a:extLst>
-                  <a:ext uri="{0D108BD9-81ED-4DB2-BD59-A6C34878D82A}">
-                    <a16:rowId xmlns:a16="http://schemas.microsoft.com/office/drawing/2014/main" val="10004"/>
-                  </a:ext>
-                </a:extLst>
-              </a:tr>
-              <a:tr h="253050">
-                <a:tc>
-                  <a:txBody>
-                    <a:bodyPr/>
-                    <a:lstStyle/>
-                    <a:p>
-                      <a:pPr marL="0" marR="0" lvl="0" indent="0" algn="r" rtl="0">
-                        <a:spcBef>
-                          <a:spcPts val="0"/>
-                        </a:spcBef>
-                        <a:buSzPct val="25000"/>
-                        <a:buNone/>
-                      </a:pPr>
-                      <a:r>
-                        <a:rPr lang="en-US" sz="1800" u="none" strike="noStrike"/>
-                        <a:t>5</a:t>
-                      </a:r>
-                    </a:p>
-                  </a:txBody>
-                  <a:tcPr marL="9525" marR="9525" marT="9525" marB="0" anchor="b"/>
-                </a:tc>
-                <a:tc>
-                  <a:txBody>
-                    <a:bodyPr/>
-                    <a:lstStyle/>
-                    <a:p>
-                      <a:pPr marL="0" marR="0" lvl="0" indent="0" algn="r" rtl="0">
-                        <a:spcBef>
-                          <a:spcPts val="0"/>
-                        </a:spcBef>
-                        <a:buSzPct val="25000"/>
-                        <a:buNone/>
-                      </a:pPr>
-                      <a:r>
-                        <a:rPr lang="en-US" sz="1800" u="none" strike="noStrike"/>
-                        <a:t>57</a:t>
-                      </a:r>
-                    </a:p>
-                  </a:txBody>
-                  <a:tcPr marL="9525" marR="9525" marT="9525" marB="0" anchor="b"/>
-                </a:tc>
-                <a:tc>
-                  <a:txBody>
-                    <a:bodyPr/>
-                    <a:lstStyle/>
-                    <a:p>
-                      <a:pPr marL="0" marR="0" lvl="0" indent="0" algn="r" rtl="0">
-                        <a:spcBef>
-                          <a:spcPts val="0"/>
-                        </a:spcBef>
-                        <a:buSzPct val="25000"/>
-                        <a:buNone/>
-                      </a:pPr>
-                      <a:r>
-                        <a:rPr lang="en-US" sz="1800" u="none" strike="noStrike"/>
-                        <a:t>87</a:t>
-                      </a:r>
-                    </a:p>
-                  </a:txBody>
-                  <a:tcPr marL="9525" marR="9525" marT="9525" marB="0" anchor="b"/>
-                </a:tc>
-                <a:tc>
-                  <a:txBody>
-                    <a:bodyPr/>
-                    <a:lstStyle/>
-                    <a:p>
-                      <a:pPr marL="0" marR="0" lvl="0" indent="0" algn="r" rtl="0">
-                        <a:spcBef>
-                          <a:spcPts val="0"/>
-                        </a:spcBef>
-                        <a:buSzPct val="25000"/>
-                        <a:buNone/>
-                      </a:pPr>
-                      <a:r>
-                        <a:rPr lang="en-US" sz="1800" b="0" i="0" u="none" strike="noStrike">
-                          <a:solidFill>
-                            <a:srgbClr val="000000"/>
-                          </a:solidFill>
-                          <a:latin typeface="Gill Sans MT"/>
-                          <a:ea typeface="Gill Sans MT"/>
-                          <a:cs typeface="Gill Sans MT"/>
-                          <a:sym typeface="Gill Sans MT"/>
-                        </a:rPr>
-                        <a:t>87.1</a:t>
-                      </a:r>
-                    </a:p>
-                  </a:txBody>
-                  <a:tcPr marL="9525" marR="9525" marT="9525" marB="0" anchor="b"/>
-                </a:tc>
-                <a:tc>
-                  <a:txBody>
-                    <a:bodyPr/>
-                    <a:lstStyle/>
-                    <a:p>
-                      <a:pPr marL="0" marR="0" lvl="0" indent="0" algn="r" rtl="0">
-                        <a:spcBef>
-                          <a:spcPts val="0"/>
-                        </a:spcBef>
-                        <a:buSzPct val="25000"/>
-                        <a:buNone/>
-                      </a:pPr>
-                      <a:r>
-                        <a:rPr lang="en-US" sz="1800" b="0" i="0" u="none" strike="noStrike">
-                          <a:solidFill>
-                            <a:srgbClr val="000000"/>
-                          </a:solidFill>
-                          <a:latin typeface="Gill Sans MT"/>
-                          <a:ea typeface="Gill Sans MT"/>
-                          <a:cs typeface="Gill Sans MT"/>
-                          <a:sym typeface="Gill Sans MT"/>
-                        </a:rPr>
-                        <a:t>-.1</a:t>
-                      </a:r>
-                    </a:p>
-                  </a:txBody>
-                  <a:tcPr marL="9525" marR="9525" marT="9525" marB="0" anchor="b"/>
-                </a:tc>
-                <a:extLst>
-                  <a:ext uri="{0D108BD9-81ED-4DB2-BD59-A6C34878D82A}">
-                    <a16:rowId xmlns:a16="http://schemas.microsoft.com/office/drawing/2014/main" val="10005"/>
-                  </a:ext>
-                </a:extLst>
-              </a:tr>
-              <a:tr h="253050">
-                <a:tc>
-                  <a:txBody>
-                    <a:bodyPr/>
-                    <a:lstStyle/>
-                    <a:p>
-                      <a:pPr marL="0" marR="0" lvl="0" indent="0" algn="r" rtl="0">
-                        <a:spcBef>
-                          <a:spcPts val="0"/>
-                        </a:spcBef>
-                        <a:buSzPct val="25000"/>
-                        <a:buNone/>
-                      </a:pPr>
-                      <a:r>
-                        <a:rPr lang="en-US" sz="1800" u="none" strike="noStrike"/>
-                        <a:t>6</a:t>
-                      </a:r>
-                    </a:p>
-                  </a:txBody>
-                  <a:tcPr marL="9525" marR="9525" marT="9525" marB="0" anchor="b"/>
-                </a:tc>
-                <a:tc>
-                  <a:txBody>
-                    <a:bodyPr/>
-                    <a:lstStyle/>
-                    <a:p>
-                      <a:pPr marL="0" marR="0" lvl="0" indent="0" algn="r" rtl="0">
-                        <a:spcBef>
-                          <a:spcPts val="0"/>
-                        </a:spcBef>
-                        <a:buSzPct val="25000"/>
-                        <a:buNone/>
-                      </a:pPr>
-                      <a:r>
-                        <a:rPr lang="en-US" sz="1800" u="none" strike="noStrike"/>
-                        <a:t>59</a:t>
-                      </a:r>
-                    </a:p>
-                  </a:txBody>
-                  <a:tcPr marL="9525" marR="9525" marT="9525" marB="0" anchor="b"/>
-                </a:tc>
-                <a:tc>
-                  <a:txBody>
-                    <a:bodyPr/>
-                    <a:lstStyle/>
-                    <a:p>
-                      <a:pPr marL="0" marR="0" lvl="0" indent="0" algn="r" rtl="0">
-                        <a:spcBef>
-                          <a:spcPts val="0"/>
-                        </a:spcBef>
-                        <a:buSzPct val="25000"/>
-                        <a:buNone/>
-                      </a:pPr>
-                      <a:r>
-                        <a:rPr lang="en-US" sz="1800" u="none" strike="noStrike"/>
-                        <a:t>81</a:t>
-                      </a:r>
-                    </a:p>
-                  </a:txBody>
-                  <a:tcPr marL="9525" marR="9525" marT="9525" marB="0" anchor="b"/>
-                </a:tc>
-                <a:tc>
-                  <a:txBody>
-                    <a:bodyPr/>
-                    <a:lstStyle/>
-                    <a:p>
-                      <a:pPr marL="0" marR="0" lvl="0" indent="0" algn="r" rtl="0">
-                        <a:spcBef>
-                          <a:spcPts val="0"/>
-                        </a:spcBef>
-                        <a:buSzPct val="25000"/>
-                        <a:buNone/>
-                      </a:pPr>
-                      <a:r>
-                        <a:rPr lang="en-US" sz="1800" b="0" i="0" u="none" strike="noStrike">
-                          <a:solidFill>
-                            <a:srgbClr val="000000"/>
-                          </a:solidFill>
-                          <a:latin typeface="Gill Sans MT"/>
-                          <a:ea typeface="Gill Sans MT"/>
-                          <a:cs typeface="Gill Sans MT"/>
-                          <a:sym typeface="Gill Sans MT"/>
-                        </a:rPr>
-                        <a:t>87.1</a:t>
-                      </a:r>
-                    </a:p>
-                  </a:txBody>
-                  <a:tcPr marL="9525" marR="9525" marT="9525" marB="0" anchor="b"/>
-                </a:tc>
-                <a:tc>
-                  <a:txBody>
-                    <a:bodyPr/>
-                    <a:lstStyle/>
-                    <a:p>
-                      <a:pPr marL="0" marR="0" lvl="0" indent="0" algn="r" rtl="0">
-                        <a:spcBef>
-                          <a:spcPts val="0"/>
-                        </a:spcBef>
-                        <a:buSzPct val="25000"/>
-                        <a:buNone/>
-                      </a:pPr>
-                      <a:r>
-                        <a:rPr lang="en-US" sz="1800" b="0" i="0" u="none" strike="noStrike">
-                          <a:solidFill>
-                            <a:srgbClr val="000000"/>
-                          </a:solidFill>
-                          <a:latin typeface="Gill Sans MT"/>
-                          <a:ea typeface="Gill Sans MT"/>
-                          <a:cs typeface="Gill Sans MT"/>
-                          <a:sym typeface="Gill Sans MT"/>
-                        </a:rPr>
-                        <a:t>-6.9</a:t>
-                      </a:r>
-                    </a:p>
-                  </a:txBody>
-                  <a:tcPr marL="9525" marR="9525" marT="9525" marB="0" anchor="b"/>
-                </a:tc>
-                <a:extLst>
-                  <a:ext uri="{0D108BD9-81ED-4DB2-BD59-A6C34878D82A}">
-                    <a16:rowId xmlns:a16="http://schemas.microsoft.com/office/drawing/2014/main" val="10006"/>
-                  </a:ext>
-                </a:extLst>
-              </a:tr>
-              <a:tr h="253050">
-                <a:tc>
-                  <a:txBody>
-                    <a:bodyPr/>
-                    <a:lstStyle/>
-                    <a:p>
-                      <a:pPr marL="0" marR="0" lvl="0" indent="0" algn="r" rtl="0">
-                        <a:spcBef>
-                          <a:spcPts val="0"/>
-                        </a:spcBef>
-                        <a:buSzPct val="25000"/>
-                        <a:buNone/>
-                      </a:pPr>
-                      <a:r>
-                        <a:rPr lang="en-US" sz="1800" b="0" i="0" u="none" strike="noStrike">
-                          <a:solidFill>
-                            <a:srgbClr val="000000"/>
-                          </a:solidFill>
-                          <a:latin typeface="Calibri"/>
-                          <a:ea typeface="Calibri"/>
-                          <a:cs typeface="Calibri"/>
-                          <a:sym typeface="Calibri"/>
-                        </a:rPr>
-                        <a:t>Total</a:t>
-                      </a:r>
-                    </a:p>
-                  </a:txBody>
-                  <a:tcPr marL="9525" marR="9525" marT="9525" marB="0" anchor="b"/>
-                </a:tc>
-                <a:tc>
-                  <a:txBody>
-                    <a:bodyPr/>
-                    <a:lstStyle/>
-                    <a:p>
-                      <a:pPr marL="0" marR="0" lvl="0" indent="0" algn="r" rtl="0">
-                        <a:spcBef>
-                          <a:spcPts val="0"/>
-                        </a:spcBef>
-                        <a:buSzPct val="25000"/>
-                        <a:buNone/>
-                      </a:pPr>
-                      <a:r>
-                        <a:rPr lang="en-US" sz="1800" b="0" i="0" u="none" strike="noStrike">
-                          <a:solidFill>
-                            <a:srgbClr val="000000"/>
-                          </a:solidFill>
-                          <a:latin typeface="Calibri"/>
-                          <a:ea typeface="Calibri"/>
-                          <a:cs typeface="Calibri"/>
-                          <a:sym typeface="Calibri"/>
-                        </a:rPr>
-                        <a:t>247</a:t>
-                      </a:r>
-                    </a:p>
-                  </a:txBody>
-                  <a:tcPr marL="9525" marR="9525" marT="9525" marB="0" anchor="b"/>
-                </a:tc>
-                <a:tc>
-                  <a:txBody>
-                    <a:bodyPr/>
-                    <a:lstStyle/>
-                    <a:p>
-                      <a:pPr marL="0" marR="0" lvl="0" indent="0" algn="r" rtl="0">
-                        <a:spcBef>
-                          <a:spcPts val="0"/>
-                        </a:spcBef>
-                        <a:buSzPct val="25000"/>
-                        <a:buNone/>
-                      </a:pPr>
-                      <a:r>
-                        <a:rPr lang="en-US" sz="1800" b="0" i="0" u="none" strike="noStrike">
-                          <a:solidFill>
-                            <a:srgbClr val="000000"/>
-                          </a:solidFill>
-                          <a:latin typeface="Calibri"/>
-                          <a:ea typeface="Calibri"/>
-                          <a:cs typeface="Calibri"/>
-                          <a:sym typeface="Calibri"/>
-                        </a:rPr>
-                        <a:t>486</a:t>
-                      </a:r>
-                    </a:p>
-                  </a:txBody>
-                  <a:tcPr marL="9525" marR="9525" marT="9525" marB="0" anchor="b"/>
-                </a:tc>
-                <a:tc>
-                  <a:txBody>
-                    <a:bodyPr/>
-                    <a:lstStyle/>
-                    <a:p>
-                      <a:pPr marL="0" marR="0" lvl="0" indent="0" algn="r" rtl="0">
-                        <a:spcBef>
-                          <a:spcPts val="0"/>
-                        </a:spcBef>
-                        <a:buSzPct val="25000"/>
-                        <a:buNone/>
-                      </a:pPr>
-                      <a:endParaRPr sz="1800" b="0" i="0" u="none" strike="noStrike">
-                        <a:solidFill>
-                          <a:srgbClr val="000000"/>
-                        </a:solidFill>
-                        <a:latin typeface="Gill Sans MT"/>
-                        <a:ea typeface="Gill Sans MT"/>
-                        <a:cs typeface="Gill Sans MT"/>
-                        <a:sym typeface="Gill Sans MT"/>
-                      </a:endParaRPr>
-                    </a:p>
-                  </a:txBody>
-                  <a:tcPr marL="9525" marR="9525" marT="9525" marB="0" anchor="b"/>
-                </a:tc>
-                <a:tc>
-                  <a:txBody>
-                    <a:bodyPr/>
-                    <a:lstStyle/>
-                    <a:p>
-                      <a:pPr marL="0" marR="0" lvl="0" indent="0" algn="r" rtl="0">
-                        <a:spcBef>
-                          <a:spcPts val="0"/>
-                        </a:spcBef>
-                        <a:buSzPct val="25000"/>
-                        <a:buNone/>
-                      </a:pPr>
-                      <a:endParaRPr sz="1800" b="0" i="0" u="none" strike="noStrike">
-                        <a:solidFill>
-                          <a:srgbClr val="000000"/>
-                        </a:solidFill>
-                        <a:latin typeface="Gill Sans MT"/>
-                        <a:ea typeface="Gill Sans MT"/>
-                        <a:cs typeface="Gill Sans MT"/>
-                        <a:sym typeface="Gill Sans MT"/>
-                      </a:endParaRPr>
-                    </a:p>
-                  </a:txBody>
-                  <a:tcPr marL="9525" marR="9525" marT="9525" marB="0" anchor="b"/>
-                </a:tc>
-                <a:extLst>
-                  <a:ext uri="{0D108BD9-81ED-4DB2-BD59-A6C34878D82A}">
-                    <a16:rowId xmlns:a16="http://schemas.microsoft.com/office/drawing/2014/main" val="10007"/>
-                  </a:ext>
-                </a:extLst>
-              </a:tr>
-            </a:tbl>
-          </a:graphicData>
-        </a:graphic>
-      </p:graphicFrame>
-      <p:sp>
-        <p:nvSpPr>
-          <p:cNvPr id="363" name="Shape 363" descr="http://upload.wikimedia.org/wikipedia/commons/c/c4/2-Dice-Icon.svg"/>
-          <p:cNvSpPr/>
-          <p:nvPr/>
-        </p:nvSpPr>
-        <p:spPr>
-          <a:xfrm>
-            <a:off x="155575" y="-144463"/>
-            <a:ext cx="304799" cy="304801"/>
-          </a:xfrm>
-          <a:prstGeom prst="rect">
-            <a:avLst/>
-          </a:prstGeom>
-          <a:noFill/>
-          <a:ln>
-            <a:noFill/>
-          </a:ln>
-        </p:spPr>
-        <p:txBody>
-          <a:bodyPr lIns="91425" tIns="45700" rIns="91425" bIns="45700" anchor="t" anchorCtr="0">
-            <a:noAutofit/>
-          </a:bodyPr>
-          <a:lstStyle/>
-          <a:p>
-            <a:pPr marL="0" marR="0" lvl="0" indent="0" algn="l" rtl="0">
-              <a:spcBef>
-                <a:spcPts val="0"/>
-              </a:spcBef>
-              <a:buNone/>
-            </a:pPr>
-            <a:endParaRPr sz="1800">
-              <a:solidFill>
-                <a:schemeClr val="dk1"/>
-              </a:solidFill>
-              <a:latin typeface="Gill Sans MT"/>
-              <a:ea typeface="Gill Sans MT"/>
-              <a:cs typeface="Gill Sans MT"/>
-              <a:sym typeface="Gill Sans MT"/>
-            </a:endParaRPr>
-          </a:p>
-        </p:txBody>
-      </p:sp>
-      <p:sp>
-        <p:nvSpPr>
-          <p:cNvPr id="364" name="Shape 364" descr="http://upload.wikimedia.org/wikipedia/commons/c/c4/2-Dice-Icon.svg"/>
-          <p:cNvSpPr/>
-          <p:nvPr/>
-        </p:nvSpPr>
-        <p:spPr>
-          <a:xfrm>
-            <a:off x="307975" y="7937"/>
-            <a:ext cx="304799" cy="304801"/>
-          </a:xfrm>
-          <a:prstGeom prst="rect">
-            <a:avLst/>
-          </a:prstGeom>
-          <a:noFill/>
-          <a:ln>
-            <a:noFill/>
-          </a:ln>
-        </p:spPr>
-        <p:txBody>
-          <a:bodyPr lIns="91425" tIns="45700" rIns="91425" bIns="45700" anchor="t" anchorCtr="0">
-            <a:noAutofit/>
-          </a:bodyPr>
-          <a:lstStyle/>
-          <a:p>
-            <a:pPr marL="0" marR="0" lvl="0" indent="0" algn="l" rtl="0">
-              <a:spcBef>
-                <a:spcPts val="0"/>
-              </a:spcBef>
-              <a:buNone/>
-            </a:pPr>
-            <a:endParaRPr sz="1800">
-              <a:solidFill>
-                <a:schemeClr val="dk1"/>
-              </a:solidFill>
-              <a:latin typeface="Gill Sans MT"/>
-              <a:ea typeface="Gill Sans MT"/>
-              <a:cs typeface="Gill Sans MT"/>
-              <a:sym typeface="Gill Sans MT"/>
-            </a:endParaRPr>
-          </a:p>
-        </p:txBody>
-      </p:sp>
-      <p:sp>
-        <p:nvSpPr>
-          <p:cNvPr id="365" name="Shape 365"/>
-          <p:cNvSpPr txBox="1"/>
-          <p:nvPr/>
-        </p:nvSpPr>
-        <p:spPr>
-          <a:xfrm>
-            <a:off x="431800" y="262950"/>
-            <a:ext cx="8524800" cy="584700"/>
-          </a:xfrm>
-          <a:prstGeom prst="rect">
-            <a:avLst/>
-          </a:prstGeom>
-          <a:noFill/>
-          <a:ln>
-            <a:noFill/>
-          </a:ln>
-        </p:spPr>
-        <p:txBody>
-          <a:bodyPr lIns="91425" tIns="45700" rIns="91425" bIns="45700" anchor="t" anchorCtr="0">
-            <a:noAutofit/>
-          </a:bodyPr>
-          <a:lstStyle/>
-          <a:p>
-            <a:pPr marL="0" marR="0" lvl="0" indent="0" algn="l" rtl="0">
-              <a:spcBef>
-                <a:spcPts val="0"/>
-              </a:spcBef>
-              <a:buSzPct val="25000"/>
-              <a:buNone/>
-            </a:pPr>
-            <a:r>
-              <a:rPr lang="en-US" sz="3200" dirty="0">
-                <a:solidFill>
-                  <a:srgbClr val="FFFF66"/>
-                </a:solidFill>
-                <a:latin typeface="Gill Sans MT"/>
-                <a:ea typeface="Gill Sans MT"/>
-                <a:cs typeface="Gill Sans MT"/>
-                <a:sym typeface="Gill Sans MT"/>
-              </a:rPr>
-              <a:t>Model fit is also calculated through ANOVA</a:t>
-            </a:r>
-          </a:p>
-        </p:txBody>
-      </p:sp>
-      <p:sp>
-        <p:nvSpPr>
-          <p:cNvPr id="366" name="Shape 366"/>
-          <p:cNvSpPr txBox="1"/>
-          <p:nvPr/>
-        </p:nvSpPr>
-        <p:spPr>
-          <a:xfrm>
-            <a:off x="307975" y="4114800"/>
-            <a:ext cx="5226000" cy="831000"/>
-          </a:xfrm>
-          <a:prstGeom prst="rect">
-            <a:avLst/>
-          </a:prstGeom>
-          <a:noFill/>
-          <a:ln>
-            <a:noFill/>
-          </a:ln>
-        </p:spPr>
-        <p:txBody>
-          <a:bodyPr lIns="91425" tIns="45700" rIns="91425" bIns="45700" anchor="t" anchorCtr="0">
-            <a:noAutofit/>
-          </a:bodyPr>
-          <a:lstStyle/>
-          <a:p>
-            <a:pPr marL="0" marR="0" lvl="0" indent="0" algn="l" rtl="0">
-              <a:spcBef>
-                <a:spcPts val="0"/>
-              </a:spcBef>
-              <a:buSzPct val="25000"/>
-              <a:buNone/>
-            </a:pPr>
-            <a:r>
-              <a:rPr lang="en-US" sz="2400">
-                <a:solidFill>
-                  <a:srgbClr val="FFFF66"/>
-                </a:solidFill>
-                <a:latin typeface="Gill Sans MT"/>
-                <a:ea typeface="Gill Sans MT"/>
-                <a:cs typeface="Gill Sans MT"/>
-                <a:sym typeface="Gill Sans MT"/>
-              </a:rPr>
-              <a:t>What’s the variance of these two groups relative to the mean of y (81)?</a:t>
-            </a:r>
-          </a:p>
-        </p:txBody>
-      </p:sp>
-      <p:cxnSp>
-        <p:nvCxnSpPr>
-          <p:cNvPr id="367" name="Shape 367"/>
-          <p:cNvCxnSpPr/>
-          <p:nvPr/>
-        </p:nvCxnSpPr>
-        <p:spPr>
-          <a:xfrm rot="10800000" flipH="1">
-            <a:off x="4724400" y="3657601"/>
-            <a:ext cx="1219199" cy="685798"/>
-          </a:xfrm>
-          <a:prstGeom prst="straightConnector1">
-            <a:avLst/>
-          </a:prstGeom>
-          <a:noFill/>
-          <a:ln w="28575" cap="flat" cmpd="sng">
-            <a:solidFill>
-              <a:srgbClr val="FF0000"/>
-            </a:solidFill>
-            <a:prstDash val="solid"/>
-            <a:round/>
-            <a:headEnd type="none" w="med" len="med"/>
-            <a:tailEnd type="stealth" w="lg" len="lg"/>
-          </a:ln>
-        </p:spPr>
-      </p:cxnSp>
-      <p:cxnSp>
-        <p:nvCxnSpPr>
-          <p:cNvPr id="368" name="Shape 368"/>
-          <p:cNvCxnSpPr/>
-          <p:nvPr/>
-        </p:nvCxnSpPr>
-        <p:spPr>
-          <a:xfrm rot="10800000" flipH="1">
-            <a:off x="4876800" y="3657602"/>
-            <a:ext cx="2514599" cy="872696"/>
-          </a:xfrm>
-          <a:prstGeom prst="straightConnector1">
-            <a:avLst/>
-          </a:prstGeom>
-          <a:noFill/>
-          <a:ln w="28575" cap="flat" cmpd="sng">
-            <a:solidFill>
-              <a:srgbClr val="FF0000"/>
-            </a:solidFill>
-            <a:prstDash val="solid"/>
-            <a:round/>
-            <a:headEnd type="none" w="med" len="med"/>
-            <a:tailEnd type="stealth" w="lg" len="lg"/>
-          </a:ln>
-        </p:spPr>
-      </p:cxnSp>
-      <p:sp>
-        <p:nvSpPr>
-          <p:cNvPr id="369" name="Shape 369"/>
-          <p:cNvSpPr txBox="1"/>
-          <p:nvPr/>
-        </p:nvSpPr>
-        <p:spPr>
-          <a:xfrm>
-            <a:off x="228600" y="5029200"/>
-            <a:ext cx="8915400" cy="1200329"/>
-          </a:xfrm>
-          <a:prstGeom prst="rect">
-            <a:avLst/>
-          </a:prstGeom>
-          <a:noFill/>
-          <a:ln>
-            <a:noFill/>
-          </a:ln>
-        </p:spPr>
-        <p:txBody>
-          <a:bodyPr lIns="91425" tIns="45700" rIns="91425" bIns="45700" anchor="t" anchorCtr="0">
-            <a:noAutofit/>
-          </a:bodyPr>
-          <a:lstStyle/>
-          <a:p>
-            <a:pPr marL="0" marR="0" lvl="0" indent="0" algn="l" rtl="0">
-              <a:spcBef>
-                <a:spcPts val="0"/>
-              </a:spcBef>
-              <a:buSzPct val="25000"/>
-              <a:buNone/>
-            </a:pPr>
-            <a:r>
-              <a:rPr lang="en-US" sz="2400">
-                <a:solidFill>
-                  <a:srgbClr val="FFFF66"/>
-                </a:solidFill>
-                <a:latin typeface="Gill Sans MT"/>
-                <a:ea typeface="Gill Sans MT"/>
-                <a:cs typeface="Gill Sans MT"/>
-                <a:sym typeface="Gill Sans MT"/>
-              </a:rPr>
-              <a:t>This is calculated by squaring and summing two things:</a:t>
-            </a:r>
-            <a:br>
-              <a:rPr lang="en-US" sz="2400">
-                <a:solidFill>
-                  <a:srgbClr val="FFFF66"/>
-                </a:solidFill>
-                <a:latin typeface="Gill Sans MT"/>
-                <a:ea typeface="Gill Sans MT"/>
-                <a:cs typeface="Gill Sans MT"/>
-                <a:sym typeface="Gill Sans MT"/>
-              </a:rPr>
-            </a:br>
-            <a:r>
-              <a:rPr lang="en-US" sz="2400">
-                <a:solidFill>
-                  <a:srgbClr val="FFFF66"/>
-                </a:solidFill>
-                <a:latin typeface="Gill Sans MT"/>
-                <a:ea typeface="Gill Sans MT"/>
-                <a:cs typeface="Gill Sans MT"/>
-                <a:sym typeface="Gill Sans MT"/>
-              </a:rPr>
-              <a:t>1) Diff. of predicted values and the mean (variance between groups) </a:t>
-            </a:r>
-          </a:p>
-          <a:p>
-            <a:pPr marL="0" marR="0" lvl="0" indent="0" algn="l" rtl="0">
-              <a:spcBef>
-                <a:spcPts val="0"/>
-              </a:spcBef>
-              <a:buSzPct val="25000"/>
-              <a:buNone/>
-            </a:pPr>
-            <a:r>
-              <a:rPr lang="en-US" sz="2400">
-                <a:solidFill>
-                  <a:srgbClr val="FFFF66"/>
-                </a:solidFill>
-                <a:latin typeface="Gill Sans MT"/>
-                <a:ea typeface="Gill Sans MT"/>
-                <a:cs typeface="Gill Sans MT"/>
-                <a:sym typeface="Gill Sans MT"/>
-              </a:rPr>
-              <a:t>2) Diff. of predicted values and actual values (variance within groups) </a:t>
-            </a:r>
-          </a:p>
-        </p:txBody>
-      </p:sp>
-    </p:spTree>
-    <p:extLst>
-      <p:ext uri="{BB962C8B-B14F-4D97-AF65-F5344CB8AC3E}">
-        <p14:creationId xmlns:p14="http://schemas.microsoft.com/office/powerpoint/2010/main" val="2097310944"/>
-      </p:ext>
-    </p:extLst>
-  </p:cSld>
-  <p:clrMapOvr>
-    <a:masterClrMapping/>
-  </p:clrMapOvr>
-  <p:timing>
-    <p:tnLst>
-      <p:par>
-        <p:cTn id="1" dur="indefinite" restart="never" nodeType="tmRoot"/>
-      </p:par>
-    </p:tnLst>
-  </p:timing>
-</p:sld>
-</file>
-
-<file path=ppt/slides/slide25.xml><?xml version="1.0" encoding="utf-8"?>
+<file path=ppt/slides/slide21.xml><?xml version="1.0" encoding="utf-8"?>
 <p:sld xmlns:a="http://schemas.openxmlformats.org/drawingml/2006/main" xmlns:r="http://schemas.openxmlformats.org/officeDocument/2006/relationships" xmlns:p="http://schemas.openxmlformats.org/presentationml/2006/main">
   <p:cSld>
     <p:spTree>
@@ -33254,7 +29705,7 @@
 </p:sld>
 </file>
 
-<file path=ppt/slides/slide26.xml><?xml version="1.0" encoding="utf-8"?>
+<file path=ppt/slides/slide22.xml><?xml version="1.0" encoding="utf-8"?>
 <p:sld xmlns:a="http://schemas.openxmlformats.org/drawingml/2006/main" xmlns:r="http://schemas.openxmlformats.org/officeDocument/2006/relationships" xmlns:p="http://schemas.openxmlformats.org/presentationml/2006/main">
   <p:cSld>
     <p:spTree>
@@ -33735,7 +30186,7 @@
 </p:sld>
 </file>
 
-<file path=ppt/slides/slide27.xml><?xml version="1.0" encoding="utf-8"?>
+<file path=ppt/slides/slide23.xml><?xml version="1.0" encoding="utf-8"?>
 <p:sld xmlns:a="http://schemas.openxmlformats.org/drawingml/2006/main" xmlns:r="http://schemas.openxmlformats.org/officeDocument/2006/relationships" xmlns:p="http://schemas.openxmlformats.org/presentationml/2006/main">
   <p:cSld>
     <p:spTree>
@@ -35090,7 +31541,7 @@
 </p:sld>
 </file>
 
-<file path=ppt/slides/slide28.xml><?xml version="1.0" encoding="utf-8"?>
+<file path=ppt/slides/slide24.xml><?xml version="1.0" encoding="utf-8"?>
 <p:sld xmlns:a="http://schemas.openxmlformats.org/drawingml/2006/main" xmlns:r="http://schemas.openxmlformats.org/officeDocument/2006/relationships" xmlns:p="http://schemas.openxmlformats.org/presentationml/2006/main">
   <p:cSld>
     <p:spTree>
@@ -35522,7 +31973,7 @@
 </p:sld>
 </file>
 
-<file path=ppt/slides/slide29.xml><?xml version="1.0" encoding="utf-8"?>
+<file path=ppt/slides/slide25.xml><?xml version="1.0" encoding="utf-8"?>
 <p:sld xmlns:a="http://schemas.openxmlformats.org/drawingml/2006/main" xmlns:r="http://schemas.openxmlformats.org/officeDocument/2006/relationships" xmlns:p="http://schemas.openxmlformats.org/presentationml/2006/main">
   <p:cSld>
     <p:spTree>
@@ -38695,60 +35146,10 @@
                 <a:cs typeface="Gill Sans MT"/>
                 <a:sym typeface="Gill Sans MT"/>
               </a:rPr>
-              <a:t>Linear relationship between variables</a:t>
-            </a:r>
-          </a:p>
-          <a:p>
-            <a:pPr marL="571500" marR="0" lvl="0" indent="-571500" algn="l" rtl="0">
-              <a:spcBef>
-                <a:spcPts val="0"/>
-              </a:spcBef>
-              <a:buClr>
-                <a:srgbClr val="FFFF66"/>
-              </a:buClr>
-              <a:buSzPct val="100000"/>
-              <a:buFont typeface="Arial"/>
-              <a:buChar char="•"/>
-            </a:pPr>
-            <a:r>
-              <a:rPr lang="en-US" sz="3600" dirty="0">
-                <a:solidFill>
-                  <a:srgbClr val="FFFF66"/>
-                </a:solidFill>
-                <a:latin typeface="Gill Sans MT"/>
-                <a:ea typeface="Gill Sans MT"/>
-                <a:cs typeface="Gill Sans MT"/>
-                <a:sym typeface="Gill Sans MT"/>
-              </a:rPr>
-              <a:t>Normality and homogeneous variance of residuals (error)</a:t>
-            </a:r>
-          </a:p>
-          <a:p>
-            <a:pPr marL="571500" marR="0" lvl="0" indent="-571500" algn="l" rtl="0">
-              <a:spcBef>
-                <a:spcPts val="0"/>
-              </a:spcBef>
-              <a:buClr>
-                <a:srgbClr val="FFFF66"/>
-              </a:buClr>
-              <a:buSzPct val="100000"/>
-              <a:buFont typeface="Arial"/>
-              <a:buChar char="•"/>
-            </a:pPr>
-            <a:r>
-              <a:rPr lang="en-US" sz="3600" dirty="0">
-                <a:solidFill>
-                  <a:srgbClr val="FFFF66"/>
-                </a:solidFill>
-                <a:latin typeface="Gill Sans MT"/>
-                <a:ea typeface="Gill Sans MT"/>
-                <a:cs typeface="Gill Sans MT"/>
-                <a:sym typeface="Gill Sans MT"/>
-              </a:rPr>
-              <a:t>Uncorrelated independent variables (No </a:t>
+              <a:t>Linear relationship between </a:t>
             </a:r>
             <a:r>
-              <a:rPr lang="en-US" sz="3600" dirty="0" err="1">
+              <a:rPr lang="en-US" sz="3600" dirty="0" smtClean="0">
                 <a:solidFill>
                   <a:srgbClr val="FFFF66"/>
                 </a:solidFill>
@@ -38757,45 +35158,17 @@
                 <a:cs typeface="Gill Sans MT"/>
                 <a:sym typeface="Gill Sans MT"/>
               </a:rPr>
-              <a:t>multicollinearity</a:t>
+              <a:t>variables</a:t>
             </a:r>
-            <a:r>
-              <a:rPr lang="en-US" sz="3600" dirty="0">
-                <a:solidFill>
-                  <a:srgbClr val="FFFF66"/>
-                </a:solidFill>
-                <a:latin typeface="Gill Sans MT"/>
-                <a:ea typeface="Gill Sans MT"/>
-                <a:cs typeface="Gill Sans MT"/>
-                <a:sym typeface="Gill Sans MT"/>
-              </a:rPr>
-              <a:t>)</a:t>
-            </a:r>
-          </a:p>
-          <a:p>
-            <a:pPr marL="571500" marR="0" lvl="0" indent="-571500" algn="l" rtl="0">
-              <a:spcBef>
-                <a:spcPts val="0"/>
-              </a:spcBef>
-              <a:buClr>
+            <a:endParaRPr lang="en-US" sz="3600" dirty="0">
+              <a:solidFill>
                 <a:srgbClr val="FFFF66"/>
-              </a:buClr>
-              <a:buSzPct val="100000"/>
-              <a:buFont typeface="Arial"/>
-              <a:buChar char="•"/>
-            </a:pPr>
-            <a:r>
-              <a:rPr lang="en-US" sz="3600" dirty="0">
-                <a:solidFill>
-                  <a:srgbClr val="FFFF66"/>
-                </a:solidFill>
-                <a:latin typeface="Gill Sans MT"/>
-                <a:ea typeface="Gill Sans MT"/>
-                <a:cs typeface="Gill Sans MT"/>
-                <a:sym typeface="Gill Sans MT"/>
-              </a:rPr>
-              <a:t>Lack of outliers</a:t>
-            </a:r>
+              </a:solidFill>
+              <a:latin typeface="Gill Sans MT"/>
+              <a:ea typeface="Gill Sans MT"/>
+              <a:cs typeface="Gill Sans MT"/>
+              <a:sym typeface="Gill Sans MT"/>
+            </a:endParaRPr>
           </a:p>
         </p:txBody>
       </p:sp>
@@ -39041,189 +35414,6 @@
                       </p:childTnLst>
                     </p:cTn>
                   </p:par>
-                  <p:par>
-                    <p:cTn id="18" fill="hold">
-                      <p:stCondLst>
-                        <p:cond delay="indefinite"/>
-                      </p:stCondLst>
-                      <p:childTnLst>
-                        <p:par>
-                          <p:cTn id="19" fill="hold">
-                            <p:stCondLst>
-                              <p:cond delay="0"/>
-                            </p:stCondLst>
-                            <p:childTnLst>
-                              <p:par>
-                                <p:cTn id="20" presetID="10" presetClass="entr" presetSubtype="0" fill="hold" nodeType="clickEffect">
-                                  <p:stCondLst>
-                                    <p:cond delay="0"/>
-                                  </p:stCondLst>
-                                  <p:childTnLst>
-                                    <p:set>
-                                      <p:cBhvr>
-                                        <p:cTn id="21" dur="1" fill="hold">
-                                          <p:stCondLst>
-                                            <p:cond delay="0"/>
-                                          </p:stCondLst>
-                                        </p:cTn>
-                                        <p:tgtEl>
-                                          <p:spTgt spid="165">
-                                            <p:txEl>
-                                              <p:pRg st="5" end="5"/>
-                                            </p:txEl>
-                                          </p:spTgt>
-                                        </p:tgtEl>
-                                        <p:attrNameLst>
-                                          <p:attrName>style.visibility</p:attrName>
-                                        </p:attrNameLst>
-                                      </p:cBhvr>
-                                      <p:to>
-                                        <p:strVal val="visible"/>
-                                      </p:to>
-                                    </p:set>
-                                    <p:animEffect transition="in" filter="fade">
-                                      <p:cBhvr>
-                                        <p:cTn id="22" dur="1000"/>
-                                        <p:tgtEl>
-                                          <p:spTgt spid="165">
-                                            <p:txEl>
-                                              <p:pRg st="5" end="5"/>
-                                            </p:txEl>
-                                          </p:spTgt>
-                                        </p:tgtEl>
-                                      </p:cBhvr>
-                                    </p:animEffect>
-                                  </p:childTnLst>
-                                </p:cTn>
-                              </p:par>
-                            </p:childTnLst>
-                          </p:cTn>
-                        </p:par>
-                      </p:childTnLst>
-                    </p:cTn>
-                  </p:par>
-                  <p:par>
-                    <p:cTn id="23" fill="hold">
-                      <p:stCondLst>
-                        <p:cond delay="indefinite"/>
-                      </p:stCondLst>
-                      <p:childTnLst>
-                        <p:par>
-                          <p:cTn id="24" fill="hold">
-                            <p:stCondLst>
-                              <p:cond delay="0"/>
-                            </p:stCondLst>
-                            <p:childTnLst>
-                              <p:par>
-                                <p:cTn id="25" presetID="10" presetClass="entr" presetSubtype="0" fill="hold" nodeType="clickEffect">
-                                  <p:stCondLst>
-                                    <p:cond delay="0"/>
-                                  </p:stCondLst>
-                                  <p:childTnLst>
-                                    <p:set>
-                                      <p:cBhvr>
-                                        <p:cTn id="26" dur="1" fill="hold">
-                                          <p:stCondLst>
-                                            <p:cond delay="0"/>
-                                          </p:stCondLst>
-                                        </p:cTn>
-                                        <p:tgtEl>
-                                          <p:spTgt spid="165">
-                                            <p:txEl>
-                                              <p:pRg st="6" end="6"/>
-                                            </p:txEl>
-                                          </p:spTgt>
-                                        </p:tgtEl>
-                                        <p:attrNameLst>
-                                          <p:attrName>style.visibility</p:attrName>
-                                        </p:attrNameLst>
-                                      </p:cBhvr>
-                                      <p:to>
-                                        <p:strVal val="visible"/>
-                                      </p:to>
-                                    </p:set>
-                                    <p:animEffect transition="in" filter="fade">
-                                      <p:cBhvr>
-                                        <p:cTn id="27" dur="1000"/>
-                                        <p:tgtEl>
-                                          <p:spTgt spid="165">
-                                            <p:txEl>
-                                              <p:pRg st="6" end="6"/>
-                                            </p:txEl>
-                                          </p:spTgt>
-                                        </p:tgtEl>
-                                      </p:cBhvr>
-                                    </p:animEffect>
-                                  </p:childTnLst>
-                                </p:cTn>
-                              </p:par>
-                            </p:childTnLst>
-                          </p:cTn>
-                        </p:par>
-                      </p:childTnLst>
-                    </p:cTn>
-                  </p:par>
-                  <p:par>
-                    <p:cTn id="28" fill="hold">
-                      <p:stCondLst>
-                        <p:cond delay="indefinite"/>
-                      </p:stCondLst>
-                      <p:childTnLst>
-                        <p:par>
-                          <p:cTn id="29" fill="hold">
-                            <p:stCondLst>
-                              <p:cond delay="0"/>
-                            </p:stCondLst>
-                            <p:childTnLst>
-                              <p:par>
-                                <p:cTn id="30" presetID="10" presetClass="entr" presetSubtype="0" fill="hold" nodeType="clickEffect">
-                                  <p:stCondLst>
-                                    <p:cond delay="0"/>
-                                  </p:stCondLst>
-                                  <p:childTnLst>
-                                    <p:set>
-                                      <p:cBhvr>
-                                        <p:cTn id="31" dur="1" fill="hold">
-                                          <p:stCondLst>
-                                            <p:cond delay="0"/>
-                                          </p:stCondLst>
-                                        </p:cTn>
-                                        <p:tgtEl>
-                                          <p:spTgt spid="165">
-                                            <p:txEl>
-                                              <p:pRg st="7" end="7"/>
-                                            </p:txEl>
-                                          </p:spTgt>
-                                        </p:tgtEl>
-                                        <p:attrNameLst>
-                                          <p:attrName>style.visibility</p:attrName>
-                                        </p:attrNameLst>
-                                      </p:cBhvr>
-                                      <p:to>
-                                        <p:strVal val="visible"/>
-                                      </p:to>
-                                    </p:set>
-                                    <p:animEffect transition="in" filter="fade">
-                                      <p:cBhvr>
-                                        <p:cTn id="32" dur="1000"/>
-                                        <p:tgtEl>
-                                          <p:spTgt spid="165">
-                                            <p:txEl>
-                                              <p:pRg st="7" end="7"/>
-                                            </p:txEl>
-                                          </p:spTgt>
-                                        </p:tgtEl>
-                                      </p:cBhvr>
-                                    </p:animEffect>
-                                  </p:childTnLst>
-                                </p:cTn>
-                              </p:par>
-                            </p:childTnLst>
-                          </p:cTn>
-                        </p:par>
-                      </p:childTnLst>
-                    </p:cTn>
-                  </p:par>
                 </p:childTnLst>
               </p:cTn>
               <p:prevCondLst>
@@ -39430,7 +35620,7 @@
         </p:nvSpPr>
         <p:spPr>
           <a:xfrm>
-            <a:off x="307975" y="330268"/>
+            <a:off x="368991" y="150810"/>
             <a:ext cx="3353546" cy="830996"/>
           </a:xfrm>
           <a:prstGeom prst="rect">
@@ -39481,7 +35671,7 @@
         </p:nvSpPr>
         <p:spPr>
           <a:xfrm>
-            <a:off x="990600" y="1524000"/>
+            <a:off x="1047160" y="991332"/>
             <a:ext cx="7391399" cy="1569660"/>
           </a:xfrm>
           <a:prstGeom prst="rect">
@@ -39766,6 +35956,57 @@
           </a:ln>
         </p:spPr>
       </p:cxnSp>
+      <p:sp>
+        <p:nvSpPr>
+          <p:cNvPr id="15" name="Shape 195"/>
+          <p:cNvSpPr txBox="1"/>
+          <p:nvPr/>
+        </p:nvSpPr>
+        <p:spPr>
+          <a:xfrm>
+            <a:off x="1047161" y="2540322"/>
+            <a:ext cx="7391399" cy="1077217"/>
+          </a:xfrm>
+          <a:prstGeom prst="rect">
+            <a:avLst/>
+          </a:prstGeom>
+          <a:blipFill rotWithShape="1">
+            <a:blip r:embed="rId7">
+              <a:alphaModFix/>
+            </a:blip>
+            <a:stretch>
+              <a:fillRect l="-2144" t="-7344" r="-1072" b="-17512"/>
+            </a:stretch>
+          </a:blipFill>
+          <a:ln>
+            <a:noFill/>
+          </a:ln>
+        </p:spPr>
+        <p:txBody>
+          <a:bodyPr lIns="91425" tIns="45700" rIns="91425" bIns="45700" anchor="t" anchorCtr="0">
+            <a:noAutofit/>
+          </a:bodyPr>
+          <a:lstStyle/>
+          <a:p>
+            <a:pPr marL="0" marR="0" lvl="0" indent="0" algn="l" rtl="0">
+              <a:spcBef>
+                <a:spcPts val="0"/>
+              </a:spcBef>
+              <a:buSzPct val="25000"/>
+              <a:buNone/>
+            </a:pPr>
+            <a:r>
+              <a:rPr lang="en-US" sz="1800">
+                <a:latin typeface="Gill Sans MT"/>
+                <a:ea typeface="Gill Sans MT"/>
+                <a:cs typeface="Gill Sans MT"/>
+                <a:sym typeface="Gill Sans MT"/>
+              </a:rPr>
+              <a:t> </a:t>
+            </a:r>
+          </a:p>
+        </p:txBody>
+      </p:sp>
     </p:spTree>
   </p:cSld>
   <p:clrMapOvr>
@@ -39786,7 +36027,7 @@
   <p:cSld>
     <p:spTree>
       <p:nvGrpSpPr>
-        <p:cNvPr id="1" name="Shape 189"/>
+        <p:cNvPr id="1" name="Shape 207"/>
         <p:cNvGrpSpPr/>
         <p:nvPr/>
       </p:nvGrpSpPr>
@@ -39800,7 +36041,7 @@
       </p:grpSpPr>
       <p:sp>
         <p:nvSpPr>
-          <p:cNvPr id="190" name="Shape 190" descr="http://upload.wikimedia.org/wikipedia/commons/c/c4/2-Dice-Icon.svg"/>
+          <p:cNvPr id="208" name="Shape 208" descr="http://upload.wikimedia.org/wikipedia/commons/c/c4/2-Dice-Icon.svg"/>
           <p:cNvSpPr/>
           <p:nvPr/>
         </p:nvSpPr>
@@ -39829,7 +36070,7 @@
               </a:spcBef>
               <a:buNone/>
             </a:pPr>
-            <a:endParaRPr sz="1800">
+            <a:endParaRPr sz="2000">
               <a:solidFill>
                 <a:schemeClr val="dk1"/>
               </a:solidFill>
@@ -39843,7 +36084,7 @@
       </p:sp>
       <p:sp>
         <p:nvSpPr>
-          <p:cNvPr id="191" name="Shape 191" descr="http://upload.wikimedia.org/wikipedia/commons/c/c4/2-Dice-Icon.svg"/>
+          <p:cNvPr id="209" name="Shape 209" descr="http://upload.wikimedia.org/wikipedia/commons/c/c4/2-Dice-Icon.svg"/>
           <p:cNvSpPr/>
           <p:nvPr/>
         </p:nvSpPr>
@@ -39872,7 +36113,7 @@
               </a:spcBef>
               <a:buNone/>
             </a:pPr>
-            <a:endParaRPr sz="1800">
+            <a:endParaRPr sz="2000">
               <a:solidFill>
                 <a:schemeClr val="dk1"/>
               </a:solidFill>
@@ -39886,7 +36127,7 @@
       </p:sp>
       <p:sp>
         <p:nvSpPr>
-          <p:cNvPr id="192" name="Shape 192" descr="http://upload.wikimedia.org/wikipedia/commons/c/c4/2-Dice-Icon.svg"/>
+          <p:cNvPr id="210" name="Shape 210" descr="http://upload.wikimedia.org/wikipedia/commons/c/c4/2-Dice-Icon.svg"/>
           <p:cNvSpPr/>
           <p:nvPr/>
         </p:nvSpPr>
@@ -39915,7 +36156,7 @@
               </a:spcBef>
               <a:buNone/>
             </a:pPr>
-            <a:endParaRPr sz="1800">
+            <a:endParaRPr sz="2000">
               <a:solidFill>
                 <a:schemeClr val="dk1"/>
               </a:solidFill>
@@ -39929,7 +36170,7 @@
       </p:sp>
       <p:pic>
         <p:nvPicPr>
-          <p:cNvPr id="193" name="Shape 193" descr="scatter"/>
+          <p:cNvPr id="212" name="Shape 212" descr="cans"/>
           <p:cNvPicPr preferRelativeResize="0"/>
           <p:nvPr/>
         </p:nvPicPr>
@@ -39942,8 +36183,8 @@
         </p:blipFill>
         <p:spPr>
           <a:xfrm>
-            <a:off x="460375" y="3657600"/>
-            <a:ext cx="2892425" cy="2892425"/>
+            <a:off x="460375" y="1638300"/>
+            <a:ext cx="3382962" cy="3314700"/>
           </a:xfrm>
           <a:prstGeom prst="rect">
             <a:avLst/>
@@ -39956,14 +36197,14 @@
       </p:pic>
       <p:sp>
         <p:nvSpPr>
-          <p:cNvPr id="194" name="Shape 194"/>
+          <p:cNvPr id="214" name="Shape 214"/>
           <p:cNvSpPr txBox="1"/>
           <p:nvPr/>
         </p:nvSpPr>
         <p:spPr>
           <a:xfrm>
-            <a:off x="307975" y="330268"/>
-            <a:ext cx="3353546" cy="830996"/>
+            <a:off x="4561002" y="1638300"/>
+            <a:ext cx="3702680" cy="646331"/>
           </a:xfrm>
           <a:prstGeom prst="rect">
             <a:avLst/>
@@ -39994,7 +36235,7 @@
               <a:buNone/>
             </a:pPr>
             <a:r>
-              <a:rPr lang="en-US" sz="1800">
+              <a:rPr lang="en-US" sz="2000">
                 <a:latin typeface="Gill Sans MT"/>
                 <a:ea typeface="Gill Sans MT"/>
                 <a:cs typeface="Gill Sans MT"/>
@@ -40007,26 +36248,19 @@
       </p:sp>
       <p:sp>
         <p:nvSpPr>
-          <p:cNvPr id="195" name="Shape 195"/>
+          <p:cNvPr id="215" name="Shape 215"/>
           <p:cNvSpPr txBox="1"/>
           <p:nvPr/>
         </p:nvSpPr>
         <p:spPr>
           <a:xfrm>
-            <a:off x="990600" y="1524000"/>
-            <a:ext cx="7391399" cy="1077217"/>
+            <a:off x="307974" y="376100"/>
+            <a:ext cx="8440100" cy="523219"/>
           </a:xfrm>
           <a:prstGeom prst="rect">
             <a:avLst/>
           </a:prstGeom>
-          <a:blipFill rotWithShape="1">
-            <a:blip r:embed="rId5">
-              <a:alphaModFix/>
-            </a:blip>
-            <a:stretch>
-              <a:fillRect l="-2144" t="-7344" r="-1072" b="-17512"/>
-            </a:stretch>
-          </a:blipFill>
+          <a:noFill/>
           <a:ln>
             <a:noFill/>
           </a:ln>
@@ -40045,259 +36279,53 @@
               <a:buNone/>
             </a:pPr>
             <a:r>
-              <a:rPr lang="en-US" sz="1800">
+              <a:rPr lang="en-US" sz="3200" dirty="0" smtClean="0">
+                <a:solidFill>
+                  <a:srgbClr val="FFFF66"/>
+                </a:solidFill>
                 <a:latin typeface="Gill Sans MT"/>
                 <a:ea typeface="Gill Sans MT"/>
                 <a:cs typeface="Gill Sans MT"/>
                 <a:sym typeface="Gill Sans MT"/>
               </a:rPr>
-              <a:t> </a:t>
+              <a:t>Cans vs. money in the vending machine </a:t>
+            </a:r>
+          </a:p>
+          <a:p>
+            <a:pPr marL="0" marR="0" lvl="0" indent="0" algn="l" rtl="0">
+              <a:spcBef>
+                <a:spcPts val="0"/>
+              </a:spcBef>
+              <a:buSzPct val="25000"/>
+              <a:buNone/>
+            </a:pPr>
+            <a:r>
+              <a:rPr lang="en-US" sz="3200" dirty="0" smtClean="0">
+                <a:solidFill>
+                  <a:srgbClr val="FFFF66"/>
+                </a:solidFill>
+                <a:latin typeface="Gill Sans MT"/>
+                <a:ea typeface="Gill Sans MT"/>
+                <a:cs typeface="Gill Sans MT"/>
+                <a:sym typeface="Gill Sans MT"/>
+              </a:rPr>
+              <a:t>How </a:t>
+            </a:r>
+            <a:r>
+              <a:rPr lang="en-US" sz="3200" dirty="0">
+                <a:solidFill>
+                  <a:srgbClr val="FFFF66"/>
+                </a:solidFill>
+                <a:latin typeface="Gill Sans MT"/>
+                <a:ea typeface="Gill Sans MT"/>
+                <a:cs typeface="Gill Sans MT"/>
+                <a:sym typeface="Gill Sans MT"/>
+              </a:rPr>
+              <a:t>would you interpret this equation?</a:t>
             </a:r>
           </a:p>
         </p:txBody>
       </p:sp>
-      <p:sp>
-        <p:nvSpPr>
-          <p:cNvPr id="196" name="Shape 196"/>
-          <p:cNvSpPr/>
-          <p:nvPr/>
-        </p:nvSpPr>
-        <p:spPr>
-          <a:xfrm>
-            <a:off x="3661521" y="4206358"/>
-            <a:ext cx="4280594" cy="1611916"/>
-          </a:xfrm>
-          <a:prstGeom prst="rect">
-            <a:avLst/>
-          </a:prstGeom>
-          <a:blipFill rotWithShape="1">
-            <a:blip r:embed="rId6">
-              <a:alphaModFix/>
-            </a:blip>
-            <a:stretch>
-              <a:fillRect b="-7952"/>
-            </a:stretch>
-          </a:blipFill>
-          <a:ln>
-            <a:noFill/>
-          </a:ln>
-        </p:spPr>
-        <p:txBody>
-          <a:bodyPr lIns="91425" tIns="45700" rIns="91425" bIns="45700" anchor="t" anchorCtr="0">
-            <a:noAutofit/>
-          </a:bodyPr>
-          <a:lstStyle/>
-          <a:p>
-            <a:pPr marL="0" marR="0" lvl="0" indent="0" algn="l" rtl="0">
-              <a:spcBef>
-                <a:spcPts val="0"/>
-              </a:spcBef>
-              <a:buSzPct val="25000"/>
-              <a:buNone/>
-            </a:pPr>
-            <a:r>
-              <a:rPr lang="en-US" sz="1800">
-                <a:latin typeface="Gill Sans MT"/>
-                <a:ea typeface="Gill Sans MT"/>
-                <a:cs typeface="Gill Sans MT"/>
-                <a:sym typeface="Gill Sans MT"/>
-              </a:rPr>
-              <a:t> </a:t>
-            </a:r>
-          </a:p>
-        </p:txBody>
-      </p:sp>
-      <p:grpSp>
-        <p:nvGrpSpPr>
-          <p:cNvPr id="197" name="Shape 197"/>
-          <p:cNvGrpSpPr/>
-          <p:nvPr/>
-        </p:nvGrpSpPr>
-        <p:grpSpPr>
-          <a:xfrm>
-            <a:off x="1749798" y="4800599"/>
-            <a:ext cx="1179512" cy="701278"/>
-            <a:chOff x="1749798" y="4800599"/>
-            <a:chExt cx="1179512" cy="701278"/>
-          </a:xfrm>
-        </p:grpSpPr>
-        <p:cxnSp>
-          <p:nvCxnSpPr>
-            <p:cNvPr id="198" name="Shape 198"/>
-            <p:cNvCxnSpPr/>
-            <p:nvPr/>
-          </p:nvCxnSpPr>
-          <p:spPr>
-            <a:xfrm rot="10800000">
-              <a:off x="2206998" y="4800599"/>
-              <a:ext cx="0" cy="381000"/>
-            </a:xfrm>
-            <a:prstGeom prst="straightConnector1">
-              <a:avLst/>
-            </a:prstGeom>
-            <a:noFill/>
-            <a:ln w="9525" cap="flat" cmpd="sng">
-              <a:solidFill>
-                <a:schemeClr val="dk1"/>
-              </a:solidFill>
-              <a:prstDash val="solid"/>
-              <a:miter/>
-              <a:headEnd type="none" w="med" len="med"/>
-              <a:tailEnd type="none" w="med" len="med"/>
-            </a:ln>
-          </p:spPr>
-        </p:cxnSp>
-        <p:sp>
-          <p:nvSpPr>
-            <p:cNvPr id="199" name="Shape 199"/>
-            <p:cNvSpPr txBox="1"/>
-            <p:nvPr/>
-          </p:nvSpPr>
-          <p:spPr>
-            <a:xfrm>
-              <a:off x="1749798" y="5194101"/>
-              <a:ext cx="993401" cy="307777"/>
-            </a:xfrm>
-            <a:prstGeom prst="rect">
-              <a:avLst/>
-            </a:prstGeom>
-            <a:solidFill>
-              <a:srgbClr val="FFFFFF">
-                <a:alpha val="77647"/>
-              </a:srgbClr>
-            </a:solidFill>
-            <a:ln>
-              <a:noFill/>
-            </a:ln>
-          </p:spPr>
-          <p:txBody>
-            <a:bodyPr lIns="91425" tIns="45700" rIns="91425" bIns="45700" anchor="t" anchorCtr="0">
-              <a:noAutofit/>
-            </a:bodyPr>
-            <a:lstStyle/>
-            <a:p>
-              <a:pPr marL="0" marR="0" lvl="0" indent="0" algn="l" rtl="0">
-                <a:spcBef>
-                  <a:spcPts val="0"/>
-                </a:spcBef>
-                <a:buSzPct val="25000"/>
-                <a:buNone/>
-              </a:pPr>
-              <a:r>
-                <a:rPr lang="en-US" sz="1400">
-                  <a:solidFill>
-                    <a:schemeClr val="dk1"/>
-                  </a:solidFill>
-                  <a:latin typeface="Arial"/>
-                  <a:ea typeface="Arial"/>
-                  <a:cs typeface="Arial"/>
-                  <a:sym typeface="Arial"/>
-                </a:rPr>
-                <a:t>500 sq. ft</a:t>
-              </a:r>
-            </a:p>
-          </p:txBody>
-        </p:sp>
-        <p:sp>
-          <p:nvSpPr>
-            <p:cNvPr id="200" name="Shape 200"/>
-            <p:cNvSpPr txBox="1"/>
-            <p:nvPr/>
-          </p:nvSpPr>
-          <p:spPr>
-            <a:xfrm>
-              <a:off x="2283198" y="4800600"/>
-              <a:ext cx="646112" cy="304799"/>
-            </a:xfrm>
-            <a:prstGeom prst="rect">
-              <a:avLst/>
-            </a:prstGeom>
-            <a:noFill/>
-            <a:ln>
-              <a:noFill/>
-            </a:ln>
-          </p:spPr>
-          <p:txBody>
-            <a:bodyPr lIns="91425" tIns="45700" rIns="91425" bIns="45700" anchor="t" anchorCtr="0">
-              <a:noAutofit/>
-            </a:bodyPr>
-            <a:lstStyle/>
-            <a:p>
-              <a:pPr marL="0" marR="0" lvl="0" indent="0" algn="l" rtl="0">
-                <a:spcBef>
-                  <a:spcPts val="0"/>
-                </a:spcBef>
-                <a:buSzPct val="25000"/>
-                <a:buNone/>
-              </a:pPr>
-              <a:r>
-                <a:rPr lang="en-US" sz="1400">
-                  <a:solidFill>
-                    <a:schemeClr val="dk1"/>
-                  </a:solidFill>
-                  <a:latin typeface="Arial"/>
-                  <a:ea typeface="Arial"/>
-                  <a:cs typeface="Arial"/>
-                  <a:sym typeface="Arial"/>
-                </a:rPr>
-                <a:t>$10K</a:t>
-              </a:r>
-            </a:p>
-          </p:txBody>
-        </p:sp>
-        <p:cxnSp>
-          <p:nvCxnSpPr>
-            <p:cNvPr id="201" name="Shape 201"/>
-            <p:cNvCxnSpPr/>
-            <p:nvPr/>
-          </p:nvCxnSpPr>
-          <p:spPr>
-            <a:xfrm>
-              <a:off x="1749798" y="5191125"/>
-              <a:ext cx="457200" cy="0"/>
-            </a:xfrm>
-            <a:prstGeom prst="straightConnector1">
-              <a:avLst/>
-            </a:prstGeom>
-            <a:noFill/>
-            <a:ln w="9525" cap="flat" cmpd="sng">
-              <a:solidFill>
-                <a:schemeClr val="dk1"/>
-              </a:solidFill>
-              <a:prstDash val="solid"/>
-              <a:miter/>
-              <a:headEnd type="none" w="med" len="med"/>
-              <a:tailEnd type="none" w="med" len="med"/>
-            </a:ln>
-          </p:spPr>
-        </p:cxnSp>
-      </p:grpSp>
-      <p:cxnSp>
-        <p:nvCxnSpPr>
-          <p:cNvPr id="202" name="Shape 202"/>
-          <p:cNvCxnSpPr/>
-          <p:nvPr/>
-        </p:nvCxnSpPr>
-        <p:spPr>
-          <a:xfrm rot="10800000" flipH="1">
-            <a:off x="841748" y="4076699"/>
-            <a:ext cx="2286000" cy="1828800"/>
-          </a:xfrm>
-          <a:prstGeom prst="straightConnector1">
-            <a:avLst/>
-          </a:prstGeom>
-          <a:noFill/>
-          <a:ln w="19050" cap="flat" cmpd="sng">
-            <a:solidFill>
-              <a:srgbClr val="5F497A"/>
-            </a:solidFill>
-            <a:prstDash val="solid"/>
-            <a:miter/>
-            <a:headEnd type="none" w="med" len="med"/>
-            <a:tailEnd type="none" w="med" len="med"/>
-          </a:ln>
-        </p:spPr>
-      </p:cxnSp>
     </p:spTree>
   </p:cSld>
   <p:clrMapOvr>
@@ -40306,7 +36334,118 @@
   <p:timing>
     <p:tnLst>
       <p:par>
-        <p:cTn id="1" dur="indefinite" restart="never" nodeType="tmRoot"/>
+        <p:cTn id="1" dur="indefinite" restart="never" nodeType="tmRoot">
+          <p:childTnLst>
+            <p:seq concurrent="1" nextAc="seek">
+              <p:cTn id="2" dur="indefinite" nodeType="mainSeq">
+                <p:childTnLst>
+                  <p:par>
+                    <p:cTn id="3" fill="hold">
+                      <p:stCondLst>
+                        <p:cond delay="indefinite"/>
+                      </p:stCondLst>
+                      <p:childTnLst>
+                        <p:par>
+                          <p:cTn id="4" fill="hold">
+                            <p:stCondLst>
+                              <p:cond delay="0"/>
+                            </p:stCondLst>
+                            <p:childTnLst>
+                              <p:par>
+                                <p:cTn id="5" presetID="10" presetClass="entr" presetSubtype="0" fill="hold" nodeType="clickEffect">
+                                  <p:stCondLst>
+                                    <p:cond delay="0"/>
+                                  </p:stCondLst>
+                                  <p:childTnLst>
+                                    <p:set>
+                                      <p:cBhvr>
+                                        <p:cTn id="6" dur="1" fill="hold">
+                                          <p:stCondLst>
+                                            <p:cond delay="0"/>
+                                          </p:stCondLst>
+                                        </p:cTn>
+                                        <p:tgtEl>
+                                          <p:spTgt spid="214"/>
+                                        </p:tgtEl>
+                                        <p:attrNameLst>
+                                          <p:attrName>style.visibility</p:attrName>
+                                        </p:attrNameLst>
+                                      </p:cBhvr>
+                                      <p:to>
+                                        <p:strVal val="visible"/>
+                                      </p:to>
+                                    </p:set>
+                                    <p:animEffect transition="in" filter="fade">
+                                      <p:cBhvr>
+                                        <p:cTn id="7" dur="500"/>
+                                        <p:tgtEl>
+                                          <p:spTgt spid="214"/>
+                                        </p:tgtEl>
+                                      </p:cBhvr>
+                                    </p:animEffect>
+                                  </p:childTnLst>
+                                </p:cTn>
+                              </p:par>
+                              <p:par>
+                                <p:cTn id="8" presetID="10" presetClass="entr" presetSubtype="0" fill="hold" nodeType="withEffect">
+                                  <p:stCondLst>
+                                    <p:cond delay="0"/>
+                                  </p:stCondLst>
+                                  <p:childTnLst>
+                                    <p:set>
+                                      <p:cBhvr>
+                                        <p:cTn id="9" dur="1" fill="hold">
+                                          <p:stCondLst>
+                                            <p:cond delay="0"/>
+                                          </p:stCondLst>
+                                        </p:cTn>
+                                        <p:tgtEl>
+                                          <p:spTgt spid="215"/>
+                                        </p:tgtEl>
+                                        <p:attrNameLst>
+                                          <p:attrName>style.visibility</p:attrName>
+                                        </p:attrNameLst>
+                                      </p:cBhvr>
+                                      <p:to>
+                                        <p:strVal val="visible"/>
+                                      </p:to>
+                                    </p:set>
+                                    <p:animEffect transition="in" filter="fade">
+                                      <p:cBhvr>
+                                        <p:cTn id="10" dur="500"/>
+                                        <p:tgtEl>
+                                          <p:spTgt spid="215"/>
+                                        </p:tgtEl>
+                                      </p:cBhvr>
+                                    </p:animEffect>
+                                  </p:childTnLst>
+                                </p:cTn>
+                              </p:par>
+                            </p:childTnLst>
+                          </p:cTn>
+                        </p:par>
+                      </p:childTnLst>
+                    </p:cTn>
+                  </p:par>
+                </p:childTnLst>
+              </p:cTn>
+              <p:prevCondLst>
+                <p:cond evt="onPrev" delay="0">
+                  <p:tgtEl>
+                    <p:sldTgt/>
+                  </p:tgtEl>
+                </p:cond>
+              </p:prevCondLst>
+              <p:nextCondLst>
+                <p:cond evt="onNext" delay="0">
+                  <p:tgtEl>
+                    <p:sldTgt/>
+                  </p:tgtEl>
+                </p:cond>
+              </p:nextCondLst>
+            </p:seq>
+          </p:childTnLst>
+        </p:cTn>
       </p:par>
     </p:tnLst>
   </p:timing>
